--- a/01-provision/xconf-sydney-2014-provision.pptx
+++ b/01-provision/xconf-sydney-2014-provision.pptx
@@ -14,6 +14,7 @@
     <p:sldId id="259" r:id="rId8"/>
     <p:sldId id="260" r:id="rId9"/>
     <p:sldId id="261" r:id="rId10"/>
+    <p:sldId id="265" r:id="rId11"/>
   </p:sldIdLst>
   <p:sldSz cx="9144000" cy="6858000" type="screen4x3"/>
   <p:notesSz cx="6858000" cy="9144000"/>
@@ -3172,6 +3173,203 @@
 </p:sld>
 </file>
 
+<file path=ppt/slides/slide10.xml><?xml version="1.0" encoding="utf-8"?>
+<p:sld xmlns:a="http://schemas.openxmlformats.org/drawingml/2006/main" xmlns:r="http://schemas.openxmlformats.org/officeDocument/2006/relationships" xmlns:p="http://schemas.openxmlformats.org/presentationml/2006/main">
+  <p:cSld>
+    <p:spTree>
+      <p:nvGrpSpPr>
+        <p:cNvPr id="1" name=""/>
+        <p:cNvGrpSpPr/>
+        <p:nvPr/>
+      </p:nvGrpSpPr>
+      <p:grpSpPr>
+        <a:xfrm>
+          <a:off x="0" y="0"/>
+          <a:ext cx="0" cy="0"/>
+          <a:chOff x="0" y="0"/>
+          <a:chExt cx="0" cy="0"/>
+        </a:xfrm>
+      </p:grpSpPr>
+      <p:sp>
+        <p:nvSpPr>
+          <p:cNvPr id="2" name="Title 1"/>
+          <p:cNvSpPr>
+            <a:spLocks noGrp="1"/>
+          </p:cNvSpPr>
+          <p:nvPr>
+            <p:ph type="title"/>
+          </p:nvPr>
+        </p:nvSpPr>
+        <p:spPr/>
+        <p:txBody>
+          <a:bodyPr/>
+          <a:lstStyle/>
+          <a:p>
+            <a:r>
+              <a:rPr lang="en-US" dirty="0" smtClean="0"/>
+              <a:t>Puppet - Basics</a:t>
+            </a:r>
+            <a:endParaRPr lang="en-US" dirty="0"/>
+          </a:p>
+        </p:txBody>
+      </p:sp>
+      <p:sp>
+        <p:nvSpPr>
+          <p:cNvPr id="3" name="Content Placeholder 2"/>
+          <p:cNvSpPr>
+            <a:spLocks noGrp="1"/>
+          </p:cNvSpPr>
+          <p:nvPr>
+            <p:ph idx="1"/>
+          </p:nvPr>
+        </p:nvSpPr>
+        <p:spPr/>
+        <p:txBody>
+          <a:bodyPr>
+            <a:normAutofit/>
+          </a:bodyPr>
+          <a:lstStyle/>
+          <a:p>
+            <a:pPr marL="0" indent="0">
+              <a:buNone/>
+            </a:pPr>
+            <a:r>
+              <a:rPr lang="en-US" dirty="0" smtClean="0"/>
+              <a:t>Run an arbitrary command</a:t>
+            </a:r>
+          </a:p>
+          <a:p>
+            <a:r>
+              <a:rPr lang="en-US" dirty="0" err="1" smtClean="0"/>
+              <a:t>Untar</a:t>
+            </a:r>
+            <a:r>
+              <a:rPr lang="en-US" dirty="0" smtClean="0"/>
+              <a:t> the </a:t>
+            </a:r>
+            <a:r>
+              <a:rPr lang="en-US" dirty="0" err="1" smtClean="0"/>
+              <a:t>golang</a:t>
+            </a:r>
+            <a:r>
+              <a:rPr lang="en-US" dirty="0" smtClean="0"/>
+              <a:t> </a:t>
+            </a:r>
+            <a:r>
+              <a:rPr lang="en-US" dirty="0" err="1" smtClean="0"/>
+              <a:t>tarball</a:t>
+            </a:r>
+            <a:r>
+              <a:rPr lang="en-US" dirty="0" smtClean="0"/>
+              <a:t> in /</a:t>
+            </a:r>
+            <a:r>
+              <a:rPr lang="en-US" dirty="0" err="1" smtClean="0"/>
+              <a:t>usr</a:t>
+            </a:r>
+            <a:r>
+              <a:rPr lang="en-US" dirty="0" smtClean="0"/>
+              <a:t>/local</a:t>
+            </a:r>
+          </a:p>
+          <a:p>
+            <a:endParaRPr lang="en-US" dirty="0" smtClean="0"/>
+          </a:p>
+          <a:p>
+            <a:pPr marL="0" indent="0">
+              <a:buNone/>
+            </a:pPr>
+            <a:r>
+              <a:rPr lang="en-US" dirty="0" smtClean="0"/>
+              <a:t>Place a file on to the file system</a:t>
+            </a:r>
+            <a:endParaRPr lang="en-US" dirty="0"/>
+          </a:p>
+          <a:p>
+            <a:r>
+              <a:rPr lang="en-US" dirty="0" smtClean="0"/>
+              <a:t>Put the following content into /</a:t>
+            </a:r>
+            <a:r>
+              <a:rPr lang="en-US" dirty="0" err="1" smtClean="0"/>
+              <a:t>etc</a:t>
+            </a:r>
+            <a:r>
+              <a:rPr lang="en-US" dirty="0" smtClean="0"/>
+              <a:t>/</a:t>
+            </a:r>
+            <a:r>
+              <a:rPr lang="en-US" dirty="0" err="1" smtClean="0"/>
+              <a:t>profile.d</a:t>
+            </a:r>
+            <a:r>
+              <a:rPr lang="en-US" dirty="0" smtClean="0"/>
+              <a:t>/</a:t>
+            </a:r>
+            <a:r>
+              <a:rPr lang="en-US" dirty="0" err="1" smtClean="0"/>
+              <a:t>golang.sh</a:t>
+            </a:r>
+            <a:endParaRPr lang="en-US" dirty="0" smtClean="0"/>
+          </a:p>
+          <a:p>
+            <a:pPr marL="400050" lvl="1" indent="0">
+              <a:buNone/>
+            </a:pPr>
+            <a:r>
+              <a:rPr lang="en-US" sz="2400" dirty="0" smtClean="0">
+                <a:latin typeface="Courier New"/>
+                <a:cs typeface="Courier New"/>
+              </a:rPr>
+              <a:t>export PATH=/</a:t>
+            </a:r>
+            <a:r>
+              <a:rPr lang="en-US" sz="2400" dirty="0" err="1" smtClean="0">
+                <a:latin typeface="Courier New"/>
+                <a:cs typeface="Courier New"/>
+              </a:rPr>
+              <a:t>usr</a:t>
+            </a:r>
+            <a:r>
+              <a:rPr lang="en-US" sz="2400" dirty="0" smtClean="0">
+                <a:latin typeface="Courier New"/>
+                <a:cs typeface="Courier New"/>
+              </a:rPr>
+              <a:t>/local/go/bin:${PATH}</a:t>
+            </a:r>
+            <a:endParaRPr lang="en-US" sz="2400" dirty="0">
+              <a:latin typeface="Courier New"/>
+              <a:cs typeface="Courier New"/>
+            </a:endParaRPr>
+          </a:p>
+          <a:p>
+            <a:pPr marL="0" indent="0">
+              <a:buNone/>
+            </a:pPr>
+            <a:endParaRPr lang="en-US" sz="2600" dirty="0"/>
+          </a:p>
+        </p:txBody>
+      </p:sp>
+    </p:spTree>
+    <p:extLst>
+      <p:ext uri="{BB962C8B-B14F-4D97-AF65-F5344CB8AC3E}">
+        <p14:creationId xmlns:p14="http://schemas.microsoft.com/office/powerpoint/2010/main" val="903861105"/>
+      </p:ext>
+    </p:extLst>
+  </p:cSld>
+  <p:clrMapOvr>
+    <a:masterClrMapping/>
+  </p:clrMapOvr>
+  <p:timing>
+    <p:tnLst>
+      <p:par>
+        <p:cTn xmlns:p14="http://schemas.microsoft.com/office/powerpoint/2010/main" id="1" dur="indefinite" restart="never" nodeType="tmRoot"/>
+      </p:par>
+    </p:tnLst>
+  </p:timing>
+</p:sld>
+</file>
+
 <file path=ppt/slides/slide2.xml><?xml version="1.0" encoding="utf-8"?>
 <p:sld xmlns:a="http://schemas.openxmlformats.org/drawingml/2006/main" xmlns:r="http://schemas.openxmlformats.org/officeDocument/2006/relationships" xmlns:p="http://schemas.openxmlformats.org/presentationml/2006/main">
   <p:cSld>
@@ -4036,7 +4234,7 @@
         <p:spPr/>
         <p:txBody>
           <a:bodyPr>
-            <a:normAutofit fontScale="92500" lnSpcReduction="10000"/>
+            <a:normAutofit fontScale="92500" lnSpcReduction="20000"/>
           </a:bodyPr>
           <a:lstStyle/>
           <a:p>
@@ -4070,7 +4268,15 @@
             </a:r>
             <a:r>
               <a:rPr lang="en-US" dirty="0" smtClean="0"/>
-              <a:t> is installed</a:t>
+              <a:t> and </a:t>
+            </a:r>
+            <a:r>
+              <a:rPr lang="en-US" dirty="0" err="1" smtClean="0"/>
+              <a:t>httpd</a:t>
+            </a:r>
+            <a:r>
+              <a:rPr lang="en-US" dirty="0" smtClean="0"/>
+              <a:t> are installed</a:t>
             </a:r>
           </a:p>
           <a:p>
@@ -4147,7 +4353,7 @@
               <a:buNone/>
             </a:pPr>
             <a:r>
-              <a:rPr lang="en-US" sz="2600" smtClean="0"/>
+              <a:rPr lang="en-US" sz="2600" dirty="0" smtClean="0"/>
               <a:t>…or just </a:t>
             </a:r>
             <a:r>

--- a/01-provision/xconf-sydney-2014-provision.pptx
+++ b/01-provision/xconf-sydney-2014-provision.pptx
@@ -15,6 +15,15 @@
     <p:sldId id="260" r:id="rId9"/>
     <p:sldId id="261" r:id="rId10"/>
     <p:sldId id="265" r:id="rId11"/>
+    <p:sldId id="266" r:id="rId12"/>
+    <p:sldId id="268" r:id="rId13"/>
+    <p:sldId id="274" r:id="rId14"/>
+    <p:sldId id="275" r:id="rId15"/>
+    <p:sldId id="272" r:id="rId16"/>
+    <p:sldId id="271" r:id="rId17"/>
+    <p:sldId id="269" r:id="rId18"/>
+    <p:sldId id="267" r:id="rId19"/>
+    <p:sldId id="270" r:id="rId20"/>
   </p:sldIdLst>
   <p:sldSz cx="9144000" cy="6858000" type="screen4x3"/>
   <p:notesSz cx="6858000" cy="9144000"/>
@@ -3245,15 +3254,7 @@
             </a:r>
             <a:r>
               <a:rPr lang="en-US" dirty="0" smtClean="0"/>
-              <a:t> the </a:t>
-            </a:r>
-            <a:r>
-              <a:rPr lang="en-US" dirty="0" err="1" smtClean="0"/>
-              <a:t>golang</a:t>
-            </a:r>
-            <a:r>
-              <a:rPr lang="en-US" dirty="0" smtClean="0"/>
-              <a:t> </a:t>
+              <a:t> the sample </a:t>
             </a:r>
             <a:r>
               <a:rPr lang="en-US" dirty="0" err="1" smtClean="0"/>
@@ -3261,7 +3262,7 @@
             </a:r>
             <a:r>
               <a:rPr lang="en-US" dirty="0" smtClean="0"/>
-              <a:t> in /</a:t>
+              <a:t> into /</a:t>
             </a:r>
             <a:r>
               <a:rPr lang="en-US" dirty="0" err="1" smtClean="0"/>
@@ -3308,7 +3309,7 @@
             </a:r>
             <a:r>
               <a:rPr lang="en-US" dirty="0" err="1" smtClean="0"/>
-              <a:t>golang.sh</a:t>
+              <a:t>sample.sh</a:t>
             </a:r>
             <a:endParaRPr lang="en-US" dirty="0" smtClean="0"/>
           </a:p>
@@ -3335,7 +3336,7 @@
                 <a:latin typeface="Courier New"/>
                 <a:cs typeface="Courier New"/>
               </a:rPr>
-              <a:t>/local/go/bin:${PATH}</a:t>
+              <a:t>/local/sample/bin:${PATH}</a:t>
             </a:r>
             <a:endParaRPr lang="en-US" sz="2400" dirty="0">
               <a:latin typeface="Courier New"/>
@@ -3354,6 +3355,1430 @@
     <p:extLst>
       <p:ext uri="{BB962C8B-B14F-4D97-AF65-F5344CB8AC3E}">
         <p14:creationId xmlns:p14="http://schemas.microsoft.com/office/powerpoint/2010/main" val="903861105"/>
+      </p:ext>
+    </p:extLst>
+  </p:cSld>
+  <p:clrMapOvr>
+    <a:masterClrMapping/>
+  </p:clrMapOvr>
+  <p:timing>
+    <p:tnLst>
+      <p:par>
+        <p:cTn xmlns:p14="http://schemas.microsoft.com/office/powerpoint/2010/main" id="1" dur="indefinite" restart="never" nodeType="tmRoot"/>
+      </p:par>
+    </p:tnLst>
+  </p:timing>
+</p:sld>
+</file>
+
+<file path=ppt/slides/slide11.xml><?xml version="1.0" encoding="utf-8"?>
+<p:sld xmlns:a="http://schemas.openxmlformats.org/drawingml/2006/main" xmlns:r="http://schemas.openxmlformats.org/officeDocument/2006/relationships" xmlns:p="http://schemas.openxmlformats.org/presentationml/2006/main">
+  <p:cSld>
+    <p:spTree>
+      <p:nvGrpSpPr>
+        <p:cNvPr id="1" name=""/>
+        <p:cNvGrpSpPr/>
+        <p:nvPr/>
+      </p:nvGrpSpPr>
+      <p:grpSpPr>
+        <a:xfrm>
+          <a:off x="0" y="0"/>
+          <a:ext cx="0" cy="0"/>
+          <a:chOff x="0" y="0"/>
+          <a:chExt cx="0" cy="0"/>
+        </a:xfrm>
+      </p:grpSpPr>
+      <p:sp>
+        <p:nvSpPr>
+          <p:cNvPr id="4" name="Title 3"/>
+          <p:cNvSpPr>
+            <a:spLocks noGrp="1"/>
+          </p:cNvSpPr>
+          <p:nvPr>
+            <p:ph type="title"/>
+          </p:nvPr>
+        </p:nvSpPr>
+        <p:spPr/>
+        <p:txBody>
+          <a:bodyPr/>
+          <a:lstStyle/>
+          <a:p>
+            <a:r>
+              <a:rPr lang="en-US" dirty="0" smtClean="0"/>
+              <a:t>Puppet Class</a:t>
+            </a:r>
+            <a:endParaRPr lang="en-US" dirty="0"/>
+          </a:p>
+        </p:txBody>
+      </p:sp>
+      <p:sp>
+        <p:nvSpPr>
+          <p:cNvPr id="5" name="Text Placeholder 4"/>
+          <p:cNvSpPr>
+            <a:spLocks noGrp="1"/>
+          </p:cNvSpPr>
+          <p:nvPr>
+            <p:ph type="body" idx="1"/>
+          </p:nvPr>
+        </p:nvSpPr>
+        <p:spPr/>
+        <p:txBody>
+          <a:bodyPr/>
+          <a:lstStyle/>
+          <a:p>
+            <a:endParaRPr lang="en-US"/>
+          </a:p>
+        </p:txBody>
+      </p:sp>
+    </p:spTree>
+    <p:extLst>
+      <p:ext uri="{BB962C8B-B14F-4D97-AF65-F5344CB8AC3E}">
+        <p14:creationId xmlns:p14="http://schemas.microsoft.com/office/powerpoint/2010/main" val="2801033374"/>
+      </p:ext>
+    </p:extLst>
+  </p:cSld>
+  <p:clrMapOvr>
+    <a:masterClrMapping/>
+  </p:clrMapOvr>
+  <p:timing>
+    <p:tnLst>
+      <p:par>
+        <p:cTn xmlns:p14="http://schemas.microsoft.com/office/powerpoint/2010/main" id="1" dur="indefinite" restart="never" nodeType="tmRoot"/>
+      </p:par>
+    </p:tnLst>
+  </p:timing>
+</p:sld>
+</file>
+
+<file path=ppt/slides/slide12.xml><?xml version="1.0" encoding="utf-8"?>
+<p:sld xmlns:a="http://schemas.openxmlformats.org/drawingml/2006/main" xmlns:r="http://schemas.openxmlformats.org/officeDocument/2006/relationships" xmlns:p="http://schemas.openxmlformats.org/presentationml/2006/main">
+  <p:cSld>
+    <p:spTree>
+      <p:nvGrpSpPr>
+        <p:cNvPr id="1" name=""/>
+        <p:cNvGrpSpPr/>
+        <p:nvPr/>
+      </p:nvGrpSpPr>
+      <p:grpSpPr>
+        <a:xfrm>
+          <a:off x="0" y="0"/>
+          <a:ext cx="0" cy="0"/>
+          <a:chOff x="0" y="0"/>
+          <a:chExt cx="0" cy="0"/>
+        </a:xfrm>
+      </p:grpSpPr>
+      <p:sp>
+        <p:nvSpPr>
+          <p:cNvPr id="4" name="Title 3"/>
+          <p:cNvSpPr>
+            <a:spLocks noGrp="1"/>
+          </p:cNvSpPr>
+          <p:nvPr>
+            <p:ph type="title"/>
+          </p:nvPr>
+        </p:nvSpPr>
+        <p:spPr/>
+        <p:txBody>
+          <a:bodyPr/>
+          <a:lstStyle/>
+          <a:p>
+            <a:r>
+              <a:rPr lang="en-US" dirty="0" smtClean="0"/>
+              <a:t>Class </a:t>
+            </a:r>
+            <a:r>
+              <a:rPr lang="en-US" i="1" dirty="0" smtClean="0"/>
+              <a:t>Definition</a:t>
+            </a:r>
+            <a:endParaRPr lang="en-US" i="1" dirty="0"/>
+          </a:p>
+        </p:txBody>
+      </p:sp>
+      <p:sp>
+        <p:nvSpPr>
+          <p:cNvPr id="5" name="Content Placeholder 4"/>
+          <p:cNvSpPr>
+            <a:spLocks noGrp="1"/>
+          </p:cNvSpPr>
+          <p:nvPr>
+            <p:ph idx="1"/>
+          </p:nvPr>
+        </p:nvSpPr>
+        <p:spPr/>
+        <p:txBody>
+          <a:bodyPr>
+            <a:normAutofit/>
+          </a:bodyPr>
+          <a:lstStyle/>
+          <a:p>
+            <a:pPr marL="0" indent="0">
+              <a:buNone/>
+            </a:pPr>
+            <a:r>
+              <a:rPr lang="en-US" sz="2000" dirty="0" smtClean="0">
+                <a:latin typeface="Courier New"/>
+                <a:cs typeface="Courier New"/>
+              </a:rPr>
+              <a:t>class junk {</a:t>
+            </a:r>
+          </a:p>
+          <a:p>
+            <a:pPr marL="0" indent="0">
+              <a:buNone/>
+            </a:pPr>
+            <a:r>
+              <a:rPr lang="en-US" sz="2000" dirty="0">
+                <a:latin typeface="Courier New"/>
+                <a:cs typeface="Courier New"/>
+              </a:rPr>
+              <a:t> </a:t>
+            </a:r>
+            <a:r>
+              <a:rPr lang="en-US" sz="2000" dirty="0" smtClean="0">
+                <a:latin typeface="Courier New"/>
+                <a:cs typeface="Courier New"/>
+              </a:rPr>
+              <a:t> file { '/</a:t>
+            </a:r>
+            <a:r>
+              <a:rPr lang="en-US" sz="2000" dirty="0" err="1" smtClean="0">
+                <a:latin typeface="Courier New"/>
+                <a:cs typeface="Courier New"/>
+              </a:rPr>
+              <a:t>tmp</a:t>
+            </a:r>
+            <a:r>
+              <a:rPr lang="en-US" sz="2000" dirty="0" smtClean="0">
+                <a:latin typeface="Courier New"/>
+                <a:cs typeface="Courier New"/>
+              </a:rPr>
+              <a:t>/</a:t>
+            </a:r>
+            <a:r>
+              <a:rPr lang="en-US" sz="2000" dirty="0" err="1" smtClean="0">
+                <a:latin typeface="Courier New"/>
+                <a:cs typeface="Courier New"/>
+              </a:rPr>
+              <a:t>junk.txt</a:t>
+            </a:r>
+            <a:r>
+              <a:rPr lang="en-US" sz="2000" dirty="0" smtClean="0">
+                <a:latin typeface="Courier New"/>
+                <a:cs typeface="Courier New"/>
+              </a:rPr>
+              <a:t>':</a:t>
+            </a:r>
+          </a:p>
+          <a:p>
+            <a:pPr marL="0" indent="0">
+              <a:buNone/>
+            </a:pPr>
+            <a:r>
+              <a:rPr lang="en-US" sz="2000" dirty="0">
+                <a:latin typeface="Courier New"/>
+                <a:cs typeface="Courier New"/>
+              </a:rPr>
+              <a:t> </a:t>
+            </a:r>
+            <a:r>
+              <a:rPr lang="en-US" sz="2000" dirty="0" smtClean="0">
+                <a:latin typeface="Courier New"/>
+                <a:cs typeface="Courier New"/>
+              </a:rPr>
+              <a:t>   ensure =&gt; file,</a:t>
+            </a:r>
+          </a:p>
+          <a:p>
+            <a:pPr marL="0" indent="0">
+              <a:buNone/>
+            </a:pPr>
+            <a:r>
+              <a:rPr lang="en-US" sz="2000" dirty="0">
+                <a:latin typeface="Courier New"/>
+                <a:cs typeface="Courier New"/>
+              </a:rPr>
+              <a:t> </a:t>
+            </a:r>
+            <a:r>
+              <a:rPr lang="en-US" sz="2000" dirty="0" smtClean="0">
+                <a:latin typeface="Courier New"/>
+                <a:cs typeface="Courier New"/>
+              </a:rPr>
+              <a:t>   content =&gt; 'Some garbage text.',</a:t>
+            </a:r>
+          </a:p>
+          <a:p>
+            <a:pPr marL="0" indent="0">
+              <a:buNone/>
+            </a:pPr>
+            <a:r>
+              <a:rPr lang="en-US" sz="2000" dirty="0">
+                <a:latin typeface="Courier New"/>
+                <a:cs typeface="Courier New"/>
+              </a:rPr>
+              <a:t> </a:t>
+            </a:r>
+            <a:r>
+              <a:rPr lang="en-US" sz="2000" dirty="0" smtClean="0">
+                <a:latin typeface="Courier New"/>
+                <a:cs typeface="Courier New"/>
+              </a:rPr>
+              <a:t> }</a:t>
+            </a:r>
+          </a:p>
+          <a:p>
+            <a:pPr marL="0" indent="0">
+              <a:buNone/>
+            </a:pPr>
+            <a:r>
+              <a:rPr lang="en-US" sz="2000" dirty="0">
+                <a:latin typeface="Courier New"/>
+                <a:cs typeface="Courier New"/>
+              </a:rPr>
+              <a:t>}</a:t>
+            </a:r>
+            <a:endParaRPr lang="en-US" sz="2000" dirty="0" smtClean="0">
+              <a:latin typeface="Courier New"/>
+              <a:cs typeface="Courier New"/>
+            </a:endParaRPr>
+          </a:p>
+        </p:txBody>
+      </p:sp>
+    </p:spTree>
+    <p:extLst>
+      <p:ext uri="{BB962C8B-B14F-4D97-AF65-F5344CB8AC3E}">
+        <p14:creationId xmlns:p14="http://schemas.microsoft.com/office/powerpoint/2010/main" val="3834580021"/>
+      </p:ext>
+    </p:extLst>
+  </p:cSld>
+  <p:clrMapOvr>
+    <a:masterClrMapping/>
+  </p:clrMapOvr>
+  <p:timing>
+    <p:tnLst>
+      <p:par>
+        <p:cTn xmlns:p14="http://schemas.microsoft.com/office/powerpoint/2010/main" id="1" dur="indefinite" restart="never" nodeType="tmRoot"/>
+      </p:par>
+    </p:tnLst>
+  </p:timing>
+</p:sld>
+</file>
+
+<file path=ppt/slides/slide13.xml><?xml version="1.0" encoding="utf-8"?>
+<p:sld xmlns:a="http://schemas.openxmlformats.org/drawingml/2006/main" xmlns:r="http://schemas.openxmlformats.org/officeDocument/2006/relationships" xmlns:p="http://schemas.openxmlformats.org/presentationml/2006/main">
+  <p:cSld>
+    <p:spTree>
+      <p:nvGrpSpPr>
+        <p:cNvPr id="1" name=""/>
+        <p:cNvGrpSpPr/>
+        <p:nvPr/>
+      </p:nvGrpSpPr>
+      <p:grpSpPr>
+        <a:xfrm>
+          <a:off x="0" y="0"/>
+          <a:ext cx="0" cy="0"/>
+          <a:chOff x="0" y="0"/>
+          <a:chExt cx="0" cy="0"/>
+        </a:xfrm>
+      </p:grpSpPr>
+      <p:sp>
+        <p:nvSpPr>
+          <p:cNvPr id="4" name="Title 3"/>
+          <p:cNvSpPr>
+            <a:spLocks noGrp="1"/>
+          </p:cNvSpPr>
+          <p:nvPr>
+            <p:ph type="title"/>
+          </p:nvPr>
+        </p:nvSpPr>
+        <p:spPr/>
+        <p:txBody>
+          <a:bodyPr/>
+          <a:lstStyle/>
+          <a:p>
+            <a:r>
+              <a:rPr lang="en-US" dirty="0" smtClean="0"/>
+              <a:t>Class </a:t>
+            </a:r>
+            <a:r>
+              <a:rPr lang="en-US" i="1" dirty="0" smtClean="0"/>
+              <a:t>Declaration</a:t>
+            </a:r>
+            <a:endParaRPr lang="en-US" i="1" dirty="0"/>
+          </a:p>
+        </p:txBody>
+      </p:sp>
+      <p:sp>
+        <p:nvSpPr>
+          <p:cNvPr id="5" name="Content Placeholder 4"/>
+          <p:cNvSpPr>
+            <a:spLocks noGrp="1"/>
+          </p:cNvSpPr>
+          <p:nvPr>
+            <p:ph idx="1"/>
+          </p:nvPr>
+        </p:nvSpPr>
+        <p:spPr/>
+        <p:txBody>
+          <a:bodyPr>
+            <a:normAutofit/>
+          </a:bodyPr>
+          <a:lstStyle/>
+          <a:p>
+            <a:pPr marL="0" indent="0">
+              <a:buNone/>
+            </a:pPr>
+            <a:r>
+              <a:rPr lang="en-US" dirty="0" smtClean="0">
+                <a:latin typeface="Courier New"/>
+                <a:cs typeface="Courier New"/>
+              </a:rPr>
+              <a:t>class { '</a:t>
+            </a:r>
+            <a:r>
+              <a:rPr lang="en-US" dirty="0" smtClean="0">
+                <a:latin typeface="Courier New"/>
+                <a:cs typeface="Courier New"/>
+              </a:rPr>
+              <a:t>junk':</a:t>
+            </a:r>
+            <a:r>
+              <a:rPr lang="en-US" dirty="0">
+                <a:latin typeface="Courier New"/>
+                <a:cs typeface="Courier New"/>
+              </a:rPr>
+              <a:t> </a:t>
+            </a:r>
+            <a:r>
+              <a:rPr lang="en-US" dirty="0" smtClean="0">
+                <a:latin typeface="Courier New"/>
+                <a:cs typeface="Courier New"/>
+              </a:rPr>
+              <a:t>}</a:t>
+            </a:r>
+          </a:p>
+          <a:p>
+            <a:pPr marL="0" indent="0">
+              <a:buNone/>
+            </a:pPr>
+            <a:r>
+              <a:rPr lang="en-US" dirty="0" smtClean="0">
+                <a:latin typeface="Courier New"/>
+                <a:cs typeface="Courier New"/>
+              </a:rPr>
+              <a:t>...</a:t>
+            </a:r>
+          </a:p>
+          <a:p>
+            <a:pPr marL="0" indent="0">
+              <a:buNone/>
+            </a:pPr>
+            <a:r>
+              <a:rPr lang="en-US" dirty="0" smtClean="0">
+                <a:latin typeface="Courier New"/>
+                <a:cs typeface="Courier New"/>
+              </a:rPr>
+              <a:t>class { 'junk': }</a:t>
+            </a:r>
+          </a:p>
+          <a:p>
+            <a:pPr marL="0" indent="0">
+              <a:buNone/>
+            </a:pPr>
+            <a:endParaRPr lang="en-US" dirty="0" smtClean="0">
+              <a:latin typeface="Courier New"/>
+              <a:cs typeface="Courier New"/>
+            </a:endParaRPr>
+          </a:p>
+          <a:p>
+            <a:pPr marL="0" indent="0">
+              <a:buNone/>
+            </a:pPr>
+            <a:endParaRPr lang="en-US" dirty="0">
+              <a:latin typeface="Courier New"/>
+              <a:cs typeface="Courier New"/>
+            </a:endParaRPr>
+          </a:p>
+        </p:txBody>
+      </p:sp>
+      <p:pic>
+        <p:nvPicPr>
+          <p:cNvPr id="2" name="Picture 1"/>
+          <p:cNvPicPr>
+            <a:picLocks noChangeAspect="1"/>
+          </p:cNvPicPr>
+          <p:nvPr/>
+        </p:nvPicPr>
+        <p:blipFill>
+          <a:blip r:embed="rId2"/>
+          <a:stretch>
+            <a:fillRect/>
+          </a:stretch>
+        </p:blipFill>
+        <p:spPr>
+          <a:xfrm>
+            <a:off x="546100" y="3759199"/>
+            <a:ext cx="8140700" cy="355571"/>
+          </a:xfrm>
+          <a:prstGeom prst="rect">
+            <a:avLst/>
+          </a:prstGeom>
+        </p:spPr>
+      </p:pic>
+    </p:spTree>
+    <p:extLst>
+      <p:ext uri="{BB962C8B-B14F-4D97-AF65-F5344CB8AC3E}">
+        <p14:creationId xmlns:p14="http://schemas.microsoft.com/office/powerpoint/2010/main" val="2707467741"/>
+      </p:ext>
+    </p:extLst>
+  </p:cSld>
+  <p:clrMapOvr>
+    <a:masterClrMapping/>
+  </p:clrMapOvr>
+  <p:timing>
+    <p:tnLst>
+      <p:par>
+        <p:cTn xmlns:p14="http://schemas.microsoft.com/office/powerpoint/2010/main" id="1" dur="indefinite" restart="never" nodeType="tmRoot">
+          <p:childTnLst>
+            <p:seq concurrent="1" nextAc="seek">
+              <p:cTn id="2" dur="indefinite" nodeType="mainSeq">
+                <p:childTnLst>
+                  <p:par>
+                    <p:cTn id="3" fill="hold">
+                      <p:stCondLst>
+                        <p:cond delay="indefinite"/>
+                      </p:stCondLst>
+                      <p:childTnLst>
+                        <p:par>
+                          <p:cTn id="4" fill="hold">
+                            <p:stCondLst>
+                              <p:cond delay="0"/>
+                            </p:stCondLst>
+                            <p:childTnLst>
+                              <p:par>
+                                <p:cTn id="5" presetID="1" presetClass="entr" presetSubtype="0" fill="hold" nodeType="clickEffect">
+                                  <p:stCondLst>
+                                    <p:cond delay="0"/>
+                                  </p:stCondLst>
+                                  <p:childTnLst>
+                                    <p:set>
+                                      <p:cBhvr>
+                                        <p:cTn id="6" dur="1" fill="hold">
+                                          <p:stCondLst>
+                                            <p:cond delay="0"/>
+                                          </p:stCondLst>
+                                        </p:cTn>
+                                        <p:tgtEl>
+                                          <p:spTgt spid="5">
+                                            <p:txEl>
+                                              <p:pRg st="1" end="1"/>
+                                            </p:txEl>
+                                          </p:spTgt>
+                                        </p:tgtEl>
+                                        <p:attrNameLst>
+                                          <p:attrName>style.visibility</p:attrName>
+                                        </p:attrNameLst>
+                                      </p:cBhvr>
+                                      <p:to>
+                                        <p:strVal val="visible"/>
+                                      </p:to>
+                                    </p:set>
+                                  </p:childTnLst>
+                                </p:cTn>
+                              </p:par>
+                              <p:par>
+                                <p:cTn id="7" presetID="1" presetClass="entr" presetSubtype="0" fill="hold" nodeType="withEffect">
+                                  <p:stCondLst>
+                                    <p:cond delay="0"/>
+                                  </p:stCondLst>
+                                  <p:childTnLst>
+                                    <p:set>
+                                      <p:cBhvr>
+                                        <p:cTn id="8" dur="1" fill="hold">
+                                          <p:stCondLst>
+                                            <p:cond delay="0"/>
+                                          </p:stCondLst>
+                                        </p:cTn>
+                                        <p:tgtEl>
+                                          <p:spTgt spid="5">
+                                            <p:txEl>
+                                              <p:pRg st="2" end="2"/>
+                                            </p:txEl>
+                                          </p:spTgt>
+                                        </p:tgtEl>
+                                        <p:attrNameLst>
+                                          <p:attrName>style.visibility</p:attrName>
+                                        </p:attrNameLst>
+                                      </p:cBhvr>
+                                      <p:to>
+                                        <p:strVal val="visible"/>
+                                      </p:to>
+                                    </p:set>
+                                  </p:childTnLst>
+                                </p:cTn>
+                              </p:par>
+                            </p:childTnLst>
+                          </p:cTn>
+                        </p:par>
+                      </p:childTnLst>
+                    </p:cTn>
+                  </p:par>
+                  <p:par>
+                    <p:cTn id="9" fill="hold">
+                      <p:stCondLst>
+                        <p:cond delay="indefinite"/>
+                      </p:stCondLst>
+                      <p:childTnLst>
+                        <p:par>
+                          <p:cTn id="10" fill="hold">
+                            <p:stCondLst>
+                              <p:cond delay="0"/>
+                            </p:stCondLst>
+                            <p:childTnLst>
+                              <p:par>
+                                <p:cTn id="11" presetID="1" presetClass="entr" presetSubtype="0" fill="hold" nodeType="clickEffect">
+                                  <p:stCondLst>
+                                    <p:cond delay="0"/>
+                                  </p:stCondLst>
+                                  <p:childTnLst>
+                                    <p:set>
+                                      <p:cBhvr>
+                                        <p:cTn id="12" dur="1" fill="hold">
+                                          <p:stCondLst>
+                                            <p:cond delay="0"/>
+                                          </p:stCondLst>
+                                        </p:cTn>
+                                        <p:tgtEl>
+                                          <p:spTgt spid="2"/>
+                                        </p:tgtEl>
+                                        <p:attrNameLst>
+                                          <p:attrName>style.visibility</p:attrName>
+                                        </p:attrNameLst>
+                                      </p:cBhvr>
+                                      <p:to>
+                                        <p:strVal val="visible"/>
+                                      </p:to>
+                                    </p:set>
+                                  </p:childTnLst>
+                                </p:cTn>
+                              </p:par>
+                            </p:childTnLst>
+                          </p:cTn>
+                        </p:par>
+                      </p:childTnLst>
+                    </p:cTn>
+                  </p:par>
+                </p:childTnLst>
+              </p:cTn>
+              <p:prevCondLst>
+                <p:cond evt="onPrev" delay="0">
+                  <p:tgtEl>
+                    <p:sldTgt/>
+                  </p:tgtEl>
+                </p:cond>
+              </p:prevCondLst>
+              <p:nextCondLst>
+                <p:cond evt="onNext" delay="0">
+                  <p:tgtEl>
+                    <p:sldTgt/>
+                  </p:tgtEl>
+                </p:cond>
+              </p:nextCondLst>
+            </p:seq>
+          </p:childTnLst>
+        </p:cTn>
+      </p:par>
+    </p:tnLst>
+  </p:timing>
+</p:sld>
+</file>
+
+<file path=ppt/slides/slide14.xml><?xml version="1.0" encoding="utf-8"?>
+<p:sld xmlns:a="http://schemas.openxmlformats.org/drawingml/2006/main" xmlns:r="http://schemas.openxmlformats.org/officeDocument/2006/relationships" xmlns:p="http://schemas.openxmlformats.org/presentationml/2006/main">
+  <p:cSld>
+    <p:spTree>
+      <p:nvGrpSpPr>
+        <p:cNvPr id="1" name=""/>
+        <p:cNvGrpSpPr/>
+        <p:nvPr/>
+      </p:nvGrpSpPr>
+      <p:grpSpPr>
+        <a:xfrm>
+          <a:off x="0" y="0"/>
+          <a:ext cx="0" cy="0"/>
+          <a:chOff x="0" y="0"/>
+          <a:chExt cx="0" cy="0"/>
+        </a:xfrm>
+      </p:grpSpPr>
+      <p:sp>
+        <p:nvSpPr>
+          <p:cNvPr id="4" name="Title 3"/>
+          <p:cNvSpPr>
+            <a:spLocks noGrp="1"/>
+          </p:cNvSpPr>
+          <p:nvPr>
+            <p:ph type="title"/>
+          </p:nvPr>
+        </p:nvSpPr>
+        <p:spPr/>
+        <p:txBody>
+          <a:bodyPr/>
+          <a:lstStyle/>
+          <a:p>
+            <a:r>
+              <a:rPr lang="en-US" dirty="0" smtClean="0"/>
+              <a:t>The </a:t>
+            </a:r>
+            <a:r>
+              <a:rPr lang="en-US" i="1" dirty="0" err="1" smtClean="0"/>
+              <a:t>lamp_stack</a:t>
+            </a:r>
+            <a:r>
+              <a:rPr lang="en-US" dirty="0" smtClean="0"/>
+              <a:t> class</a:t>
+            </a:r>
+            <a:endParaRPr lang="en-US" dirty="0"/>
+          </a:p>
+        </p:txBody>
+      </p:sp>
+      <p:sp>
+        <p:nvSpPr>
+          <p:cNvPr id="5" name="Content Placeholder 4"/>
+          <p:cNvSpPr>
+            <a:spLocks noGrp="1"/>
+          </p:cNvSpPr>
+          <p:nvPr>
+            <p:ph idx="1"/>
+          </p:nvPr>
+        </p:nvSpPr>
+        <p:spPr/>
+        <p:txBody>
+          <a:bodyPr>
+            <a:normAutofit/>
+          </a:bodyPr>
+          <a:lstStyle/>
+          <a:p>
+            <a:pPr marL="0" indent="0">
+              <a:buNone/>
+            </a:pPr>
+            <a:r>
+              <a:rPr lang="en-US" dirty="0" smtClean="0">
+                <a:latin typeface="Calibri"/>
+                <a:cs typeface="Calibri"/>
+              </a:rPr>
+              <a:t>Packages:</a:t>
+            </a:r>
+          </a:p>
+          <a:p>
+            <a:r>
+              <a:rPr lang="en-US" dirty="0" err="1" smtClean="0">
+                <a:cs typeface="Calibri"/>
+              </a:rPr>
+              <a:t>httpd</a:t>
+            </a:r>
+            <a:r>
+              <a:rPr lang="en-US" dirty="0" smtClean="0">
+                <a:cs typeface="Calibri"/>
+              </a:rPr>
+              <a:t>, </a:t>
+            </a:r>
+            <a:r>
+              <a:rPr lang="en-US" dirty="0" err="1" smtClean="0">
+                <a:cs typeface="Calibri"/>
+              </a:rPr>
+              <a:t>mysql</a:t>
+            </a:r>
+            <a:r>
+              <a:rPr lang="en-US" dirty="0" smtClean="0">
+                <a:cs typeface="Calibri"/>
+              </a:rPr>
+              <a:t>-server, </a:t>
+            </a:r>
+            <a:r>
+              <a:rPr lang="en-US" dirty="0" err="1" smtClean="0">
+                <a:cs typeface="Calibri"/>
+              </a:rPr>
+              <a:t>mysql</a:t>
+            </a:r>
+            <a:r>
+              <a:rPr lang="en-US" dirty="0" smtClean="0">
+                <a:cs typeface="Calibri"/>
+              </a:rPr>
+              <a:t>, </a:t>
+            </a:r>
+            <a:r>
+              <a:rPr lang="en-US" dirty="0" err="1" smtClean="0">
+                <a:cs typeface="Calibri"/>
+              </a:rPr>
+              <a:t>php</a:t>
+            </a:r>
+            <a:r>
+              <a:rPr lang="en-US" dirty="0" smtClean="0">
+                <a:cs typeface="Calibri"/>
+              </a:rPr>
+              <a:t>, </a:t>
+            </a:r>
+            <a:r>
+              <a:rPr lang="en-US" dirty="0" err="1" smtClean="0">
+                <a:cs typeface="Calibri"/>
+              </a:rPr>
+              <a:t>php</a:t>
+            </a:r>
+            <a:r>
+              <a:rPr lang="en-US" dirty="0" err="1">
+                <a:cs typeface="Calibri"/>
+              </a:rPr>
+              <a:t>-</a:t>
+            </a:r>
+            <a:r>
+              <a:rPr lang="en-US" dirty="0" err="1" smtClean="0">
+                <a:cs typeface="Calibri"/>
+              </a:rPr>
+              <a:t>mysql</a:t>
+            </a:r>
+            <a:endParaRPr lang="en-US" dirty="0" smtClean="0">
+              <a:cs typeface="Calibri"/>
+            </a:endParaRPr>
+          </a:p>
+          <a:p>
+            <a:pPr marL="0" indent="0">
+              <a:buNone/>
+            </a:pPr>
+            <a:r>
+              <a:rPr lang="en-US" dirty="0" smtClean="0">
+                <a:cs typeface="Calibri"/>
+              </a:rPr>
+              <a:t>Services</a:t>
+            </a:r>
+            <a:endParaRPr lang="en-US" dirty="0">
+              <a:cs typeface="Calibri"/>
+            </a:endParaRPr>
+          </a:p>
+          <a:p>
+            <a:r>
+              <a:rPr lang="en-US" dirty="0" err="1" smtClean="0">
+                <a:cs typeface="Calibri"/>
+              </a:rPr>
+              <a:t>httpd</a:t>
+            </a:r>
+            <a:r>
+              <a:rPr lang="en-US" dirty="0" smtClean="0">
+                <a:cs typeface="Calibri"/>
+              </a:rPr>
+              <a:t>, </a:t>
+            </a:r>
+            <a:r>
+              <a:rPr lang="en-US" dirty="0" err="1" smtClean="0">
+                <a:cs typeface="Calibri"/>
+              </a:rPr>
+              <a:t>mysqld</a:t>
+            </a:r>
+            <a:endParaRPr lang="en-US" dirty="0" smtClean="0">
+              <a:cs typeface="Calibri"/>
+            </a:endParaRPr>
+          </a:p>
+          <a:p>
+            <a:pPr marL="0" indent="0">
+              <a:buNone/>
+            </a:pPr>
+            <a:r>
+              <a:rPr lang="en-US" dirty="0" smtClean="0">
+                <a:cs typeface="Calibri"/>
+              </a:rPr>
+              <a:t>File /</a:t>
+            </a:r>
+            <a:r>
+              <a:rPr lang="en-US" dirty="0" err="1" smtClean="0">
+                <a:cs typeface="Calibri"/>
+              </a:rPr>
+              <a:t>var</a:t>
+            </a:r>
+            <a:r>
+              <a:rPr lang="en-US" dirty="0" smtClean="0">
+                <a:cs typeface="Calibri"/>
+              </a:rPr>
+              <a:t>/www/html/</a:t>
+            </a:r>
+            <a:r>
+              <a:rPr lang="en-US" dirty="0" err="1" smtClean="0">
+                <a:cs typeface="Calibri"/>
+              </a:rPr>
+              <a:t>test.php</a:t>
+            </a:r>
+            <a:endParaRPr lang="en-US" dirty="0" smtClean="0">
+              <a:cs typeface="Calibri"/>
+            </a:endParaRPr>
+          </a:p>
+          <a:p>
+            <a:r>
+              <a:rPr lang="en-US" smtClean="0">
+                <a:cs typeface="Calibri"/>
+              </a:rPr>
+              <a:t>Content</a:t>
+            </a:r>
+            <a:r>
+              <a:rPr lang="en-US" dirty="0" smtClean="0">
+                <a:cs typeface="Calibri"/>
+              </a:rPr>
+              <a:t>:</a:t>
+            </a:r>
+            <a:br>
+              <a:rPr lang="en-US" dirty="0" smtClean="0">
+                <a:cs typeface="Calibri"/>
+              </a:rPr>
+            </a:br>
+            <a:r>
+              <a:rPr lang="en-US" sz="1600" dirty="0" smtClean="0">
+                <a:latin typeface="Courier New"/>
+                <a:cs typeface="Courier New"/>
+              </a:rPr>
+              <a:t>&lt;html&gt;&lt;body&gt;&lt;?</a:t>
+            </a:r>
+            <a:r>
+              <a:rPr lang="en-US" sz="1600" dirty="0" err="1" smtClean="0">
+                <a:latin typeface="Courier New"/>
+                <a:cs typeface="Courier New"/>
+              </a:rPr>
+              <a:t>php</a:t>
+            </a:r>
+            <a:r>
+              <a:rPr lang="en-US" sz="1600" dirty="0" smtClean="0">
+                <a:latin typeface="Courier New"/>
+                <a:cs typeface="Courier New"/>
+              </a:rPr>
+              <a:t> echo "We have lift off!"; ?&gt;&lt;/body&gt;&lt;/html&gt;</a:t>
+            </a:r>
+            <a:endParaRPr lang="en-US" sz="1600" dirty="0">
+              <a:latin typeface="Courier New"/>
+              <a:cs typeface="Courier New"/>
+            </a:endParaRPr>
+          </a:p>
+          <a:p>
+            <a:endParaRPr lang="en-US" dirty="0" smtClean="0">
+              <a:cs typeface="Calibri"/>
+            </a:endParaRPr>
+          </a:p>
+        </p:txBody>
+      </p:sp>
+    </p:spTree>
+    <p:extLst>
+      <p:ext uri="{BB962C8B-B14F-4D97-AF65-F5344CB8AC3E}">
+        <p14:creationId xmlns:p14="http://schemas.microsoft.com/office/powerpoint/2010/main" val="885279873"/>
+      </p:ext>
+    </p:extLst>
+  </p:cSld>
+  <p:clrMapOvr>
+    <a:masterClrMapping/>
+  </p:clrMapOvr>
+  <p:timing>
+    <p:tnLst>
+      <p:par>
+        <p:cTn xmlns:p14="http://schemas.microsoft.com/office/powerpoint/2010/main" id="1" dur="indefinite" restart="never" nodeType="tmRoot"/>
+      </p:par>
+    </p:tnLst>
+  </p:timing>
+</p:sld>
+</file>
+
+<file path=ppt/slides/slide15.xml><?xml version="1.0" encoding="utf-8"?>
+<p:sld xmlns:a="http://schemas.openxmlformats.org/drawingml/2006/main" xmlns:r="http://schemas.openxmlformats.org/officeDocument/2006/relationships" xmlns:p="http://schemas.openxmlformats.org/presentationml/2006/main">
+  <p:cSld>
+    <p:spTree>
+      <p:nvGrpSpPr>
+        <p:cNvPr id="1" name=""/>
+        <p:cNvGrpSpPr/>
+        <p:nvPr/>
+      </p:nvGrpSpPr>
+      <p:grpSpPr>
+        <a:xfrm>
+          <a:off x="0" y="0"/>
+          <a:ext cx="0" cy="0"/>
+          <a:chOff x="0" y="0"/>
+          <a:chExt cx="0" cy="0"/>
+        </a:xfrm>
+      </p:grpSpPr>
+      <p:sp>
+        <p:nvSpPr>
+          <p:cNvPr id="4" name="Title 3"/>
+          <p:cNvSpPr>
+            <a:spLocks noGrp="1"/>
+          </p:cNvSpPr>
+          <p:nvPr>
+            <p:ph type="title"/>
+          </p:nvPr>
+        </p:nvSpPr>
+        <p:spPr/>
+        <p:txBody>
+          <a:bodyPr/>
+          <a:lstStyle/>
+          <a:p>
+            <a:r>
+              <a:rPr lang="en-US" dirty="0" smtClean="0"/>
+              <a:t>Puppet Modules</a:t>
+            </a:r>
+            <a:endParaRPr lang="en-US" dirty="0"/>
+          </a:p>
+        </p:txBody>
+      </p:sp>
+      <p:sp>
+        <p:nvSpPr>
+          <p:cNvPr id="5" name="Text Placeholder 4"/>
+          <p:cNvSpPr>
+            <a:spLocks noGrp="1"/>
+          </p:cNvSpPr>
+          <p:nvPr>
+            <p:ph type="body" idx="1"/>
+          </p:nvPr>
+        </p:nvSpPr>
+        <p:spPr/>
+        <p:txBody>
+          <a:bodyPr/>
+          <a:lstStyle/>
+          <a:p>
+            <a:endParaRPr lang="en-US"/>
+          </a:p>
+        </p:txBody>
+      </p:sp>
+    </p:spTree>
+    <p:extLst>
+      <p:ext uri="{BB962C8B-B14F-4D97-AF65-F5344CB8AC3E}">
+        <p14:creationId xmlns:p14="http://schemas.microsoft.com/office/powerpoint/2010/main" val="2406150601"/>
+      </p:ext>
+    </p:extLst>
+  </p:cSld>
+  <p:clrMapOvr>
+    <a:masterClrMapping/>
+  </p:clrMapOvr>
+  <p:timing>
+    <p:tnLst>
+      <p:par>
+        <p:cTn xmlns:p14="http://schemas.microsoft.com/office/powerpoint/2010/main" id="1" dur="indefinite" restart="never" nodeType="tmRoot"/>
+      </p:par>
+    </p:tnLst>
+  </p:timing>
+</p:sld>
+</file>
+
+<file path=ppt/slides/slide16.xml><?xml version="1.0" encoding="utf-8"?>
+<p:sld xmlns:a="http://schemas.openxmlformats.org/drawingml/2006/main" xmlns:r="http://schemas.openxmlformats.org/officeDocument/2006/relationships" xmlns:p="http://schemas.openxmlformats.org/presentationml/2006/main">
+  <p:cSld>
+    <p:spTree>
+      <p:nvGrpSpPr>
+        <p:cNvPr id="1" name=""/>
+        <p:cNvGrpSpPr/>
+        <p:nvPr/>
+      </p:nvGrpSpPr>
+      <p:grpSpPr>
+        <a:xfrm>
+          <a:off x="0" y="0"/>
+          <a:ext cx="0" cy="0"/>
+          <a:chOff x="0" y="0"/>
+          <a:chExt cx="0" cy="0"/>
+        </a:xfrm>
+      </p:grpSpPr>
+      <p:sp>
+        <p:nvSpPr>
+          <p:cNvPr id="4" name="Title 3"/>
+          <p:cNvSpPr>
+            <a:spLocks noGrp="1"/>
+          </p:cNvSpPr>
+          <p:nvPr>
+            <p:ph type="title"/>
+          </p:nvPr>
+        </p:nvSpPr>
+        <p:spPr/>
+        <p:txBody>
+          <a:bodyPr/>
+          <a:lstStyle/>
+          <a:p>
+            <a:r>
+              <a:rPr lang="en-US" dirty="0" smtClean="0"/>
+              <a:t>Module Structure</a:t>
+            </a:r>
+            <a:endParaRPr lang="en-US" dirty="0"/>
+          </a:p>
+        </p:txBody>
+      </p:sp>
+      <p:sp>
+        <p:nvSpPr>
+          <p:cNvPr id="5" name="Content Placeholder 4"/>
+          <p:cNvSpPr>
+            <a:spLocks noGrp="1"/>
+          </p:cNvSpPr>
+          <p:nvPr>
+            <p:ph idx="1"/>
+          </p:nvPr>
+        </p:nvSpPr>
+        <p:spPr/>
+        <p:txBody>
+          <a:bodyPr/>
+          <a:lstStyle/>
+          <a:p>
+            <a:r>
+              <a:rPr lang="en-US" dirty="0" smtClean="0"/>
+              <a:t>Module Name</a:t>
+            </a:r>
+          </a:p>
+          <a:p>
+            <a:pPr lvl="1"/>
+            <a:r>
+              <a:rPr lang="en-US" dirty="0" smtClean="0"/>
+              <a:t>manifests</a:t>
+            </a:r>
+          </a:p>
+          <a:p>
+            <a:pPr lvl="1"/>
+            <a:r>
+              <a:rPr lang="en-US" dirty="0" smtClean="0"/>
+              <a:t>files</a:t>
+            </a:r>
+          </a:p>
+          <a:p>
+            <a:pPr lvl="1"/>
+            <a:r>
+              <a:rPr lang="en-US" dirty="0" smtClean="0"/>
+              <a:t>templates</a:t>
+            </a:r>
+          </a:p>
+          <a:p>
+            <a:pPr lvl="1"/>
+            <a:r>
+              <a:rPr lang="en-US" dirty="0" smtClean="0"/>
+              <a:t>…</a:t>
+            </a:r>
+          </a:p>
+          <a:p>
+            <a:endParaRPr lang="en-US" dirty="0"/>
+          </a:p>
+          <a:p>
+            <a:pPr marL="0" indent="0">
+              <a:buNone/>
+            </a:pPr>
+            <a:r>
+              <a:rPr lang="en-US" sz="1800" dirty="0" smtClean="0">
+                <a:hlinkClick r:id="rId2"/>
+              </a:rPr>
+              <a:t>https://docs.puppetlabs.com/puppet/latest/reference/modules_fundamentals.html</a:t>
+            </a:r>
+            <a:r>
+              <a:rPr lang="en-US" sz="1800" dirty="0" smtClean="0"/>
+              <a:t> </a:t>
+            </a:r>
+            <a:endParaRPr lang="en-US" sz="1800" dirty="0"/>
+          </a:p>
+        </p:txBody>
+      </p:sp>
+    </p:spTree>
+    <p:extLst>
+      <p:ext uri="{BB962C8B-B14F-4D97-AF65-F5344CB8AC3E}">
+        <p14:creationId xmlns:p14="http://schemas.microsoft.com/office/powerpoint/2010/main" val="3083997489"/>
+      </p:ext>
+    </p:extLst>
+  </p:cSld>
+  <p:clrMapOvr>
+    <a:masterClrMapping/>
+  </p:clrMapOvr>
+  <p:timing>
+    <p:tnLst>
+      <p:par>
+        <p:cTn xmlns:p14="http://schemas.microsoft.com/office/powerpoint/2010/main" id="1" dur="indefinite" restart="never" nodeType="tmRoot"/>
+      </p:par>
+    </p:tnLst>
+  </p:timing>
+</p:sld>
+</file>
+
+<file path=ppt/slides/slide17.xml><?xml version="1.0" encoding="utf-8"?>
+<p:sld xmlns:a="http://schemas.openxmlformats.org/drawingml/2006/main" xmlns:r="http://schemas.openxmlformats.org/officeDocument/2006/relationships" xmlns:p="http://schemas.openxmlformats.org/presentationml/2006/main">
+  <p:cSld>
+    <p:spTree>
+      <p:nvGrpSpPr>
+        <p:cNvPr id="1" name=""/>
+        <p:cNvGrpSpPr/>
+        <p:nvPr/>
+      </p:nvGrpSpPr>
+      <p:grpSpPr>
+        <a:xfrm>
+          <a:off x="0" y="0"/>
+          <a:ext cx="0" cy="0"/>
+          <a:chOff x="0" y="0"/>
+          <a:chExt cx="0" cy="0"/>
+        </a:xfrm>
+      </p:grpSpPr>
+      <p:sp>
+        <p:nvSpPr>
+          <p:cNvPr id="2" name="Title 1"/>
+          <p:cNvSpPr>
+            <a:spLocks noGrp="1"/>
+          </p:cNvSpPr>
+          <p:nvPr>
+            <p:ph type="title"/>
+          </p:nvPr>
+        </p:nvSpPr>
+        <p:spPr/>
+        <p:txBody>
+          <a:bodyPr/>
+          <a:lstStyle/>
+          <a:p>
+            <a:r>
+              <a:rPr lang="en-US" dirty="0" smtClean="0"/>
+              <a:t>The </a:t>
+            </a:r>
+            <a:r>
+              <a:rPr lang="en-US" dirty="0" err="1" smtClean="0"/>
+              <a:t>nfs</a:t>
+            </a:r>
+            <a:r>
+              <a:rPr lang="en-US" dirty="0" smtClean="0"/>
+              <a:t> Module</a:t>
+            </a:r>
+            <a:endParaRPr lang="en-US" dirty="0"/>
+          </a:p>
+        </p:txBody>
+      </p:sp>
+      <p:sp>
+        <p:nvSpPr>
+          <p:cNvPr id="3" name="Content Placeholder 2"/>
+          <p:cNvSpPr>
+            <a:spLocks noGrp="1"/>
+          </p:cNvSpPr>
+          <p:nvPr>
+            <p:ph idx="1"/>
+          </p:nvPr>
+        </p:nvSpPr>
+        <p:spPr/>
+        <p:txBody>
+          <a:bodyPr/>
+          <a:lstStyle/>
+          <a:p>
+            <a:r>
+              <a:rPr lang="en-US" dirty="0" smtClean="0"/>
+              <a:t>Server:</a:t>
+            </a:r>
+          </a:p>
+          <a:p>
+            <a:pPr lvl="1"/>
+            <a:r>
+              <a:rPr lang="en-US" dirty="0" smtClean="0"/>
+              <a:t>Packages: </a:t>
+            </a:r>
+            <a:r>
+              <a:rPr lang="en-US" dirty="0" err="1" smtClean="0"/>
+              <a:t>nfs-utils</a:t>
+            </a:r>
+            <a:r>
+              <a:rPr lang="en-US" dirty="0" smtClean="0"/>
+              <a:t>, </a:t>
+            </a:r>
+            <a:r>
+              <a:rPr lang="en-US" dirty="0" err="1" smtClean="0"/>
+              <a:t>rpcbind</a:t>
+            </a:r>
+            <a:endParaRPr lang="en-US" dirty="0" smtClean="0"/>
+          </a:p>
+          <a:p>
+            <a:pPr lvl="1"/>
+            <a:r>
+              <a:rPr lang="en-US" dirty="0" smtClean="0"/>
+              <a:t>Services: </a:t>
+            </a:r>
+            <a:r>
+              <a:rPr lang="en-US" dirty="0" err="1" smtClean="0"/>
+              <a:t>rpcbind</a:t>
+            </a:r>
+            <a:r>
+              <a:rPr lang="en-US" dirty="0" smtClean="0"/>
+              <a:t>, </a:t>
+            </a:r>
+            <a:r>
+              <a:rPr lang="en-US" dirty="0" err="1" smtClean="0"/>
+              <a:t>nfs</a:t>
+            </a:r>
+            <a:endParaRPr lang="en-US" dirty="0" smtClean="0"/>
+          </a:p>
+          <a:p>
+            <a:r>
+              <a:rPr lang="en-US" dirty="0" smtClean="0"/>
+              <a:t>Client:</a:t>
+            </a:r>
+          </a:p>
+          <a:p>
+            <a:pPr lvl="1"/>
+            <a:r>
+              <a:rPr lang="en-US" dirty="0" smtClean="0"/>
+              <a:t>Services: </a:t>
+            </a:r>
+            <a:r>
+              <a:rPr lang="en-US" dirty="0" err="1" smtClean="0"/>
+              <a:t>netfs</a:t>
+            </a:r>
+            <a:endParaRPr lang="en-US" dirty="0"/>
+          </a:p>
+        </p:txBody>
+      </p:sp>
+    </p:spTree>
+    <p:extLst>
+      <p:ext uri="{BB962C8B-B14F-4D97-AF65-F5344CB8AC3E}">
+        <p14:creationId xmlns:p14="http://schemas.microsoft.com/office/powerpoint/2010/main" val="163414872"/>
+      </p:ext>
+    </p:extLst>
+  </p:cSld>
+  <p:clrMapOvr>
+    <a:masterClrMapping/>
+  </p:clrMapOvr>
+</p:sld>
+</file>
+
+<file path=ppt/slides/slide18.xml><?xml version="1.0" encoding="utf-8"?>
+<p:sld xmlns:a="http://schemas.openxmlformats.org/drawingml/2006/main" xmlns:r="http://schemas.openxmlformats.org/officeDocument/2006/relationships" xmlns:p="http://schemas.openxmlformats.org/presentationml/2006/main">
+  <p:cSld>
+    <p:spTree>
+      <p:nvGrpSpPr>
+        <p:cNvPr id="1" name=""/>
+        <p:cNvGrpSpPr/>
+        <p:nvPr/>
+      </p:nvGrpSpPr>
+      <p:grpSpPr>
+        <a:xfrm>
+          <a:off x="0" y="0"/>
+          <a:ext cx="0" cy="0"/>
+          <a:chOff x="0" y="0"/>
+          <a:chExt cx="0" cy="0"/>
+        </a:xfrm>
+      </p:grpSpPr>
+      <p:sp>
+        <p:nvSpPr>
+          <p:cNvPr id="4" name="Title 3"/>
+          <p:cNvSpPr>
+            <a:spLocks noGrp="1"/>
+          </p:cNvSpPr>
+          <p:nvPr>
+            <p:ph type="title"/>
+          </p:nvPr>
+        </p:nvSpPr>
+        <p:spPr/>
+        <p:txBody>
+          <a:bodyPr/>
+          <a:lstStyle/>
+          <a:p>
+            <a:r>
+              <a:rPr lang="en-US" dirty="0" err="1" smtClean="0"/>
+              <a:t>Externalise</a:t>
+            </a:r>
+            <a:r>
+              <a:rPr lang="en-US" dirty="0" smtClean="0"/>
+              <a:t> Configuration Using </a:t>
+            </a:r>
+            <a:r>
+              <a:rPr lang="en-US" dirty="0" err="1" smtClean="0"/>
+              <a:t>Hiera</a:t>
+            </a:r>
+            <a:endParaRPr lang="en-US" dirty="0"/>
+          </a:p>
+        </p:txBody>
+      </p:sp>
+      <p:sp>
+        <p:nvSpPr>
+          <p:cNvPr id="5" name="Text Placeholder 4"/>
+          <p:cNvSpPr>
+            <a:spLocks noGrp="1"/>
+          </p:cNvSpPr>
+          <p:nvPr>
+            <p:ph type="body" idx="1"/>
+          </p:nvPr>
+        </p:nvSpPr>
+        <p:spPr/>
+        <p:txBody>
+          <a:bodyPr/>
+          <a:lstStyle/>
+          <a:p>
+            <a:endParaRPr lang="en-US"/>
+          </a:p>
+        </p:txBody>
+      </p:sp>
+    </p:spTree>
+    <p:extLst>
+      <p:ext uri="{BB962C8B-B14F-4D97-AF65-F5344CB8AC3E}">
+        <p14:creationId xmlns:p14="http://schemas.microsoft.com/office/powerpoint/2010/main" val="1738170492"/>
+      </p:ext>
+    </p:extLst>
+  </p:cSld>
+  <p:clrMapOvr>
+    <a:masterClrMapping/>
+  </p:clrMapOvr>
+  <p:timing>
+    <p:tnLst>
+      <p:par>
+        <p:cTn xmlns:p14="http://schemas.microsoft.com/office/powerpoint/2010/main" id="1" dur="indefinite" restart="never" nodeType="tmRoot"/>
+      </p:par>
+    </p:tnLst>
+  </p:timing>
+</p:sld>
+</file>
+
+<file path=ppt/slides/slide19.xml><?xml version="1.0" encoding="utf-8"?>
+<p:sld xmlns:a="http://schemas.openxmlformats.org/drawingml/2006/main" xmlns:r="http://schemas.openxmlformats.org/officeDocument/2006/relationships" xmlns:p="http://schemas.openxmlformats.org/presentationml/2006/main">
+  <p:cSld>
+    <p:spTree>
+      <p:nvGrpSpPr>
+        <p:cNvPr id="1" name=""/>
+        <p:cNvGrpSpPr/>
+        <p:nvPr/>
+      </p:nvGrpSpPr>
+      <p:grpSpPr>
+        <a:xfrm>
+          <a:off x="0" y="0"/>
+          <a:ext cx="0" cy="0"/>
+          <a:chOff x="0" y="0"/>
+          <a:chExt cx="0" cy="0"/>
+        </a:xfrm>
+      </p:grpSpPr>
+      <p:sp>
+        <p:nvSpPr>
+          <p:cNvPr id="4" name="Title 3"/>
+          <p:cNvSpPr>
+            <a:spLocks noGrp="1"/>
+          </p:cNvSpPr>
+          <p:nvPr>
+            <p:ph type="title"/>
+          </p:nvPr>
+        </p:nvSpPr>
+        <p:spPr/>
+        <p:txBody>
+          <a:bodyPr/>
+          <a:lstStyle/>
+          <a:p>
+            <a:r>
+              <a:rPr lang="en-US" dirty="0" smtClean="0"/>
+              <a:t>External Node Classification</a:t>
+            </a:r>
+            <a:endParaRPr lang="en-US" dirty="0"/>
+          </a:p>
+        </p:txBody>
+      </p:sp>
+      <p:sp>
+        <p:nvSpPr>
+          <p:cNvPr id="5" name="Text Placeholder 4"/>
+          <p:cNvSpPr>
+            <a:spLocks noGrp="1"/>
+          </p:cNvSpPr>
+          <p:nvPr>
+            <p:ph type="body" idx="1"/>
+          </p:nvPr>
+        </p:nvSpPr>
+        <p:spPr/>
+        <p:txBody>
+          <a:bodyPr/>
+          <a:lstStyle/>
+          <a:p>
+            <a:endParaRPr lang="en-US"/>
+          </a:p>
+        </p:txBody>
+      </p:sp>
+    </p:spTree>
+    <p:extLst>
+      <p:ext uri="{BB962C8B-B14F-4D97-AF65-F5344CB8AC3E}">
+        <p14:creationId xmlns:p14="http://schemas.microsoft.com/office/powerpoint/2010/main" val="601874588"/>
       </p:ext>
     </p:extLst>
   </p:cSld>

--- a/01-provision/xconf-sydney-2014-provision.pptx
+++ b/01-provision/xconf-sydney-2014-provision.pptx
@@ -18,12 +18,22 @@
     <p:sldId id="266" r:id="rId12"/>
     <p:sldId id="268" r:id="rId13"/>
     <p:sldId id="274" r:id="rId14"/>
-    <p:sldId id="275" r:id="rId15"/>
-    <p:sldId id="272" r:id="rId16"/>
-    <p:sldId id="271" r:id="rId17"/>
-    <p:sldId id="269" r:id="rId18"/>
-    <p:sldId id="267" r:id="rId19"/>
-    <p:sldId id="270" r:id="rId20"/>
+    <p:sldId id="276" r:id="rId15"/>
+    <p:sldId id="277" r:id="rId16"/>
+    <p:sldId id="278" r:id="rId17"/>
+    <p:sldId id="275" r:id="rId18"/>
+    <p:sldId id="272" r:id="rId19"/>
+    <p:sldId id="271" r:id="rId20"/>
+    <p:sldId id="269" r:id="rId21"/>
+    <p:sldId id="284" r:id="rId22"/>
+    <p:sldId id="267" r:id="rId23"/>
+    <p:sldId id="281" r:id="rId24"/>
+    <p:sldId id="280" r:id="rId25"/>
+    <p:sldId id="282" r:id="rId26"/>
+    <p:sldId id="283" r:id="rId27"/>
+    <p:sldId id="285" r:id="rId28"/>
+    <p:sldId id="270" r:id="rId29"/>
+    <p:sldId id="286" r:id="rId30"/>
   </p:sldIdLst>
   <p:sldSz cx="9144000" cy="6858000" type="screen4x3"/>
   <p:notesSz cx="6858000" cy="9144000"/>
@@ -306,7 +316,7 @@
           <a:p>
             <a:fld id="{84A12C72-ABFC-CE48-9B1E-CDFF09225F3F}" type="datetimeFigureOut">
               <a:rPr lang="en-US" smtClean="0"/>
-              <a:t>17/08/2014</a:t>
+              <a:t>28/08/2014</a:t>
             </a:fld>
             <a:endParaRPr lang="en-US"/>
           </a:p>
@@ -476,7 +486,7 @@
           <a:p>
             <a:fld id="{84A12C72-ABFC-CE48-9B1E-CDFF09225F3F}" type="datetimeFigureOut">
               <a:rPr lang="en-US" smtClean="0"/>
-              <a:t>17/08/2014</a:t>
+              <a:t>28/08/2014</a:t>
             </a:fld>
             <a:endParaRPr lang="en-US"/>
           </a:p>
@@ -656,7 +666,7 @@
           <a:p>
             <a:fld id="{84A12C72-ABFC-CE48-9B1E-CDFF09225F3F}" type="datetimeFigureOut">
               <a:rPr lang="en-US" smtClean="0"/>
-              <a:t>17/08/2014</a:t>
+              <a:t>28/08/2014</a:t>
             </a:fld>
             <a:endParaRPr lang="en-US"/>
           </a:p>
@@ -826,7 +836,7 @@
           <a:p>
             <a:fld id="{84A12C72-ABFC-CE48-9B1E-CDFF09225F3F}" type="datetimeFigureOut">
               <a:rPr lang="en-US" smtClean="0"/>
-              <a:t>17/08/2014</a:t>
+              <a:t>28/08/2014</a:t>
             </a:fld>
             <a:endParaRPr lang="en-US"/>
           </a:p>
@@ -1072,7 +1082,7 @@
           <a:p>
             <a:fld id="{84A12C72-ABFC-CE48-9B1E-CDFF09225F3F}" type="datetimeFigureOut">
               <a:rPr lang="en-US" smtClean="0"/>
-              <a:t>17/08/2014</a:t>
+              <a:t>28/08/2014</a:t>
             </a:fld>
             <a:endParaRPr lang="en-US"/>
           </a:p>
@@ -1360,7 +1370,7 @@
           <a:p>
             <a:fld id="{84A12C72-ABFC-CE48-9B1E-CDFF09225F3F}" type="datetimeFigureOut">
               <a:rPr lang="en-US" smtClean="0"/>
-              <a:t>17/08/2014</a:t>
+              <a:t>28/08/2014</a:t>
             </a:fld>
             <a:endParaRPr lang="en-US"/>
           </a:p>
@@ -1782,7 +1792,7 @@
           <a:p>
             <a:fld id="{84A12C72-ABFC-CE48-9B1E-CDFF09225F3F}" type="datetimeFigureOut">
               <a:rPr lang="en-US" smtClean="0"/>
-              <a:t>17/08/2014</a:t>
+              <a:t>28/08/2014</a:t>
             </a:fld>
             <a:endParaRPr lang="en-US"/>
           </a:p>
@@ -1900,7 +1910,7 @@
           <a:p>
             <a:fld id="{84A12C72-ABFC-CE48-9B1E-CDFF09225F3F}" type="datetimeFigureOut">
               <a:rPr lang="en-US" smtClean="0"/>
-              <a:t>17/08/2014</a:t>
+              <a:t>28/08/2014</a:t>
             </a:fld>
             <a:endParaRPr lang="en-US"/>
           </a:p>
@@ -1995,7 +2005,7 @@
           <a:p>
             <a:fld id="{84A12C72-ABFC-CE48-9B1E-CDFF09225F3F}" type="datetimeFigureOut">
               <a:rPr lang="en-US" smtClean="0"/>
-              <a:t>17/08/2014</a:t>
+              <a:t>28/08/2014</a:t>
             </a:fld>
             <a:endParaRPr lang="en-US"/>
           </a:p>
@@ -2272,7 +2282,7 @@
           <a:p>
             <a:fld id="{84A12C72-ABFC-CE48-9B1E-CDFF09225F3F}" type="datetimeFigureOut">
               <a:rPr lang="en-US" smtClean="0"/>
-              <a:t>17/08/2014</a:t>
+              <a:t>28/08/2014</a:t>
             </a:fld>
             <a:endParaRPr lang="en-US"/>
           </a:p>
@@ -2525,7 +2535,7 @@
           <a:p>
             <a:fld id="{84A12C72-ABFC-CE48-9B1E-CDFF09225F3F}" type="datetimeFigureOut">
               <a:rPr lang="en-US" smtClean="0"/>
-              <a:t>17/08/2014</a:t>
+              <a:t>28/08/2014</a:t>
             </a:fld>
             <a:endParaRPr lang="en-US"/>
           </a:p>
@@ -2738,7 +2748,7 @@
           <a:p>
             <a:fld id="{84A12C72-ABFC-CE48-9B1E-CDFF09225F3F}" type="datetimeFigureOut">
               <a:rPr lang="en-US" smtClean="0"/>
-              <a:t>17/08/2014</a:t>
+              <a:t>28/08/2014</a:t>
             </a:fld>
             <a:endParaRPr lang="en-US"/>
           </a:p>
@@ -3235,7 +3245,7 @@
         <p:spPr/>
         <p:txBody>
           <a:bodyPr>
-            <a:normAutofit/>
+            <a:normAutofit lnSpcReduction="10000"/>
           </a:bodyPr>
           <a:lstStyle/>
           <a:p>
@@ -3244,7 +3254,11 @@
             </a:pPr>
             <a:r>
               <a:rPr lang="en-US" dirty="0" smtClean="0"/>
-              <a:t>Run an arbitrary command</a:t>
+              <a:t>Run an arbitrary </a:t>
+            </a:r>
+            <a:r>
+              <a:rPr lang="en-US" dirty="0" smtClean="0"/>
+              <a:t>command</a:t>
             </a:r>
           </a:p>
           <a:p>
@@ -3254,7 +3268,11 @@
             </a:r>
             <a:r>
               <a:rPr lang="en-US" dirty="0" smtClean="0"/>
-              <a:t> the sample </a:t>
+              <a:t> </a:t>
+            </a:r>
+            <a:r>
+              <a:rPr lang="en-US" dirty="0" smtClean="0"/>
+              <a:t>the sample </a:t>
             </a:r>
             <a:r>
               <a:rPr lang="en-US" dirty="0" err="1" smtClean="0"/>
@@ -3262,16 +3280,90 @@
             </a:r>
             <a:r>
               <a:rPr lang="en-US" dirty="0" smtClean="0"/>
-              <a:t> into /</a:t>
+              <a:t> into </a:t>
+            </a:r>
+            <a:r>
+              <a:rPr lang="en-US" sz="2800" dirty="0" smtClean="0">
+                <a:latin typeface="Courier New"/>
+                <a:cs typeface="Courier New"/>
+              </a:rPr>
+              <a:t>/</a:t>
+            </a:r>
+            <a:r>
+              <a:rPr lang="en-US" sz="2800" dirty="0" err="1" smtClean="0">
+                <a:latin typeface="Courier New"/>
+                <a:cs typeface="Courier New"/>
+              </a:rPr>
+              <a:t>usr</a:t>
+            </a:r>
+            <a:r>
+              <a:rPr lang="en-US" sz="2800" dirty="0" smtClean="0">
+                <a:latin typeface="Courier New"/>
+                <a:cs typeface="Courier New"/>
+              </a:rPr>
+              <a:t>/</a:t>
+            </a:r>
+            <a:r>
+              <a:rPr lang="en-US" sz="2800" dirty="0" smtClean="0">
+                <a:latin typeface="Courier New"/>
+                <a:cs typeface="Courier New"/>
+              </a:rPr>
+              <a:t>local</a:t>
+            </a:r>
+            <a:r>
+              <a:rPr lang="en-US" dirty="0" smtClean="0"/>
+              <a:t/>
+            </a:r>
+            <a:br>
+              <a:rPr lang="en-US" dirty="0" smtClean="0"/>
+            </a:br>
+            <a:r>
+              <a:rPr lang="en-US" dirty="0" smtClean="0"/>
+              <a:t>Download the </a:t>
             </a:r>
             <a:r>
               <a:rPr lang="en-US" dirty="0" err="1" smtClean="0"/>
-              <a:t>usr</a:t>
-            </a:r>
-            <a:r>
-              <a:rPr lang="en-US" dirty="0" smtClean="0"/>
-              <a:t>/local</a:t>
-            </a:r>
+              <a:t>tarball</a:t>
+            </a:r>
+            <a:r>
+              <a:rPr lang="en-US" dirty="0" smtClean="0"/>
+              <a:t> first:</a:t>
+            </a:r>
+            <a:br>
+              <a:rPr lang="en-US" dirty="0" smtClean="0"/>
+            </a:br>
+            <a:r>
+              <a:rPr lang="en-US" sz="2000" dirty="0" smtClean="0">
+                <a:latin typeface="Courier New"/>
+                <a:cs typeface="Courier New"/>
+              </a:rPr>
+              <a:t>curl -L http</a:t>
+            </a:r>
+            <a:r>
+              <a:rPr lang="en-US" sz="2000" dirty="0">
+                <a:latin typeface="Courier New"/>
+                <a:cs typeface="Courier New"/>
+              </a:rPr>
+              <a:t>://bit.ly/</a:t>
+            </a:r>
+            <a:r>
+              <a:rPr lang="en-US" sz="2000" dirty="0" smtClean="0">
+                <a:latin typeface="Courier New"/>
+                <a:cs typeface="Courier New"/>
+              </a:rPr>
+              <a:t>1pNAr3t &gt; </a:t>
+            </a:r>
+            <a:r>
+              <a:rPr lang="en-US" sz="2000" dirty="0" err="1" smtClean="0">
+                <a:latin typeface="Courier New"/>
+                <a:cs typeface="Courier New"/>
+              </a:rPr>
+              <a:t>sample.tar.gz</a:t>
+            </a:r>
+            <a:endParaRPr lang="en-US" sz="2000" dirty="0" smtClean="0">
+              <a:latin typeface="Courier New"/>
+              <a:cs typeface="Courier New"/>
+            </a:endParaRPr>
           </a:p>
           <a:p>
             <a:endParaRPr lang="en-US" dirty="0" smtClean="0"/>
@@ -3289,29 +3381,54 @@
           <a:p>
             <a:r>
               <a:rPr lang="en-US" dirty="0" smtClean="0"/>
-              <a:t>Put the following content into /</a:t>
-            </a:r>
-            <a:r>
-              <a:rPr lang="en-US" dirty="0" err="1" smtClean="0"/>
+              <a:t>Put the following content into </a:t>
+            </a:r>
+            <a:r>
+              <a:rPr lang="en-US" sz="2800" dirty="0" smtClean="0">
+                <a:latin typeface="Courier New"/>
+                <a:cs typeface="Courier New"/>
+              </a:rPr>
+              <a:t>/</a:t>
+            </a:r>
+            <a:r>
+              <a:rPr lang="en-US" sz="2800" dirty="0" err="1" smtClean="0">
+                <a:latin typeface="Courier New"/>
+                <a:cs typeface="Courier New"/>
+              </a:rPr>
               <a:t>etc</a:t>
             </a:r>
             <a:r>
-              <a:rPr lang="en-US" dirty="0" smtClean="0"/>
+              <a:rPr lang="en-US" sz="2800" dirty="0" smtClean="0">
+                <a:latin typeface="Courier New"/>
+                <a:cs typeface="Courier New"/>
+              </a:rPr>
               <a:t>/</a:t>
             </a:r>
             <a:r>
-              <a:rPr lang="en-US" dirty="0" err="1" smtClean="0"/>
+              <a:rPr lang="en-US" sz="2800" dirty="0" err="1" smtClean="0">
+                <a:latin typeface="Courier New"/>
+                <a:cs typeface="Courier New"/>
+              </a:rPr>
               <a:t>profile.d</a:t>
             </a:r>
             <a:r>
-              <a:rPr lang="en-US" dirty="0" smtClean="0"/>
+              <a:rPr lang="en-US" sz="2800" dirty="0" smtClean="0">
+                <a:latin typeface="Courier New"/>
+                <a:cs typeface="Courier New"/>
+              </a:rPr>
               <a:t>/</a:t>
             </a:r>
             <a:r>
-              <a:rPr lang="en-US" dirty="0" err="1" smtClean="0"/>
+              <a:rPr lang="en-US" sz="2800" dirty="0" err="1" smtClean="0">
+                <a:latin typeface="Courier New"/>
+                <a:cs typeface="Courier New"/>
+              </a:rPr>
               <a:t>sample.sh</a:t>
             </a:r>
-            <a:endParaRPr lang="en-US" dirty="0" smtClean="0"/>
+            <a:endParaRPr lang="en-US" sz="2800" dirty="0" smtClean="0">
+              <a:latin typeface="Courier New"/>
+              <a:cs typeface="Courier New"/>
+            </a:endParaRPr>
           </a:p>
           <a:p>
             <a:pPr marL="400050" lvl="1" indent="0">
@@ -3515,7 +3632,7 @@
               <a:buNone/>
             </a:pPr>
             <a:r>
-              <a:rPr lang="en-US" sz="2000" dirty="0" smtClean="0">
+              <a:rPr lang="en-US" sz="2800" dirty="0" smtClean="0">
                 <a:latin typeface="Courier New"/>
                 <a:cs typeface="Courier New"/>
               </a:rPr>
@@ -3527,42 +3644,42 @@
               <a:buNone/>
             </a:pPr>
             <a:r>
-              <a:rPr lang="en-US" sz="2000" dirty="0">
+              <a:rPr lang="en-US" sz="2800" dirty="0">
                 <a:latin typeface="Courier New"/>
                 <a:cs typeface="Courier New"/>
               </a:rPr>
               <a:t> </a:t>
             </a:r>
             <a:r>
-              <a:rPr lang="en-US" sz="2000" dirty="0" smtClean="0">
+              <a:rPr lang="en-US" sz="2800" dirty="0" smtClean="0">
                 <a:latin typeface="Courier New"/>
                 <a:cs typeface="Courier New"/>
               </a:rPr>
               <a:t> file { '/</a:t>
             </a:r>
             <a:r>
-              <a:rPr lang="en-US" sz="2000" dirty="0" err="1" smtClean="0">
+              <a:rPr lang="en-US" sz="2800" dirty="0" err="1" smtClean="0">
                 <a:latin typeface="Courier New"/>
                 <a:cs typeface="Courier New"/>
               </a:rPr>
               <a:t>tmp</a:t>
             </a:r>
             <a:r>
-              <a:rPr lang="en-US" sz="2000" dirty="0" smtClean="0">
+              <a:rPr lang="en-US" sz="2800" dirty="0" smtClean="0">
                 <a:latin typeface="Courier New"/>
                 <a:cs typeface="Courier New"/>
               </a:rPr>
               <a:t>/</a:t>
             </a:r>
             <a:r>
-              <a:rPr lang="en-US" sz="2000" dirty="0" err="1" smtClean="0">
+              <a:rPr lang="en-US" sz="2800" dirty="0" err="1" smtClean="0">
                 <a:latin typeface="Courier New"/>
                 <a:cs typeface="Courier New"/>
               </a:rPr>
               <a:t>junk.txt</a:t>
             </a:r>
             <a:r>
-              <a:rPr lang="en-US" sz="2000" dirty="0" smtClean="0">
+              <a:rPr lang="en-US" sz="2800" dirty="0" smtClean="0">
                 <a:latin typeface="Courier New"/>
                 <a:cs typeface="Courier New"/>
               </a:rPr>
@@ -3574,14 +3691,14 @@
               <a:buNone/>
             </a:pPr>
             <a:r>
-              <a:rPr lang="en-US" sz="2000" dirty="0">
+              <a:rPr lang="en-US" sz="2800" dirty="0">
                 <a:latin typeface="Courier New"/>
                 <a:cs typeface="Courier New"/>
               </a:rPr>
               <a:t> </a:t>
             </a:r>
             <a:r>
-              <a:rPr lang="en-US" sz="2000" dirty="0" smtClean="0">
+              <a:rPr lang="en-US" sz="2800" dirty="0" smtClean="0">
                 <a:latin typeface="Courier New"/>
                 <a:cs typeface="Courier New"/>
               </a:rPr>
@@ -3593,18 +3710,32 @@
               <a:buNone/>
             </a:pPr>
             <a:r>
-              <a:rPr lang="en-US" sz="2000" dirty="0">
+              <a:rPr lang="en-US" sz="2800" dirty="0">
                 <a:latin typeface="Courier New"/>
                 <a:cs typeface="Courier New"/>
               </a:rPr>
               <a:t> </a:t>
             </a:r>
             <a:r>
-              <a:rPr lang="en-US" sz="2000" dirty="0" smtClean="0">
-                <a:latin typeface="Courier New"/>
-                <a:cs typeface="Courier New"/>
-              </a:rPr>
-              <a:t>   content =&gt; 'Some garbage text.',</a:t>
+              <a:rPr lang="en-US" sz="2800" dirty="0" smtClean="0">
+                <a:latin typeface="Courier New"/>
+                <a:cs typeface="Courier New"/>
+              </a:rPr>
+              <a:t>   content =&gt; </a:t>
+            </a:r>
+            <a:r>
+              <a:rPr lang="en-US" sz="2800" dirty="0" smtClean="0">
+                <a:latin typeface="Courier New"/>
+                <a:cs typeface="Courier New"/>
+              </a:rPr>
+              <a:t>'Trash some rubbish'</a:t>
+            </a:r>
+            <a:r>
+              <a:rPr lang="en-US" sz="2800" dirty="0" smtClean="0">
+                <a:latin typeface="Courier New"/>
+                <a:cs typeface="Courier New"/>
+              </a:rPr>
+              <a:t>,</a:t>
             </a:r>
           </a:p>
           <a:p>
@@ -3612,14 +3743,14 @@
               <a:buNone/>
             </a:pPr>
             <a:r>
-              <a:rPr lang="en-US" sz="2000" dirty="0">
+              <a:rPr lang="en-US" sz="2800" dirty="0">
                 <a:latin typeface="Courier New"/>
                 <a:cs typeface="Courier New"/>
               </a:rPr>
               <a:t> </a:t>
             </a:r>
             <a:r>
-              <a:rPr lang="en-US" sz="2000" dirty="0" smtClean="0">
+              <a:rPr lang="en-US" sz="2800" dirty="0" smtClean="0">
                 <a:latin typeface="Courier New"/>
                 <a:cs typeface="Courier New"/>
               </a:rPr>
@@ -3631,13 +3762,13 @@
               <a:buNone/>
             </a:pPr>
             <a:r>
-              <a:rPr lang="en-US" sz="2000" dirty="0">
+              <a:rPr lang="en-US" sz="2800" dirty="0">
                 <a:latin typeface="Courier New"/>
                 <a:cs typeface="Courier New"/>
               </a:rPr>
               <a:t>}</a:t>
             </a:r>
-            <a:endParaRPr lang="en-US" sz="2000" dirty="0" smtClean="0">
+            <a:endParaRPr lang="en-US" sz="2800" dirty="0" smtClean="0">
               <a:latin typeface="Courier New"/>
               <a:cs typeface="Courier New"/>
             </a:endParaRPr>
@@ -3733,14 +3864,7 @@
                 <a:latin typeface="Courier New"/>
                 <a:cs typeface="Courier New"/>
               </a:rPr>
-              <a:t>class { '</a:t>
-            </a:r>
-            <a:r>
-              <a:rPr lang="en-US" dirty="0" smtClean="0">
-                <a:latin typeface="Courier New"/>
-                <a:cs typeface="Courier New"/>
-              </a:rPr>
-              <a:t>junk':</a:t>
+              <a:t>class { 'junk':</a:t>
             </a:r>
             <a:r>
               <a:rPr lang="en-US" dirty="0">
@@ -4027,17 +4151,13 @@
           <a:p>
             <a:r>
               <a:rPr lang="en-US" dirty="0" smtClean="0"/>
-              <a:t>The </a:t>
-            </a:r>
-            <a:r>
-              <a:rPr lang="en-US" i="1" dirty="0" err="1" smtClean="0"/>
-              <a:t>lamp_stack</a:t>
-            </a:r>
-            <a:r>
-              <a:rPr lang="en-US" dirty="0" smtClean="0"/>
-              <a:t> class</a:t>
-            </a:r>
-            <a:endParaRPr lang="en-US" dirty="0"/>
+              <a:t>Class </a:t>
+            </a:r>
+            <a:r>
+              <a:rPr lang="en-US" i="1" dirty="0" smtClean="0"/>
+              <a:t>Declaration</a:t>
+            </a:r>
+            <a:endParaRPr lang="en-US" i="1" dirty="0"/>
           </a:p>
         </p:txBody>
       </p:sp>
@@ -4063,207 +4183,74 @@
             </a:pPr>
             <a:r>
               <a:rPr lang="en-US" dirty="0" smtClean="0">
-                <a:latin typeface="Calibri"/>
-                <a:cs typeface="Calibri"/>
-              </a:rPr>
-              <a:t>Packages:</a:t>
-            </a:r>
-          </a:p>
-          <a:p>
-            <a:r>
-              <a:rPr lang="en-US" dirty="0" err="1" smtClean="0">
-                <a:cs typeface="Calibri"/>
-              </a:rPr>
-              <a:t>httpd</a:t>
-            </a:r>
+                <a:latin typeface="Courier New"/>
+                <a:cs typeface="Courier New"/>
+              </a:rPr>
+              <a:t>include junk</a:t>
+            </a:r>
+          </a:p>
+          <a:p>
+            <a:pPr marL="0" indent="0">
+              <a:buNone/>
+            </a:pPr>
             <a:r>
               <a:rPr lang="en-US" dirty="0" smtClean="0">
-                <a:cs typeface="Calibri"/>
-              </a:rPr>
-              <a:t>, </a:t>
-            </a:r>
-            <a:r>
-              <a:rPr lang="en-US" dirty="0" err="1" smtClean="0">
-                <a:cs typeface="Calibri"/>
-              </a:rPr>
-              <a:t>mysql</a:t>
-            </a:r>
-            <a:r>
-              <a:rPr lang="en-US" dirty="0" smtClean="0">
-                <a:cs typeface="Calibri"/>
-              </a:rPr>
-              <a:t>-server, </a:t>
-            </a:r>
-            <a:r>
-              <a:rPr lang="en-US" dirty="0" err="1" smtClean="0">
-                <a:cs typeface="Calibri"/>
-              </a:rPr>
-              <a:t>mysql</a:t>
-            </a:r>
-            <a:r>
-              <a:rPr lang="en-US" dirty="0" smtClean="0">
-                <a:cs typeface="Calibri"/>
-              </a:rPr>
-              <a:t>, </a:t>
-            </a:r>
-            <a:r>
-              <a:rPr lang="en-US" dirty="0" err="1" smtClean="0">
-                <a:cs typeface="Calibri"/>
-              </a:rPr>
-              <a:t>php</a:t>
-            </a:r>
-            <a:r>
-              <a:rPr lang="en-US" dirty="0" smtClean="0">
-                <a:cs typeface="Calibri"/>
-              </a:rPr>
-              <a:t>, </a:t>
-            </a:r>
-            <a:r>
-              <a:rPr lang="en-US" dirty="0" err="1" smtClean="0">
-                <a:cs typeface="Calibri"/>
-              </a:rPr>
-              <a:t>php</a:t>
-            </a:r>
-            <a:r>
-              <a:rPr lang="en-US" dirty="0" err="1">
-                <a:cs typeface="Calibri"/>
-              </a:rPr>
-              <a:t>-</a:t>
-            </a:r>
-            <a:r>
-              <a:rPr lang="en-US" dirty="0" err="1" smtClean="0">
-                <a:cs typeface="Calibri"/>
-              </a:rPr>
-              <a:t>mysql</a:t>
+                <a:latin typeface="Courier New"/>
+                <a:cs typeface="Courier New"/>
+              </a:rPr>
+              <a:t>...</a:t>
             </a:r>
             <a:endParaRPr lang="en-US" dirty="0" smtClean="0">
-              <a:cs typeface="Calibri"/>
-            </a:endParaRPr>
-          </a:p>
-          <a:p>
-            <a:pPr marL="0" indent="0">
-              <a:buNone/>
-            </a:pPr>
-            <a:r>
-              <a:rPr lang="en-US" dirty="0" smtClean="0">
-                <a:cs typeface="Calibri"/>
-              </a:rPr>
-              <a:t>Services</a:t>
-            </a:r>
-            <a:endParaRPr lang="en-US" dirty="0">
-              <a:cs typeface="Calibri"/>
-            </a:endParaRPr>
-          </a:p>
-          <a:p>
-            <a:r>
-              <a:rPr lang="en-US" dirty="0" err="1" smtClean="0">
-                <a:cs typeface="Calibri"/>
-              </a:rPr>
-              <a:t>httpd</a:t>
-            </a:r>
-            <a:r>
-              <a:rPr lang="en-US" dirty="0" smtClean="0">
-                <a:cs typeface="Calibri"/>
-              </a:rPr>
-              <a:t>, </a:t>
-            </a:r>
-            <a:r>
-              <a:rPr lang="en-US" dirty="0" err="1" smtClean="0">
-                <a:cs typeface="Calibri"/>
-              </a:rPr>
-              <a:t>mysqld</a:t>
-            </a:r>
-            <a:endParaRPr lang="en-US" dirty="0" smtClean="0">
-              <a:cs typeface="Calibri"/>
-            </a:endParaRPr>
-          </a:p>
-          <a:p>
-            <a:pPr marL="0" indent="0">
-              <a:buNone/>
-            </a:pPr>
-            <a:r>
-              <a:rPr lang="en-US" dirty="0" smtClean="0">
-                <a:cs typeface="Calibri"/>
-              </a:rPr>
-              <a:t>File /</a:t>
-            </a:r>
-            <a:r>
-              <a:rPr lang="en-US" dirty="0" err="1" smtClean="0">
-                <a:cs typeface="Calibri"/>
-              </a:rPr>
-              <a:t>var</a:t>
-            </a:r>
-            <a:r>
-              <a:rPr lang="en-US" dirty="0" smtClean="0">
-                <a:cs typeface="Calibri"/>
-              </a:rPr>
-              <a:t>/www/html/</a:t>
-            </a:r>
-            <a:r>
-              <a:rPr lang="en-US" dirty="0" err="1" smtClean="0">
-                <a:cs typeface="Calibri"/>
-              </a:rPr>
-              <a:t>test.php</a:t>
-            </a:r>
-            <a:endParaRPr lang="en-US" dirty="0" smtClean="0">
-              <a:cs typeface="Calibri"/>
-            </a:endParaRPr>
-          </a:p>
-          <a:p>
-            <a:r>
-              <a:rPr lang="en-US" smtClean="0">
-                <a:cs typeface="Calibri"/>
-              </a:rPr>
-              <a:t>Content</a:t>
-            </a:r>
-            <a:r>
-              <a:rPr lang="en-US" dirty="0" smtClean="0">
-                <a:cs typeface="Calibri"/>
-              </a:rPr>
-              <a:t>:</a:t>
-            </a:r>
-            <a:br>
-              <a:rPr lang="en-US" dirty="0" smtClean="0">
-                <a:cs typeface="Calibri"/>
-              </a:rPr>
-            </a:br>
-            <a:r>
-              <a:rPr lang="en-US" sz="1600" dirty="0" smtClean="0">
-                <a:latin typeface="Courier New"/>
-                <a:cs typeface="Courier New"/>
-              </a:rPr>
-              <a:t>&lt;html&gt;&lt;body&gt;&lt;?</a:t>
-            </a:r>
-            <a:r>
-              <a:rPr lang="en-US" sz="1600" dirty="0" err="1" smtClean="0">
-                <a:latin typeface="Courier New"/>
-                <a:cs typeface="Courier New"/>
-              </a:rPr>
-              <a:t>php</a:t>
-            </a:r>
-            <a:r>
-              <a:rPr lang="en-US" sz="1600" dirty="0" smtClean="0">
-                <a:latin typeface="Courier New"/>
-                <a:cs typeface="Courier New"/>
-              </a:rPr>
-              <a:t> echo "We have lift off!"; ?&gt;&lt;/body&gt;&lt;/html&gt;</a:t>
-            </a:r>
-            <a:endParaRPr lang="en-US" sz="1600" dirty="0">
               <a:latin typeface="Courier New"/>
               <a:cs typeface="Courier New"/>
             </a:endParaRPr>
           </a:p>
           <a:p>
+            <a:pPr marL="0" indent="0">
+              <a:buNone/>
+            </a:pPr>
+            <a:r>
+              <a:rPr lang="en-US" dirty="0" smtClean="0">
+                <a:latin typeface="Courier New"/>
+                <a:cs typeface="Courier New"/>
+              </a:rPr>
+              <a:t>include junk</a:t>
+            </a:r>
             <a:endParaRPr lang="en-US" dirty="0" smtClean="0">
-              <a:cs typeface="Calibri"/>
+              <a:latin typeface="Courier New"/>
+              <a:cs typeface="Courier New"/>
             </a:endParaRPr>
           </a:p>
         </p:txBody>
       </p:sp>
+      <p:pic>
+        <p:nvPicPr>
+          <p:cNvPr id="3" name="Picture 2"/>
+          <p:cNvPicPr>
+            <a:picLocks noChangeAspect="1"/>
+          </p:cNvPicPr>
+          <p:nvPr/>
+        </p:nvPicPr>
+        <p:blipFill>
+          <a:blip r:embed="rId2"/>
+          <a:stretch>
+            <a:fillRect/>
+          </a:stretch>
+        </p:blipFill>
+        <p:spPr>
+          <a:xfrm>
+            <a:off x="539750" y="3314700"/>
+            <a:ext cx="8147050" cy="436908"/>
+          </a:xfrm>
+          <a:prstGeom prst="rect">
+            <a:avLst/>
+          </a:prstGeom>
+        </p:spPr>
+      </p:pic>
     </p:spTree>
     <p:extLst>
       <p:ext uri="{BB962C8B-B14F-4D97-AF65-F5344CB8AC3E}">
-        <p14:creationId xmlns:p14="http://schemas.microsoft.com/office/powerpoint/2010/main" val="885279873"/>
+        <p14:creationId xmlns:p14="http://schemas.microsoft.com/office/powerpoint/2010/main" val="2638613246"/>
       </p:ext>
     </p:extLst>
   </p:cSld>
@@ -4273,7 +4260,127 @@
   <p:timing>
     <p:tnLst>
       <p:par>
-        <p:cTn xmlns:p14="http://schemas.microsoft.com/office/powerpoint/2010/main" id="1" dur="indefinite" restart="never" nodeType="tmRoot"/>
+        <p:cTn xmlns:p14="http://schemas.microsoft.com/office/powerpoint/2010/main" id="1" dur="indefinite" restart="never" nodeType="tmRoot">
+          <p:childTnLst>
+            <p:seq concurrent="1" nextAc="seek">
+              <p:cTn id="2" dur="indefinite" nodeType="mainSeq">
+                <p:childTnLst>
+                  <p:par>
+                    <p:cTn id="3" fill="hold">
+                      <p:stCondLst>
+                        <p:cond delay="indefinite"/>
+                        <p:cond evt="onBegin" delay="0">
+                          <p:tn val="2"/>
+                        </p:cond>
+                      </p:stCondLst>
+                      <p:childTnLst>
+                        <p:par>
+                          <p:cTn id="4" fill="hold">
+                            <p:stCondLst>
+                              <p:cond delay="0"/>
+                            </p:stCondLst>
+                            <p:childTnLst>
+                              <p:par>
+                                <p:cTn id="5" presetID="1" presetClass="entr" presetSubtype="0" fill="hold" nodeType="withEffect">
+                                  <p:stCondLst>
+                                    <p:cond delay="0"/>
+                                  </p:stCondLst>
+                                  <p:childTnLst>
+                                    <p:set>
+                                      <p:cBhvr>
+                                        <p:cTn id="6" dur="1" fill="hold">
+                                          <p:stCondLst>
+                                            <p:cond delay="0"/>
+                                          </p:stCondLst>
+                                        </p:cTn>
+                                        <p:tgtEl>
+                                          <p:spTgt spid="5">
+                                            <p:txEl>
+                                              <p:pRg st="2" end="2"/>
+                                            </p:txEl>
+                                          </p:spTgt>
+                                        </p:tgtEl>
+                                        <p:attrNameLst>
+                                          <p:attrName>style.visibility</p:attrName>
+                                        </p:attrNameLst>
+                                      </p:cBhvr>
+                                      <p:to>
+                                        <p:strVal val="visible"/>
+                                      </p:to>
+                                    </p:set>
+                                  </p:childTnLst>
+                                </p:cTn>
+                              </p:par>
+                            </p:childTnLst>
+                          </p:cTn>
+                        </p:par>
+                      </p:childTnLst>
+                    </p:cTn>
+                  </p:par>
+                  <p:par>
+                    <p:cTn id="7" fill="hold">
+                      <p:stCondLst>
+                        <p:cond delay="indefinite"/>
+                      </p:stCondLst>
+                      <p:childTnLst>
+                        <p:par>
+                          <p:cTn id="8" fill="hold">
+                            <p:stCondLst>
+                              <p:cond delay="0"/>
+                            </p:stCondLst>
+                            <p:childTnLst>
+                              <p:par>
+                                <p:cTn id="9" presetID="1" presetClass="entr" presetSubtype="0" fill="hold" nodeType="clickEffect">
+                                  <p:stCondLst>
+                                    <p:cond delay="0"/>
+                                  </p:stCondLst>
+                                  <p:childTnLst>
+                                    <p:set>
+                                      <p:cBhvr>
+                                        <p:cTn id="10" dur="1" fill="hold">
+                                          <p:stCondLst>
+                                            <p:cond delay="0"/>
+                                          </p:stCondLst>
+                                        </p:cTn>
+                                        <p:tgtEl>
+                                          <p:spTgt spid="3"/>
+                                        </p:tgtEl>
+                                        <p:attrNameLst>
+                                          <p:attrName>style.visibility</p:attrName>
+                                        </p:attrNameLst>
+                                      </p:cBhvr>
+                                      <p:to>
+                                        <p:strVal val="visible"/>
+                                      </p:to>
+                                    </p:set>
+                                  </p:childTnLst>
+                                </p:cTn>
+                              </p:par>
+                            </p:childTnLst>
+                          </p:cTn>
+                        </p:par>
+                      </p:childTnLst>
+                    </p:cTn>
+                  </p:par>
+                </p:childTnLst>
+              </p:cTn>
+              <p:prevCondLst>
+                <p:cond evt="onPrev" delay="0">
+                  <p:tgtEl>
+                    <p:sldTgt/>
+                  </p:tgtEl>
+                </p:cond>
+              </p:prevCondLst>
+              <p:nextCondLst>
+                <p:cond evt="onNext" delay="0">
+                  <p:tgtEl>
+                    <p:sldTgt/>
+                  </p:tgtEl>
+                </p:cond>
+              </p:nextCondLst>
+            </p:seq>
+          </p:childTnLst>
+        </p:cTn>
       </p:par>
     </p:tnLst>
   </p:timing>
@@ -4314,7 +4421,7 @@
           <a:p>
             <a:r>
               <a:rPr lang="en-US" dirty="0" smtClean="0"/>
-              <a:t>Puppet Modules</a:t>
+              <a:t>Defining Parameterized Class</a:t>
             </a:r>
             <a:endParaRPr lang="en-US" dirty="0"/>
           </a:p>
@@ -4322,27 +4429,208 @@
       </p:sp>
       <p:sp>
         <p:nvSpPr>
-          <p:cNvPr id="5" name="Text Placeholder 4"/>
-          <p:cNvSpPr>
-            <a:spLocks noGrp="1"/>
-          </p:cNvSpPr>
-          <p:nvPr>
-            <p:ph type="body" idx="1"/>
-          </p:nvPr>
-        </p:nvSpPr>
-        <p:spPr/>
-        <p:txBody>
-          <a:bodyPr/>
-          <a:lstStyle/>
-          <a:p>
-            <a:endParaRPr lang="en-US"/>
+          <p:cNvPr id="5" name="Content Placeholder 4"/>
+          <p:cNvSpPr>
+            <a:spLocks noGrp="1"/>
+          </p:cNvSpPr>
+          <p:nvPr>
+            <p:ph idx="1"/>
+          </p:nvPr>
+        </p:nvSpPr>
+        <p:spPr/>
+        <p:txBody>
+          <a:bodyPr>
+            <a:normAutofit/>
+          </a:bodyPr>
+          <a:lstStyle/>
+          <a:p>
+            <a:pPr marL="0" indent="0">
+              <a:buNone/>
+            </a:pPr>
+            <a:r>
+              <a:rPr lang="en-US" sz="2000" dirty="0" smtClean="0">
+                <a:latin typeface="Courier New"/>
+                <a:cs typeface="Courier New"/>
+              </a:rPr>
+              <a:t>class </a:t>
+            </a:r>
+            <a:r>
+              <a:rPr lang="en-US" sz="2000" dirty="0" smtClean="0">
+                <a:latin typeface="Courier New"/>
+                <a:cs typeface="Courier New"/>
+              </a:rPr>
+              <a:t>junk($verb, $name = 'rubbish') </a:t>
+            </a:r>
+            <a:r>
+              <a:rPr lang="en-US" sz="2000" dirty="0" smtClean="0">
+                <a:latin typeface="Courier New"/>
+                <a:cs typeface="Courier New"/>
+              </a:rPr>
+              <a:t>{</a:t>
+            </a:r>
+          </a:p>
+          <a:p>
+            <a:pPr marL="0" indent="0">
+              <a:buNone/>
+            </a:pPr>
+            <a:r>
+              <a:rPr lang="en-US" sz="2000" dirty="0">
+                <a:latin typeface="Courier New"/>
+                <a:cs typeface="Courier New"/>
+              </a:rPr>
+              <a:t> </a:t>
+            </a:r>
+            <a:r>
+              <a:rPr lang="en-US" sz="2000" dirty="0" smtClean="0">
+                <a:latin typeface="Courier New"/>
+                <a:cs typeface="Courier New"/>
+              </a:rPr>
+              <a:t> file { '/</a:t>
+            </a:r>
+            <a:r>
+              <a:rPr lang="en-US" sz="2000" dirty="0" err="1" smtClean="0">
+                <a:latin typeface="Courier New"/>
+                <a:cs typeface="Courier New"/>
+              </a:rPr>
+              <a:t>tmp</a:t>
+            </a:r>
+            <a:r>
+              <a:rPr lang="en-US" sz="2000" dirty="0" smtClean="0">
+                <a:latin typeface="Courier New"/>
+                <a:cs typeface="Courier New"/>
+              </a:rPr>
+              <a:t>/</a:t>
+            </a:r>
+            <a:r>
+              <a:rPr lang="en-US" sz="2000" dirty="0" err="1" smtClean="0">
+                <a:latin typeface="Courier New"/>
+                <a:cs typeface="Courier New"/>
+              </a:rPr>
+              <a:t>junk.txt</a:t>
+            </a:r>
+            <a:r>
+              <a:rPr lang="en-US" sz="2000" dirty="0" smtClean="0">
+                <a:latin typeface="Courier New"/>
+                <a:cs typeface="Courier New"/>
+              </a:rPr>
+              <a:t>':</a:t>
+            </a:r>
+          </a:p>
+          <a:p>
+            <a:pPr marL="0" indent="0">
+              <a:buNone/>
+            </a:pPr>
+            <a:r>
+              <a:rPr lang="en-US" sz="2000" dirty="0">
+                <a:latin typeface="Courier New"/>
+                <a:cs typeface="Courier New"/>
+              </a:rPr>
+              <a:t> </a:t>
+            </a:r>
+            <a:r>
+              <a:rPr lang="en-US" sz="2000" dirty="0" smtClean="0">
+                <a:latin typeface="Courier New"/>
+                <a:cs typeface="Courier New"/>
+              </a:rPr>
+              <a:t>   ensure =&gt; file,</a:t>
+            </a:r>
+          </a:p>
+          <a:p>
+            <a:pPr marL="0" indent="0">
+              <a:buNone/>
+            </a:pPr>
+            <a:r>
+              <a:rPr lang="en-US" sz="2000" dirty="0">
+                <a:latin typeface="Courier New"/>
+                <a:cs typeface="Courier New"/>
+              </a:rPr>
+              <a:t> </a:t>
+            </a:r>
+            <a:r>
+              <a:rPr lang="en-US" sz="2000" dirty="0" smtClean="0">
+                <a:latin typeface="Courier New"/>
+                <a:cs typeface="Courier New"/>
+              </a:rPr>
+              <a:t>   content =&gt; </a:t>
+            </a:r>
+            <a:r>
+              <a:rPr lang="en-US" sz="2000" dirty="0" smtClean="0">
+                <a:latin typeface="Courier New"/>
+                <a:cs typeface="Courier New"/>
+              </a:rPr>
+              <a:t>"</a:t>
+            </a:r>
+            <a:r>
+              <a:rPr lang="en-US" sz="2000" dirty="0">
+                <a:latin typeface="Courier New"/>
+                <a:cs typeface="Courier New"/>
+              </a:rPr>
+              <a:t>$</a:t>
+            </a:r>
+            <a:r>
+              <a:rPr lang="en-US" sz="2000" dirty="0" smtClean="0">
+                <a:latin typeface="Courier New"/>
+                <a:cs typeface="Courier New"/>
+              </a:rPr>
+              <a:t>{verb} </a:t>
+            </a:r>
+            <a:r>
+              <a:rPr lang="en-US" sz="2000" dirty="0" smtClean="0">
+                <a:latin typeface="Courier New"/>
+                <a:cs typeface="Courier New"/>
+              </a:rPr>
+              <a:t>some ${name}",</a:t>
+            </a:r>
+            <a:endParaRPr lang="en-US" sz="2000" dirty="0" smtClean="0">
+              <a:latin typeface="Courier New"/>
+              <a:cs typeface="Courier New"/>
+            </a:endParaRPr>
+          </a:p>
+          <a:p>
+            <a:pPr marL="0" indent="0">
+              <a:buNone/>
+            </a:pPr>
+            <a:r>
+              <a:rPr lang="en-US" sz="2000" dirty="0">
+                <a:latin typeface="Courier New"/>
+                <a:cs typeface="Courier New"/>
+              </a:rPr>
+              <a:t> </a:t>
+            </a:r>
+            <a:r>
+              <a:rPr lang="en-US" sz="2000" dirty="0" smtClean="0">
+                <a:latin typeface="Courier New"/>
+                <a:cs typeface="Courier New"/>
+              </a:rPr>
+              <a:t> }</a:t>
+            </a:r>
+          </a:p>
+          <a:p>
+            <a:pPr marL="0" indent="0">
+              <a:buNone/>
+            </a:pPr>
+            <a:r>
+              <a:rPr lang="en-US" sz="2000" dirty="0" smtClean="0">
+                <a:latin typeface="Courier New"/>
+                <a:cs typeface="Courier New"/>
+              </a:rPr>
+              <a:t>}</a:t>
+            </a:r>
+          </a:p>
+          <a:p>
+            <a:pPr marL="0" indent="0">
+              <a:buNone/>
+            </a:pPr>
+            <a:endParaRPr lang="en-US" dirty="0" smtClean="0">
+              <a:cs typeface="Courier New"/>
+            </a:endParaRPr>
           </a:p>
         </p:txBody>
       </p:sp>
     </p:spTree>
     <p:extLst>
       <p:ext uri="{BB962C8B-B14F-4D97-AF65-F5344CB8AC3E}">
-        <p14:creationId xmlns:p14="http://schemas.microsoft.com/office/powerpoint/2010/main" val="2406150601"/>
+        <p14:creationId xmlns:p14="http://schemas.microsoft.com/office/powerpoint/2010/main" val="4202339605"/>
       </p:ext>
     </p:extLst>
   </p:cSld>
@@ -4393,7 +4681,7 @@
           <a:p>
             <a:r>
               <a:rPr lang="en-US" dirty="0" smtClean="0"/>
-              <a:t>Module Structure</a:t>
+              <a:t>Using Parameterized Class</a:t>
             </a:r>
             <a:endParaRPr lang="en-US" dirty="0"/>
           </a:p>
@@ -4411,67 +4699,171 @@
         </p:nvSpPr>
         <p:spPr/>
         <p:txBody>
-          <a:bodyPr/>
-          <a:lstStyle/>
-          <a:p>
-            <a:r>
-              <a:rPr lang="en-US" dirty="0" smtClean="0"/>
-              <a:t>Module Name</a:t>
-            </a:r>
-          </a:p>
-          <a:p>
-            <a:pPr lvl="1"/>
-            <a:r>
-              <a:rPr lang="en-US" dirty="0" smtClean="0"/>
-              <a:t>manifests</a:t>
-            </a:r>
-          </a:p>
-          <a:p>
-            <a:pPr lvl="1"/>
-            <a:r>
-              <a:rPr lang="en-US" dirty="0" smtClean="0"/>
-              <a:t>files</a:t>
-            </a:r>
-          </a:p>
-          <a:p>
-            <a:pPr lvl="1"/>
-            <a:r>
-              <a:rPr lang="en-US" dirty="0" smtClean="0"/>
-              <a:t>templates</a:t>
-            </a:r>
-          </a:p>
-          <a:p>
-            <a:pPr lvl="1"/>
-            <a:r>
-              <a:rPr lang="en-US" dirty="0" smtClean="0"/>
-              <a:t>…</a:t>
-            </a:r>
-          </a:p>
-          <a:p>
-            <a:endParaRPr lang="en-US" dirty="0"/>
-          </a:p>
+          <a:bodyPr>
+            <a:normAutofit/>
+          </a:bodyPr>
+          <a:lstStyle/>
           <a:p>
             <a:pPr marL="0" indent="0">
               <a:buNone/>
             </a:pPr>
             <a:r>
-              <a:rPr lang="en-US" sz="1800" dirty="0" smtClean="0">
-                <a:hlinkClick r:id="rId2"/>
-              </a:rPr>
-              <a:t>https://docs.puppetlabs.com/puppet/latest/reference/modules_fundamentals.html</a:t>
-            </a:r>
-            <a:r>
-              <a:rPr lang="en-US" sz="1800" dirty="0" smtClean="0"/>
+              <a:rPr lang="en-US" sz="2000" dirty="0" smtClean="0">
+                <a:latin typeface="Courier New"/>
+                <a:cs typeface="Courier New"/>
+              </a:rPr>
+              <a:t>class </a:t>
+            </a:r>
+            <a:r>
+              <a:rPr lang="en-US" sz="2000" dirty="0" smtClean="0">
+                <a:latin typeface="Courier New"/>
+                <a:cs typeface="Courier New"/>
+              </a:rPr>
+              <a:t>{ 'junk': verb = 'Trash', name = 'rubbish' }</a:t>
+            </a:r>
+          </a:p>
+          <a:p>
+            <a:pPr marL="0" indent="0">
+              <a:buNone/>
+            </a:pPr>
+            <a:r>
+              <a:rPr lang="en-US" dirty="0" smtClean="0">
+                <a:cs typeface="Courier New"/>
+              </a:rPr>
+              <a:t>Gives you "Trash some rubbish"</a:t>
+            </a:r>
+          </a:p>
+          <a:p>
+            <a:pPr marL="0" indent="0">
+              <a:buNone/>
+            </a:pPr>
+            <a:endParaRPr lang="en-US" dirty="0" smtClean="0">
+              <a:cs typeface="Courier New"/>
+            </a:endParaRPr>
+          </a:p>
+          <a:p>
+            <a:pPr marL="0" indent="0">
+              <a:buNone/>
+            </a:pPr>
+            <a:r>
+              <a:rPr lang="en-US" sz="2000" dirty="0">
+                <a:latin typeface="Courier New"/>
+                <a:cs typeface="Courier New"/>
+              </a:rPr>
+              <a:t>class { 'junk': verb = </a:t>
+            </a:r>
+            <a:r>
+              <a:rPr lang="en-US" sz="2000" dirty="0" smtClean="0">
+                <a:latin typeface="Courier New"/>
+                <a:cs typeface="Courier New"/>
+              </a:rPr>
+              <a:t>'Dump'</a:t>
+            </a:r>
+            <a:r>
+              <a:rPr lang="en-US" sz="2000" dirty="0">
+                <a:latin typeface="Courier New"/>
+                <a:cs typeface="Courier New"/>
+              </a:rPr>
+              <a:t>, name = </a:t>
+            </a:r>
+            <a:r>
+              <a:rPr lang="en-US" sz="2000" dirty="0" smtClean="0">
+                <a:latin typeface="Courier New"/>
+                <a:cs typeface="Courier New"/>
+              </a:rPr>
+              <a:t>'garbage' </a:t>
+            </a:r>
+            <a:r>
+              <a:rPr lang="en-US" sz="2000" dirty="0">
+                <a:latin typeface="Courier New"/>
+                <a:cs typeface="Courier New"/>
+              </a:rPr>
+              <a:t>}</a:t>
+            </a:r>
+          </a:p>
+          <a:p>
+            <a:pPr marL="0" indent="0">
+              <a:buNone/>
+            </a:pPr>
+            <a:r>
+              <a:rPr lang="en-US" dirty="0">
+                <a:cs typeface="Courier New"/>
+              </a:rPr>
+              <a:t>Gives you </a:t>
+            </a:r>
+            <a:r>
+              <a:rPr lang="en-US" dirty="0" smtClean="0">
+                <a:cs typeface="Courier New"/>
+              </a:rPr>
+              <a:t>"Dump some garbage"</a:t>
+            </a:r>
+          </a:p>
+          <a:p>
+            <a:pPr marL="0" indent="0">
+              <a:buNone/>
+            </a:pPr>
+            <a:endParaRPr lang="en-US" dirty="0">
+              <a:cs typeface="Courier New"/>
+            </a:endParaRPr>
+          </a:p>
+          <a:p>
+            <a:pPr marL="0" indent="0">
+              <a:buNone/>
+            </a:pPr>
+            <a:r>
+              <a:rPr lang="en-US" dirty="0">
+                <a:cs typeface="Courier New"/>
+              </a:rPr>
+              <a:t>Mandatory </a:t>
+            </a:r>
+            <a:r>
+              <a:rPr lang="en-US" dirty="0" smtClean="0">
+                <a:cs typeface="Courier New"/>
+              </a:rPr>
+              <a:t>parameter </a:t>
+            </a:r>
+            <a:r>
+              <a:rPr lang="en-US" dirty="0" smtClean="0">
+                <a:latin typeface="Courier New"/>
+                <a:cs typeface="Courier New"/>
+              </a:rPr>
+              <a:t>verb</a:t>
+            </a:r>
+            <a:r>
+              <a:rPr lang="en-US" dirty="0" smtClean="0">
+                <a:cs typeface="Courier New"/>
+              </a:rPr>
               <a:t> </a:t>
             </a:r>
-            <a:endParaRPr lang="en-US" sz="1800" dirty="0"/>
+            <a:r>
+              <a:rPr lang="en-US" dirty="0">
+                <a:cs typeface="Courier New"/>
+              </a:rPr>
+              <a:t>– cannot use the "include" syntax</a:t>
+            </a:r>
+          </a:p>
+          <a:p>
+            <a:pPr marL="0" indent="0">
+              <a:buNone/>
+            </a:pPr>
+            <a:endParaRPr lang="en-US" dirty="0">
+              <a:cs typeface="Courier New"/>
+            </a:endParaRPr>
+          </a:p>
+          <a:p>
+            <a:pPr marL="0" indent="0">
+              <a:buNone/>
+            </a:pPr>
+            <a:endParaRPr lang="en-US" dirty="0" smtClean="0">
+              <a:cs typeface="Courier New"/>
+            </a:endParaRPr>
           </a:p>
         </p:txBody>
       </p:sp>
     </p:spTree>
     <p:extLst>
       <p:ext uri="{BB962C8B-B14F-4D97-AF65-F5344CB8AC3E}">
-        <p14:creationId xmlns:p14="http://schemas.microsoft.com/office/powerpoint/2010/main" val="3083997489"/>
+        <p14:creationId xmlns:p14="http://schemas.microsoft.com/office/powerpoint/2010/main" val="2668466592"/>
       </p:ext>
     </p:extLst>
   </p:cSld>
@@ -4507,7 +4899,7 @@
       </p:grpSpPr>
       <p:sp>
         <p:nvSpPr>
-          <p:cNvPr id="2" name="Title 1"/>
+          <p:cNvPr id="4" name="Title 3"/>
           <p:cNvSpPr>
             <a:spLocks noGrp="1"/>
           </p:cNvSpPr>
@@ -4522,15 +4914,15 @@
           <a:p>
             <a:r>
               <a:rPr lang="en-US" dirty="0" smtClean="0"/>
-              <a:t>The </a:t>
-            </a:r>
-            <a:r>
-              <a:rPr lang="en-US" dirty="0" err="1" smtClean="0"/>
-              <a:t>nfs</a:t>
-            </a:r>
-            <a:r>
-              <a:rPr lang="en-US" dirty="0" smtClean="0"/>
-              <a:t> Module</a:t>
+              <a:t>Create a </a:t>
+            </a:r>
+            <a:r>
+              <a:rPr lang="en-US" i="1" dirty="0" err="1" smtClean="0"/>
+              <a:t>lamp_stack</a:t>
+            </a:r>
+            <a:r>
+              <a:rPr lang="en-US" dirty="0" smtClean="0"/>
+              <a:t> class</a:t>
             </a:r>
             <a:endParaRPr lang="en-US" dirty="0"/>
           </a:p>
@@ -4538,7 +4930,7 @@
       </p:sp>
       <p:sp>
         <p:nvSpPr>
-          <p:cNvPr id="3" name="Content Placeholder 2"/>
+          <p:cNvPr id="5" name="Content Placeholder 4"/>
           <p:cNvSpPr>
             <a:spLocks noGrp="1"/>
           </p:cNvSpPr>
@@ -4548,84 +4940,227 @@
         </p:nvSpPr>
         <p:spPr/>
         <p:txBody>
-          <a:bodyPr/>
-          <a:lstStyle/>
-          <a:p>
-            <a:r>
-              <a:rPr lang="en-US" dirty="0" smtClean="0"/>
-              <a:t>Server:</a:t>
-            </a:r>
-          </a:p>
-          <a:p>
-            <a:pPr lvl="1"/>
-            <a:r>
-              <a:rPr lang="en-US" dirty="0" smtClean="0"/>
-              <a:t>Packages: </a:t>
-            </a:r>
-            <a:r>
-              <a:rPr lang="en-US" dirty="0" err="1" smtClean="0"/>
-              <a:t>nfs-utils</a:t>
-            </a:r>
-            <a:r>
-              <a:rPr lang="en-US" dirty="0" smtClean="0"/>
+          <a:bodyPr>
+            <a:normAutofit/>
+          </a:bodyPr>
+          <a:lstStyle/>
+          <a:p>
+            <a:pPr marL="0" indent="0">
+              <a:buNone/>
+            </a:pPr>
+            <a:r>
+              <a:rPr lang="en-US" dirty="0" smtClean="0">
+                <a:latin typeface="Calibri"/>
+                <a:cs typeface="Calibri"/>
+              </a:rPr>
+              <a:t>Packages:</a:t>
+            </a:r>
+          </a:p>
+          <a:p>
+            <a:r>
+              <a:rPr lang="en-US" dirty="0" err="1" smtClean="0">
+                <a:cs typeface="Calibri"/>
+              </a:rPr>
+              <a:t>httpd</a:t>
+            </a:r>
+            <a:r>
+              <a:rPr lang="en-US" dirty="0" smtClean="0">
+                <a:cs typeface="Calibri"/>
+              </a:rPr>
               <a:t>, </a:t>
             </a:r>
             <a:r>
-              <a:rPr lang="en-US" dirty="0" err="1" smtClean="0"/>
-              <a:t>rpcbind</a:t>
-            </a:r>
-            <a:endParaRPr lang="en-US" dirty="0" smtClean="0"/>
-          </a:p>
-          <a:p>
-            <a:pPr lvl="1"/>
-            <a:r>
-              <a:rPr lang="en-US" dirty="0" smtClean="0"/>
-              <a:t>Services: </a:t>
-            </a:r>
-            <a:r>
-              <a:rPr lang="en-US" dirty="0" err="1" smtClean="0"/>
-              <a:t>rpcbind</a:t>
-            </a:r>
-            <a:r>
-              <a:rPr lang="en-US" dirty="0" smtClean="0"/>
+              <a:rPr lang="en-US" dirty="0" err="1" smtClean="0">
+                <a:cs typeface="Calibri"/>
+              </a:rPr>
+              <a:t>mysql</a:t>
+            </a:r>
+            <a:r>
+              <a:rPr lang="en-US" dirty="0" smtClean="0">
+                <a:cs typeface="Calibri"/>
+              </a:rPr>
+              <a:t>-server, </a:t>
+            </a:r>
+            <a:r>
+              <a:rPr lang="en-US" dirty="0" err="1" smtClean="0">
+                <a:cs typeface="Calibri"/>
+              </a:rPr>
+              <a:t>mysql</a:t>
+            </a:r>
+            <a:r>
+              <a:rPr lang="en-US" dirty="0" smtClean="0">
+                <a:cs typeface="Calibri"/>
+              </a:rPr>
               <a:t>, </a:t>
             </a:r>
             <a:r>
-              <a:rPr lang="en-US" dirty="0" err="1" smtClean="0"/>
-              <a:t>nfs</a:t>
-            </a:r>
-            <a:endParaRPr lang="en-US" dirty="0" smtClean="0"/>
-          </a:p>
-          <a:p>
-            <a:r>
-              <a:rPr lang="en-US" dirty="0" smtClean="0"/>
-              <a:t>Client:</a:t>
-            </a:r>
-          </a:p>
-          <a:p>
-            <a:pPr lvl="1"/>
-            <a:r>
-              <a:rPr lang="en-US" dirty="0" smtClean="0"/>
-              <a:t>Services: </a:t>
-            </a:r>
-            <a:r>
-              <a:rPr lang="en-US" dirty="0" err="1" smtClean="0"/>
-              <a:t>netfs</a:t>
-            </a:r>
-            <a:endParaRPr lang="en-US" dirty="0"/>
+              <a:rPr lang="en-US" dirty="0" err="1" smtClean="0">
+                <a:cs typeface="Calibri"/>
+              </a:rPr>
+              <a:t>php</a:t>
+            </a:r>
+            <a:r>
+              <a:rPr lang="en-US" dirty="0" smtClean="0">
+                <a:cs typeface="Calibri"/>
+              </a:rPr>
+              <a:t>, </a:t>
+            </a:r>
+            <a:r>
+              <a:rPr lang="en-US" dirty="0" err="1" smtClean="0">
+                <a:cs typeface="Calibri"/>
+              </a:rPr>
+              <a:t>php</a:t>
+            </a:r>
+            <a:r>
+              <a:rPr lang="en-US" dirty="0" err="1">
+                <a:cs typeface="Calibri"/>
+              </a:rPr>
+              <a:t>-</a:t>
+            </a:r>
+            <a:r>
+              <a:rPr lang="en-US" dirty="0" err="1" smtClean="0">
+                <a:cs typeface="Calibri"/>
+              </a:rPr>
+              <a:t>mysql</a:t>
+            </a:r>
+            <a:endParaRPr lang="en-US" dirty="0" smtClean="0">
+              <a:cs typeface="Calibri"/>
+            </a:endParaRPr>
+          </a:p>
+          <a:p>
+            <a:pPr marL="0" indent="0">
+              <a:buNone/>
+            </a:pPr>
+            <a:r>
+              <a:rPr lang="en-US" dirty="0" smtClean="0">
+                <a:cs typeface="Calibri"/>
+              </a:rPr>
+              <a:t>Services</a:t>
+            </a:r>
+            <a:endParaRPr lang="en-US" dirty="0">
+              <a:cs typeface="Calibri"/>
+            </a:endParaRPr>
+          </a:p>
+          <a:p>
+            <a:r>
+              <a:rPr lang="en-US" dirty="0" err="1" smtClean="0">
+                <a:cs typeface="Calibri"/>
+              </a:rPr>
+              <a:t>httpd</a:t>
+            </a:r>
+            <a:r>
+              <a:rPr lang="en-US" dirty="0" smtClean="0">
+                <a:cs typeface="Calibri"/>
+              </a:rPr>
+              <a:t>, </a:t>
+            </a:r>
+            <a:r>
+              <a:rPr lang="en-US" dirty="0" err="1" smtClean="0">
+                <a:cs typeface="Calibri"/>
+              </a:rPr>
+              <a:t>mysqld</a:t>
+            </a:r>
+            <a:endParaRPr lang="en-US" dirty="0" smtClean="0">
+              <a:cs typeface="Calibri"/>
+            </a:endParaRPr>
+          </a:p>
+          <a:p>
+            <a:pPr marL="0" indent="0">
+              <a:buNone/>
+            </a:pPr>
+            <a:r>
+              <a:rPr lang="en-US" dirty="0" smtClean="0">
+                <a:cs typeface="Calibri"/>
+              </a:rPr>
+              <a:t>File /</a:t>
+            </a:r>
+            <a:r>
+              <a:rPr lang="en-US" dirty="0" err="1" smtClean="0">
+                <a:cs typeface="Calibri"/>
+              </a:rPr>
+              <a:t>var</a:t>
+            </a:r>
+            <a:r>
+              <a:rPr lang="en-US" dirty="0" smtClean="0">
+                <a:cs typeface="Calibri"/>
+              </a:rPr>
+              <a:t>/www/html/</a:t>
+            </a:r>
+            <a:r>
+              <a:rPr lang="en-US" dirty="0" err="1" smtClean="0">
+                <a:cs typeface="Calibri"/>
+              </a:rPr>
+              <a:t>test.php</a:t>
+            </a:r>
+            <a:endParaRPr lang="en-US" dirty="0" smtClean="0">
+              <a:cs typeface="Calibri"/>
+            </a:endParaRPr>
+          </a:p>
+          <a:p>
+            <a:r>
+              <a:rPr lang="en-US" dirty="0" smtClean="0">
+                <a:cs typeface="Calibri"/>
+              </a:rPr>
+              <a:t>Content:</a:t>
+            </a:r>
+            <a:br>
+              <a:rPr lang="en-US" dirty="0" smtClean="0">
+                <a:cs typeface="Calibri"/>
+              </a:rPr>
+            </a:br>
+            <a:r>
+              <a:rPr lang="en-US" sz="1600" dirty="0" smtClean="0">
+                <a:latin typeface="Courier New"/>
+                <a:cs typeface="Courier New"/>
+              </a:rPr>
+              <a:t>&lt;html&gt;&lt;body&gt;&lt;?</a:t>
+            </a:r>
+            <a:r>
+              <a:rPr lang="en-US" sz="1600" dirty="0" err="1" smtClean="0">
+                <a:latin typeface="Courier New"/>
+                <a:cs typeface="Courier New"/>
+              </a:rPr>
+              <a:t>php</a:t>
+            </a:r>
+            <a:r>
+              <a:rPr lang="en-US" sz="1600" dirty="0" smtClean="0">
+                <a:latin typeface="Courier New"/>
+                <a:cs typeface="Courier New"/>
+              </a:rPr>
+              <a:t> echo "We have lift off!"; ?&gt;&lt;/body&gt;&lt;/html&gt;</a:t>
+            </a:r>
+            <a:endParaRPr lang="en-US" sz="1600" dirty="0">
+              <a:latin typeface="Courier New"/>
+              <a:cs typeface="Courier New"/>
+            </a:endParaRPr>
+          </a:p>
+          <a:p>
+            <a:pPr marL="0" indent="0">
+              <a:buNone/>
+            </a:pPr>
+            <a:endParaRPr lang="en-US" dirty="0" smtClean="0">
+              <a:cs typeface="Calibri"/>
+            </a:endParaRPr>
           </a:p>
         </p:txBody>
       </p:sp>
     </p:spTree>
     <p:extLst>
       <p:ext uri="{BB962C8B-B14F-4D97-AF65-F5344CB8AC3E}">
-        <p14:creationId xmlns:p14="http://schemas.microsoft.com/office/powerpoint/2010/main" val="163414872"/>
+        <p14:creationId xmlns:p14="http://schemas.microsoft.com/office/powerpoint/2010/main" val="885279873"/>
       </p:ext>
     </p:extLst>
   </p:cSld>
   <p:clrMapOvr>
     <a:masterClrMapping/>
   </p:clrMapOvr>
+  <p:timing>
+    <p:tnLst>
+      <p:par>
+        <p:cTn xmlns:p14="http://schemas.microsoft.com/office/powerpoint/2010/main" id="1" dur="indefinite" restart="never" nodeType="tmRoot"/>
+      </p:par>
+    </p:tnLst>
+  </p:timing>
 </p:sld>
 </file>
 
@@ -4662,16 +5197,8 @@
           <a:lstStyle/>
           <a:p>
             <a:r>
-              <a:rPr lang="en-US" dirty="0" err="1" smtClean="0"/>
-              <a:t>Externalise</a:t>
-            </a:r>
-            <a:r>
-              <a:rPr lang="en-US" dirty="0" smtClean="0"/>
-              <a:t> Configuration Using </a:t>
-            </a:r>
-            <a:r>
-              <a:rPr lang="en-US" dirty="0" err="1" smtClean="0"/>
-              <a:t>Hiera</a:t>
+              <a:rPr lang="en-US" dirty="0" smtClean="0"/>
+              <a:t>Puppet Modules</a:t>
             </a:r>
             <a:endParaRPr lang="en-US" dirty="0"/>
           </a:p>
@@ -4699,7 +5226,7 @@
     </p:spTree>
     <p:extLst>
       <p:ext uri="{BB962C8B-B14F-4D97-AF65-F5344CB8AC3E}">
-        <p14:creationId xmlns:p14="http://schemas.microsoft.com/office/powerpoint/2010/main" val="1738170492"/>
+        <p14:creationId xmlns:p14="http://schemas.microsoft.com/office/powerpoint/2010/main" val="2406150601"/>
       </p:ext>
     </p:extLst>
   </p:cSld>
@@ -4750,7 +5277,7 @@
           <a:p>
             <a:r>
               <a:rPr lang="en-US" dirty="0" smtClean="0"/>
-              <a:t>External Node Classification</a:t>
+              <a:t>Module Structure</a:t>
             </a:r>
             <a:endParaRPr lang="en-US" dirty="0"/>
           </a:p>
@@ -4758,12 +5285,12 @@
       </p:sp>
       <p:sp>
         <p:nvSpPr>
-          <p:cNvPr id="5" name="Text Placeholder 4"/>
-          <p:cNvSpPr>
-            <a:spLocks noGrp="1"/>
-          </p:cNvSpPr>
-          <p:nvPr>
-            <p:ph type="body" idx="1"/>
+          <p:cNvPr id="5" name="Content Placeholder 4"/>
+          <p:cNvSpPr>
+            <a:spLocks noGrp="1"/>
+          </p:cNvSpPr>
+          <p:nvPr>
+            <p:ph idx="1"/>
           </p:nvPr>
         </p:nvSpPr>
         <p:spPr/>
@@ -4771,14 +5298,64 @@
           <a:bodyPr/>
           <a:lstStyle/>
           <a:p>
-            <a:endParaRPr lang="en-US"/>
+            <a:r>
+              <a:rPr lang="en-US" dirty="0" smtClean="0"/>
+              <a:t>Module Name</a:t>
+            </a:r>
+          </a:p>
+          <a:p>
+            <a:pPr lvl="1"/>
+            <a:r>
+              <a:rPr lang="en-US" dirty="0" smtClean="0"/>
+              <a:t>manifests</a:t>
+            </a:r>
+          </a:p>
+          <a:p>
+            <a:pPr lvl="1"/>
+            <a:r>
+              <a:rPr lang="en-US" dirty="0" smtClean="0"/>
+              <a:t>files</a:t>
+            </a:r>
+          </a:p>
+          <a:p>
+            <a:pPr lvl="1"/>
+            <a:r>
+              <a:rPr lang="en-US" dirty="0" smtClean="0"/>
+              <a:t>templates</a:t>
+            </a:r>
+          </a:p>
+          <a:p>
+            <a:pPr lvl="1"/>
+            <a:r>
+              <a:rPr lang="en-US" dirty="0" smtClean="0"/>
+              <a:t>…</a:t>
+            </a:r>
+          </a:p>
+          <a:p>
+            <a:endParaRPr lang="en-US" dirty="0"/>
+          </a:p>
+          <a:p>
+            <a:pPr marL="0" indent="0">
+              <a:buNone/>
+            </a:pPr>
+            <a:r>
+              <a:rPr lang="en-US" sz="1800" dirty="0" smtClean="0">
+                <a:hlinkClick r:id="rId2"/>
+              </a:rPr>
+              <a:t>https://docs.puppetlabs.com/puppet/latest/reference/modules_fundamentals.html</a:t>
+            </a:r>
+            <a:r>
+              <a:rPr lang="en-US" sz="1800" dirty="0" smtClean="0"/>
+              <a:t> </a:t>
+            </a:r>
+            <a:endParaRPr lang="en-US" sz="1800" dirty="0"/>
           </a:p>
         </p:txBody>
       </p:sp>
     </p:spTree>
     <p:extLst>
       <p:ext uri="{BB962C8B-B14F-4D97-AF65-F5344CB8AC3E}">
-        <p14:creationId xmlns:p14="http://schemas.microsoft.com/office/powerpoint/2010/main" val="601874588"/>
+        <p14:creationId xmlns:p14="http://schemas.microsoft.com/office/powerpoint/2010/main" val="3083997489"/>
       </p:ext>
     </p:extLst>
   </p:cSld>
@@ -4864,6 +5441,2260 @@
   <p:clrMapOvr>
     <a:masterClrMapping/>
   </p:clrMapOvr>
+</p:sld>
+</file>
+
+<file path=ppt/slides/slide20.xml><?xml version="1.0" encoding="utf-8"?>
+<p:sld xmlns:a="http://schemas.openxmlformats.org/drawingml/2006/main" xmlns:r="http://schemas.openxmlformats.org/officeDocument/2006/relationships" xmlns:p="http://schemas.openxmlformats.org/presentationml/2006/main">
+  <p:cSld>
+    <p:spTree>
+      <p:nvGrpSpPr>
+        <p:cNvPr id="1" name=""/>
+        <p:cNvGrpSpPr/>
+        <p:nvPr/>
+      </p:nvGrpSpPr>
+      <p:grpSpPr>
+        <a:xfrm>
+          <a:off x="0" y="0"/>
+          <a:ext cx="0" cy="0"/>
+          <a:chOff x="0" y="0"/>
+          <a:chExt cx="0" cy="0"/>
+        </a:xfrm>
+      </p:grpSpPr>
+      <p:sp>
+        <p:nvSpPr>
+          <p:cNvPr id="2" name="Title 1"/>
+          <p:cNvSpPr>
+            <a:spLocks noGrp="1"/>
+          </p:cNvSpPr>
+          <p:nvPr>
+            <p:ph type="title"/>
+          </p:nvPr>
+        </p:nvSpPr>
+        <p:spPr/>
+        <p:txBody>
+          <a:bodyPr/>
+          <a:lstStyle/>
+          <a:p>
+            <a:r>
+              <a:rPr lang="en-US" dirty="0" smtClean="0"/>
+              <a:t>The </a:t>
+            </a:r>
+            <a:r>
+              <a:rPr lang="en-US" dirty="0" smtClean="0"/>
+              <a:t>lamp</a:t>
+            </a:r>
+            <a:r>
+              <a:rPr lang="en-US" dirty="0" smtClean="0"/>
+              <a:t> </a:t>
+            </a:r>
+            <a:r>
+              <a:rPr lang="en-US" dirty="0" smtClean="0"/>
+              <a:t>Module</a:t>
+            </a:r>
+            <a:endParaRPr lang="en-US" dirty="0"/>
+          </a:p>
+        </p:txBody>
+      </p:sp>
+      <p:sp>
+        <p:nvSpPr>
+          <p:cNvPr id="3" name="Content Placeholder 2"/>
+          <p:cNvSpPr>
+            <a:spLocks noGrp="1"/>
+          </p:cNvSpPr>
+          <p:nvPr>
+            <p:ph idx="1"/>
+          </p:nvPr>
+        </p:nvSpPr>
+        <p:spPr/>
+        <p:txBody>
+          <a:bodyPr/>
+          <a:lstStyle/>
+          <a:p>
+            <a:r>
+              <a:rPr lang="en-US" dirty="0" smtClean="0"/>
+              <a:t>Move the previous </a:t>
+            </a:r>
+            <a:r>
+              <a:rPr lang="en-US" dirty="0" err="1" smtClean="0"/>
+              <a:t>lamp_stack</a:t>
+            </a:r>
+            <a:r>
+              <a:rPr lang="en-US" dirty="0" smtClean="0"/>
+              <a:t> class into the </a:t>
+            </a:r>
+            <a:r>
+              <a:rPr lang="en-US" dirty="0" err="1" smtClean="0"/>
+              <a:t>lamp_stack</a:t>
+            </a:r>
+            <a:r>
+              <a:rPr lang="en-US" dirty="0" smtClean="0"/>
+              <a:t> module</a:t>
+            </a:r>
+          </a:p>
+          <a:p>
+            <a:r>
+              <a:rPr lang="en-US" dirty="0" smtClean="0"/>
+              <a:t>Put the content of the file into a file (or template)</a:t>
+            </a:r>
+          </a:p>
+          <a:p>
+            <a:r>
+              <a:rPr lang="en-US" dirty="0" smtClean="0"/>
+              <a:t>Declare a </a:t>
+            </a:r>
+            <a:r>
+              <a:rPr lang="en-US" dirty="0" smtClean="0">
+                <a:latin typeface="Courier New"/>
+                <a:cs typeface="Courier New"/>
+              </a:rPr>
+              <a:t>$user</a:t>
+            </a:r>
+            <a:r>
+              <a:rPr lang="en-US" dirty="0" smtClean="0"/>
+              <a:t> variable in the class</a:t>
+            </a:r>
+          </a:p>
+          <a:p>
+            <a:r>
+              <a:rPr lang="en-US" dirty="0" smtClean="0"/>
+              <a:t>Create another file (</a:t>
+            </a:r>
+            <a:r>
+              <a:rPr lang="en-US" dirty="0" err="1" smtClean="0"/>
+              <a:t>hello.html</a:t>
+            </a:r>
+            <a:r>
+              <a:rPr lang="en-US" dirty="0" smtClean="0"/>
+              <a:t>) from a template (</a:t>
+            </a:r>
+            <a:r>
+              <a:rPr lang="en-US" dirty="0" err="1" smtClean="0"/>
+              <a:t>hello.html.erb</a:t>
+            </a:r>
+            <a:r>
+              <a:rPr lang="en-US" dirty="0" smtClean="0"/>
+              <a:t>)</a:t>
+            </a:r>
+            <a:br>
+              <a:rPr lang="en-US" dirty="0" smtClean="0"/>
+            </a:br>
+            <a:r>
+              <a:rPr lang="en-US" sz="2200" dirty="0" smtClean="0">
+                <a:latin typeface="Courier New"/>
+                <a:cs typeface="Courier New"/>
+              </a:rPr>
+              <a:t>&lt;html&gt;&lt;</a:t>
+            </a:r>
+            <a:r>
+              <a:rPr lang="en-US" sz="2200" dirty="0">
+                <a:latin typeface="Courier New"/>
+                <a:cs typeface="Courier New"/>
+              </a:rPr>
+              <a:t>body</a:t>
+            </a:r>
+            <a:r>
+              <a:rPr lang="en-US" sz="2200" dirty="0" smtClean="0">
+                <a:latin typeface="Courier New"/>
+                <a:cs typeface="Courier New"/>
+              </a:rPr>
+              <a:t>&gt;Hello &lt;</a:t>
+            </a:r>
+            <a:r>
+              <a:rPr lang="en-US" sz="2200" dirty="0">
+                <a:latin typeface="Courier New"/>
+                <a:cs typeface="Courier New"/>
+              </a:rPr>
+              <a:t>%= </a:t>
+            </a:r>
+            <a:r>
+              <a:rPr lang="en-US" sz="2200" dirty="0" smtClean="0">
+                <a:latin typeface="Courier New"/>
+                <a:cs typeface="Courier New"/>
+              </a:rPr>
+              <a:t>@user </a:t>
+            </a:r>
+            <a:r>
+              <a:rPr lang="en-US" sz="2200" dirty="0">
+                <a:latin typeface="Courier New"/>
+                <a:cs typeface="Courier New"/>
+              </a:rPr>
+              <a:t>%&gt;&lt;</a:t>
+            </a:r>
+            <a:r>
+              <a:rPr lang="en-US" sz="2200" dirty="0" smtClean="0">
+                <a:latin typeface="Courier New"/>
+                <a:cs typeface="Courier New"/>
+              </a:rPr>
+              <a:t>/body&gt;&lt;/html&gt;</a:t>
+            </a:r>
+            <a:endParaRPr lang="en-US" sz="2200" dirty="0">
+              <a:latin typeface="Courier New"/>
+              <a:cs typeface="Courier New"/>
+            </a:endParaRPr>
+          </a:p>
+        </p:txBody>
+      </p:sp>
+    </p:spTree>
+    <p:extLst>
+      <p:ext uri="{BB962C8B-B14F-4D97-AF65-F5344CB8AC3E}">
+        <p14:creationId xmlns:p14="http://schemas.microsoft.com/office/powerpoint/2010/main" val="163414872"/>
+      </p:ext>
+    </p:extLst>
+  </p:cSld>
+  <p:clrMapOvr>
+    <a:masterClrMapping/>
+  </p:clrMapOvr>
+</p:sld>
+</file>
+
+<file path=ppt/slides/slide21.xml><?xml version="1.0" encoding="utf-8"?>
+<p:sld xmlns:a="http://schemas.openxmlformats.org/drawingml/2006/main" xmlns:r="http://schemas.openxmlformats.org/officeDocument/2006/relationships" xmlns:p="http://schemas.openxmlformats.org/presentationml/2006/main">
+  <p:cSld>
+    <p:spTree>
+      <p:nvGrpSpPr>
+        <p:cNvPr id="1" name=""/>
+        <p:cNvGrpSpPr/>
+        <p:nvPr/>
+      </p:nvGrpSpPr>
+      <p:grpSpPr>
+        <a:xfrm>
+          <a:off x="0" y="0"/>
+          <a:ext cx="0" cy="0"/>
+          <a:chOff x="0" y="0"/>
+          <a:chExt cx="0" cy="0"/>
+        </a:xfrm>
+      </p:grpSpPr>
+      <p:sp>
+        <p:nvSpPr>
+          <p:cNvPr id="2" name="Title 1"/>
+          <p:cNvSpPr>
+            <a:spLocks noGrp="1"/>
+          </p:cNvSpPr>
+          <p:nvPr>
+            <p:ph type="title"/>
+          </p:nvPr>
+        </p:nvSpPr>
+        <p:spPr/>
+        <p:txBody>
+          <a:bodyPr/>
+          <a:lstStyle/>
+          <a:p>
+            <a:r>
+              <a:rPr lang="en-US" dirty="0" smtClean="0"/>
+              <a:t>Configure puppet</a:t>
+            </a:r>
+            <a:endParaRPr lang="en-US" dirty="0"/>
+          </a:p>
+        </p:txBody>
+      </p:sp>
+      <p:sp>
+        <p:nvSpPr>
+          <p:cNvPr id="3" name="Content Placeholder 2"/>
+          <p:cNvSpPr>
+            <a:spLocks noGrp="1"/>
+          </p:cNvSpPr>
+          <p:nvPr>
+            <p:ph idx="1"/>
+          </p:nvPr>
+        </p:nvSpPr>
+        <p:spPr/>
+        <p:txBody>
+          <a:bodyPr>
+            <a:normAutofit/>
+          </a:bodyPr>
+          <a:lstStyle/>
+          <a:p>
+            <a:r>
+              <a:rPr lang="en-US" dirty="0" err="1" smtClean="0"/>
+              <a:t>Vagrantfile</a:t>
+            </a:r>
+            <a:endParaRPr lang="en-US" sz="2000" dirty="0">
+              <a:latin typeface="Courier New"/>
+              <a:cs typeface="Courier New"/>
+            </a:endParaRPr>
+          </a:p>
+          <a:p>
+            <a:endParaRPr lang="en-US" sz="2000" dirty="0" smtClean="0">
+              <a:latin typeface="Courier New"/>
+              <a:cs typeface="Courier New"/>
+            </a:endParaRPr>
+          </a:p>
+          <a:p>
+            <a:pPr marL="400050" lvl="1" indent="0">
+              <a:buNone/>
+            </a:pPr>
+            <a:r>
+              <a:rPr lang="en-US" sz="2400" dirty="0" err="1" smtClean="0">
+                <a:latin typeface="Courier New"/>
+                <a:cs typeface="Courier New"/>
+              </a:rPr>
+              <a:t>config.vm.provision</a:t>
+            </a:r>
+            <a:r>
+              <a:rPr lang="en-US" sz="2400" dirty="0" smtClean="0">
+                <a:latin typeface="Courier New"/>
+                <a:cs typeface="Courier New"/>
+              </a:rPr>
+              <a:t> </a:t>
+            </a:r>
+            <a:r>
+              <a:rPr lang="en-US" sz="2400" dirty="0">
+                <a:latin typeface="Courier New"/>
+                <a:cs typeface="Courier New"/>
+              </a:rPr>
+              <a:t>"puppet" do |puppet</a:t>
+            </a:r>
+            <a:r>
+              <a:rPr lang="en-US" sz="2400" dirty="0" smtClean="0">
+                <a:latin typeface="Courier New"/>
+                <a:cs typeface="Courier New"/>
+              </a:rPr>
+              <a:t>|</a:t>
+            </a:r>
+            <a:br>
+              <a:rPr lang="en-US" sz="2400" dirty="0" smtClean="0">
+                <a:latin typeface="Courier New"/>
+                <a:cs typeface="Courier New"/>
+              </a:rPr>
+            </a:br>
+            <a:r>
+              <a:rPr lang="en-US" sz="2400" dirty="0" smtClean="0">
+                <a:latin typeface="Courier New"/>
+                <a:cs typeface="Courier New"/>
+              </a:rPr>
+              <a:t>  </a:t>
+            </a:r>
+            <a:r>
+              <a:rPr lang="en-US" sz="2400" dirty="0" err="1" smtClean="0">
+                <a:latin typeface="Courier New"/>
+                <a:cs typeface="Courier New"/>
+              </a:rPr>
+              <a:t>puppet.manifests_path</a:t>
+            </a:r>
+            <a:r>
+              <a:rPr lang="en-US" sz="2400" dirty="0" smtClean="0">
+                <a:latin typeface="Courier New"/>
+                <a:cs typeface="Courier New"/>
+              </a:rPr>
+              <a:t> </a:t>
+            </a:r>
+            <a:r>
+              <a:rPr lang="en-US" sz="2400" dirty="0">
+                <a:latin typeface="Courier New"/>
+                <a:cs typeface="Courier New"/>
+              </a:rPr>
+              <a:t>= "manifests</a:t>
+            </a:r>
+            <a:r>
+              <a:rPr lang="en-US" sz="2400" dirty="0" smtClean="0">
+                <a:latin typeface="Courier New"/>
+                <a:cs typeface="Courier New"/>
+              </a:rPr>
+              <a:t>"</a:t>
+            </a:r>
+            <a:br>
+              <a:rPr lang="en-US" sz="2400" dirty="0" smtClean="0">
+                <a:latin typeface="Courier New"/>
+                <a:cs typeface="Courier New"/>
+              </a:rPr>
+            </a:br>
+            <a:r>
+              <a:rPr lang="en-US" sz="2400" dirty="0" smtClean="0">
+                <a:latin typeface="Courier New"/>
+                <a:cs typeface="Courier New"/>
+              </a:rPr>
+              <a:t>  </a:t>
+            </a:r>
+            <a:r>
+              <a:rPr lang="en-US" sz="2400" dirty="0" err="1" smtClean="0">
+                <a:latin typeface="Courier New"/>
+                <a:cs typeface="Courier New"/>
+              </a:rPr>
+              <a:t>puppet.manifest_file</a:t>
+            </a:r>
+            <a:r>
+              <a:rPr lang="en-US" sz="2400" dirty="0" smtClean="0">
+                <a:latin typeface="Courier New"/>
+                <a:cs typeface="Courier New"/>
+              </a:rPr>
+              <a:t>  </a:t>
+            </a:r>
+            <a:r>
+              <a:rPr lang="en-US" sz="2400" dirty="0">
+                <a:latin typeface="Courier New"/>
+                <a:cs typeface="Courier New"/>
+              </a:rPr>
+              <a:t>= "</a:t>
+            </a:r>
+            <a:r>
+              <a:rPr lang="en-US" sz="2400" dirty="0" err="1">
+                <a:latin typeface="Courier New"/>
+                <a:cs typeface="Courier New"/>
+              </a:rPr>
+              <a:t>site.pp</a:t>
+            </a:r>
+            <a:r>
+              <a:rPr lang="en-US" sz="2400" dirty="0" smtClean="0">
+                <a:latin typeface="Courier New"/>
+                <a:cs typeface="Courier New"/>
+              </a:rPr>
+              <a:t>"</a:t>
+            </a:r>
+            <a:br>
+              <a:rPr lang="en-US" sz="2400" dirty="0" smtClean="0">
+                <a:latin typeface="Courier New"/>
+                <a:cs typeface="Courier New"/>
+              </a:rPr>
+            </a:br>
+            <a:r>
+              <a:rPr lang="en-US" sz="2400" b="1" dirty="0" smtClean="0">
+                <a:latin typeface="Courier New"/>
+                <a:cs typeface="Courier New"/>
+              </a:rPr>
+              <a:t> </a:t>
+            </a:r>
+            <a:r>
+              <a:rPr lang="en-US" sz="2400" b="1" dirty="0">
+                <a:latin typeface="Courier New"/>
+                <a:cs typeface="Courier New"/>
+              </a:rPr>
+              <a:t> </a:t>
+            </a:r>
+            <a:r>
+              <a:rPr lang="en-US" sz="2400" b="1" dirty="0" err="1">
+                <a:latin typeface="Courier New"/>
+                <a:cs typeface="Courier New"/>
+              </a:rPr>
+              <a:t>puppet.module_path</a:t>
+            </a:r>
+            <a:r>
+              <a:rPr lang="en-US" sz="2400" b="1" dirty="0">
+                <a:latin typeface="Courier New"/>
+                <a:cs typeface="Courier New"/>
+              </a:rPr>
+              <a:t> = </a:t>
+            </a:r>
+            <a:r>
+              <a:rPr lang="en-US" sz="2400" b="1" dirty="0" smtClean="0">
+                <a:latin typeface="Courier New"/>
+                <a:cs typeface="Courier New"/>
+              </a:rPr>
+              <a:t>['modules']</a:t>
+            </a:r>
+            <a:r>
+              <a:rPr lang="en-US" sz="2400" b="1" dirty="0">
+                <a:latin typeface="Courier New"/>
+                <a:cs typeface="Courier New"/>
+              </a:rPr>
+              <a:t/>
+            </a:r>
+            <a:br>
+              <a:rPr lang="en-US" sz="2400" b="1" dirty="0">
+                <a:latin typeface="Courier New"/>
+                <a:cs typeface="Courier New"/>
+              </a:rPr>
+            </a:br>
+            <a:r>
+              <a:rPr lang="en-US" sz="2400" dirty="0" smtClean="0">
+                <a:latin typeface="Courier New"/>
+                <a:cs typeface="Courier New"/>
+              </a:rPr>
+              <a:t>end</a:t>
+            </a:r>
+            <a:br>
+              <a:rPr lang="en-US" sz="2400" dirty="0" smtClean="0">
+                <a:latin typeface="Courier New"/>
+                <a:cs typeface="Courier New"/>
+              </a:rPr>
+            </a:br>
+            <a:endParaRPr lang="en-US" sz="2400" dirty="0" smtClean="0">
+              <a:latin typeface="Courier New"/>
+              <a:cs typeface="Courier New"/>
+            </a:endParaRPr>
+          </a:p>
+        </p:txBody>
+      </p:sp>
+    </p:spTree>
+    <p:extLst>
+      <p:ext uri="{BB962C8B-B14F-4D97-AF65-F5344CB8AC3E}">
+        <p14:creationId xmlns:p14="http://schemas.microsoft.com/office/powerpoint/2010/main" val="739835068"/>
+      </p:ext>
+    </p:extLst>
+  </p:cSld>
+  <p:clrMapOvr>
+    <a:masterClrMapping/>
+  </p:clrMapOvr>
+  <p:timing>
+    <p:tnLst>
+      <p:par>
+        <p:cTn xmlns:p14="http://schemas.microsoft.com/office/powerpoint/2010/main" id="1" dur="indefinite" restart="never" nodeType="tmRoot"/>
+      </p:par>
+    </p:tnLst>
+  </p:timing>
+</p:sld>
+</file>
+
+<file path=ppt/slides/slide22.xml><?xml version="1.0" encoding="utf-8"?>
+<p:sld xmlns:a="http://schemas.openxmlformats.org/drawingml/2006/main" xmlns:r="http://schemas.openxmlformats.org/officeDocument/2006/relationships" xmlns:p="http://schemas.openxmlformats.org/presentationml/2006/main">
+  <p:cSld>
+    <p:spTree>
+      <p:nvGrpSpPr>
+        <p:cNvPr id="1" name=""/>
+        <p:cNvGrpSpPr/>
+        <p:nvPr/>
+      </p:nvGrpSpPr>
+      <p:grpSpPr>
+        <a:xfrm>
+          <a:off x="0" y="0"/>
+          <a:ext cx="0" cy="0"/>
+          <a:chOff x="0" y="0"/>
+          <a:chExt cx="0" cy="0"/>
+        </a:xfrm>
+      </p:grpSpPr>
+      <p:sp>
+        <p:nvSpPr>
+          <p:cNvPr id="4" name="Title 3"/>
+          <p:cNvSpPr>
+            <a:spLocks noGrp="1"/>
+          </p:cNvSpPr>
+          <p:nvPr>
+            <p:ph type="title"/>
+          </p:nvPr>
+        </p:nvSpPr>
+        <p:spPr/>
+        <p:txBody>
+          <a:bodyPr/>
+          <a:lstStyle/>
+          <a:p>
+            <a:r>
+              <a:rPr lang="en-US" dirty="0" err="1" smtClean="0"/>
+              <a:t>Externalise</a:t>
+            </a:r>
+            <a:r>
+              <a:rPr lang="en-US" dirty="0" smtClean="0"/>
+              <a:t> Configuration Using </a:t>
+            </a:r>
+            <a:r>
+              <a:rPr lang="en-US" dirty="0" err="1" smtClean="0"/>
+              <a:t>Hiera</a:t>
+            </a:r>
+            <a:endParaRPr lang="en-US" dirty="0"/>
+          </a:p>
+        </p:txBody>
+      </p:sp>
+      <p:sp>
+        <p:nvSpPr>
+          <p:cNvPr id="5" name="Text Placeholder 4"/>
+          <p:cNvSpPr>
+            <a:spLocks noGrp="1"/>
+          </p:cNvSpPr>
+          <p:nvPr>
+            <p:ph type="body" idx="1"/>
+          </p:nvPr>
+        </p:nvSpPr>
+        <p:spPr/>
+        <p:txBody>
+          <a:bodyPr/>
+          <a:lstStyle/>
+          <a:p>
+            <a:endParaRPr lang="en-US"/>
+          </a:p>
+        </p:txBody>
+      </p:sp>
+    </p:spTree>
+    <p:extLst>
+      <p:ext uri="{BB962C8B-B14F-4D97-AF65-F5344CB8AC3E}">
+        <p14:creationId xmlns:p14="http://schemas.microsoft.com/office/powerpoint/2010/main" val="1738170492"/>
+      </p:ext>
+    </p:extLst>
+  </p:cSld>
+  <p:clrMapOvr>
+    <a:masterClrMapping/>
+  </p:clrMapOvr>
+  <p:timing>
+    <p:tnLst>
+      <p:par>
+        <p:cTn xmlns:p14="http://schemas.microsoft.com/office/powerpoint/2010/main" id="1" dur="indefinite" restart="never" nodeType="tmRoot"/>
+      </p:par>
+    </p:tnLst>
+  </p:timing>
+</p:sld>
+</file>
+
+<file path=ppt/slides/slide23.xml><?xml version="1.0" encoding="utf-8"?>
+<p:sld xmlns:a="http://schemas.openxmlformats.org/drawingml/2006/main" xmlns:r="http://schemas.openxmlformats.org/officeDocument/2006/relationships" xmlns:p="http://schemas.openxmlformats.org/presentationml/2006/main">
+  <p:cSld>
+    <p:spTree>
+      <p:nvGrpSpPr>
+        <p:cNvPr id="1" name=""/>
+        <p:cNvGrpSpPr/>
+        <p:nvPr/>
+      </p:nvGrpSpPr>
+      <p:grpSpPr>
+        <a:xfrm>
+          <a:off x="0" y="0"/>
+          <a:ext cx="0" cy="0"/>
+          <a:chOff x="0" y="0"/>
+          <a:chExt cx="0" cy="0"/>
+        </a:xfrm>
+      </p:grpSpPr>
+      <p:sp>
+        <p:nvSpPr>
+          <p:cNvPr id="2" name="Title 1"/>
+          <p:cNvSpPr>
+            <a:spLocks noGrp="1"/>
+          </p:cNvSpPr>
+          <p:nvPr>
+            <p:ph type="title"/>
+          </p:nvPr>
+        </p:nvSpPr>
+        <p:spPr/>
+        <p:txBody>
+          <a:bodyPr/>
+          <a:lstStyle/>
+          <a:p>
+            <a:r>
+              <a:rPr lang="en-US" dirty="0" smtClean="0"/>
+              <a:t>Configure puppet</a:t>
+            </a:r>
+            <a:endParaRPr lang="en-US" dirty="0"/>
+          </a:p>
+        </p:txBody>
+      </p:sp>
+      <p:sp>
+        <p:nvSpPr>
+          <p:cNvPr id="3" name="Content Placeholder 2"/>
+          <p:cNvSpPr>
+            <a:spLocks noGrp="1"/>
+          </p:cNvSpPr>
+          <p:nvPr>
+            <p:ph idx="1"/>
+          </p:nvPr>
+        </p:nvSpPr>
+        <p:spPr/>
+        <p:txBody>
+          <a:bodyPr>
+            <a:normAutofit/>
+          </a:bodyPr>
+          <a:lstStyle/>
+          <a:p>
+            <a:r>
+              <a:rPr lang="en-US" dirty="0" err="1" smtClean="0"/>
+              <a:t>Vagrantfile</a:t>
+            </a:r>
+            <a:endParaRPr lang="en-US" sz="2000" dirty="0">
+              <a:latin typeface="Courier New"/>
+              <a:cs typeface="Courier New"/>
+            </a:endParaRPr>
+          </a:p>
+          <a:p>
+            <a:endParaRPr lang="en-US" sz="2000" dirty="0" smtClean="0">
+              <a:latin typeface="Courier New"/>
+              <a:cs typeface="Courier New"/>
+            </a:endParaRPr>
+          </a:p>
+          <a:p>
+            <a:pPr marL="400050" lvl="1" indent="0">
+              <a:buNone/>
+            </a:pPr>
+            <a:r>
+              <a:rPr lang="en-US" sz="2400" dirty="0" err="1" smtClean="0">
+                <a:latin typeface="Courier New"/>
+                <a:cs typeface="Courier New"/>
+              </a:rPr>
+              <a:t>config.vm.provision</a:t>
+            </a:r>
+            <a:r>
+              <a:rPr lang="en-US" sz="2400" dirty="0" smtClean="0">
+                <a:latin typeface="Courier New"/>
+                <a:cs typeface="Courier New"/>
+              </a:rPr>
+              <a:t> </a:t>
+            </a:r>
+            <a:r>
+              <a:rPr lang="en-US" sz="2400" dirty="0">
+                <a:latin typeface="Courier New"/>
+                <a:cs typeface="Courier New"/>
+              </a:rPr>
+              <a:t>"puppet" do |puppet</a:t>
+            </a:r>
+            <a:r>
+              <a:rPr lang="en-US" sz="2400" dirty="0" smtClean="0">
+                <a:latin typeface="Courier New"/>
+                <a:cs typeface="Courier New"/>
+              </a:rPr>
+              <a:t>|</a:t>
+            </a:r>
+            <a:br>
+              <a:rPr lang="en-US" sz="2400" dirty="0" smtClean="0">
+                <a:latin typeface="Courier New"/>
+                <a:cs typeface="Courier New"/>
+              </a:rPr>
+            </a:br>
+            <a:r>
+              <a:rPr lang="en-US" sz="2400" dirty="0" smtClean="0">
+                <a:latin typeface="Courier New"/>
+                <a:cs typeface="Courier New"/>
+              </a:rPr>
+              <a:t>  </a:t>
+            </a:r>
+            <a:r>
+              <a:rPr lang="en-US" sz="2400" dirty="0" err="1" smtClean="0">
+                <a:latin typeface="Courier New"/>
+                <a:cs typeface="Courier New"/>
+              </a:rPr>
+              <a:t>puppet.manifests_path</a:t>
+            </a:r>
+            <a:r>
+              <a:rPr lang="en-US" sz="2400" dirty="0" smtClean="0">
+                <a:latin typeface="Courier New"/>
+                <a:cs typeface="Courier New"/>
+              </a:rPr>
+              <a:t> </a:t>
+            </a:r>
+            <a:r>
+              <a:rPr lang="en-US" sz="2400" dirty="0">
+                <a:latin typeface="Courier New"/>
+                <a:cs typeface="Courier New"/>
+              </a:rPr>
+              <a:t>= "manifests</a:t>
+            </a:r>
+            <a:r>
+              <a:rPr lang="en-US" sz="2400" dirty="0" smtClean="0">
+                <a:latin typeface="Courier New"/>
+                <a:cs typeface="Courier New"/>
+              </a:rPr>
+              <a:t>"</a:t>
+            </a:r>
+            <a:br>
+              <a:rPr lang="en-US" sz="2400" dirty="0" smtClean="0">
+                <a:latin typeface="Courier New"/>
+                <a:cs typeface="Courier New"/>
+              </a:rPr>
+            </a:br>
+            <a:r>
+              <a:rPr lang="en-US" sz="2400" dirty="0" smtClean="0">
+                <a:latin typeface="Courier New"/>
+                <a:cs typeface="Courier New"/>
+              </a:rPr>
+              <a:t>  </a:t>
+            </a:r>
+            <a:r>
+              <a:rPr lang="en-US" sz="2400" dirty="0" err="1" smtClean="0">
+                <a:latin typeface="Courier New"/>
+                <a:cs typeface="Courier New"/>
+              </a:rPr>
+              <a:t>puppet.manifest_file</a:t>
+            </a:r>
+            <a:r>
+              <a:rPr lang="en-US" sz="2400" dirty="0" smtClean="0">
+                <a:latin typeface="Courier New"/>
+                <a:cs typeface="Courier New"/>
+              </a:rPr>
+              <a:t>  </a:t>
+            </a:r>
+            <a:r>
+              <a:rPr lang="en-US" sz="2400" dirty="0">
+                <a:latin typeface="Courier New"/>
+                <a:cs typeface="Courier New"/>
+              </a:rPr>
+              <a:t>= "</a:t>
+            </a:r>
+            <a:r>
+              <a:rPr lang="en-US" sz="2400" dirty="0" err="1">
+                <a:latin typeface="Courier New"/>
+                <a:cs typeface="Courier New"/>
+              </a:rPr>
+              <a:t>site.pp</a:t>
+            </a:r>
+            <a:r>
+              <a:rPr lang="en-US" sz="2400" dirty="0" smtClean="0">
+                <a:latin typeface="Courier New"/>
+                <a:cs typeface="Courier New"/>
+              </a:rPr>
+              <a:t>"</a:t>
+            </a:r>
+            <a:br>
+              <a:rPr lang="en-US" sz="2400" dirty="0" smtClean="0">
+                <a:latin typeface="Courier New"/>
+                <a:cs typeface="Courier New"/>
+              </a:rPr>
+            </a:br>
+            <a:r>
+              <a:rPr lang="en-US" sz="2400" dirty="0" smtClean="0">
+                <a:latin typeface="Courier New"/>
+                <a:cs typeface="Courier New"/>
+              </a:rPr>
+              <a:t>  </a:t>
+            </a:r>
+            <a:r>
+              <a:rPr lang="en-US" sz="2400" dirty="0" err="1">
+                <a:latin typeface="Courier New"/>
+                <a:cs typeface="Courier New"/>
+              </a:rPr>
+              <a:t>puppet.module_path</a:t>
+            </a:r>
+            <a:r>
+              <a:rPr lang="en-US" sz="2400" dirty="0">
+                <a:latin typeface="Courier New"/>
+                <a:cs typeface="Courier New"/>
+              </a:rPr>
+              <a:t> = ['</a:t>
+            </a:r>
+            <a:r>
+              <a:rPr lang="en-US" sz="2400" dirty="0" smtClean="0">
+                <a:latin typeface="Courier New"/>
+                <a:cs typeface="Courier New"/>
+              </a:rPr>
+              <a:t>modules']</a:t>
+            </a:r>
+            <a:br>
+              <a:rPr lang="en-US" sz="2400" dirty="0" smtClean="0">
+                <a:latin typeface="Courier New"/>
+                <a:cs typeface="Courier New"/>
+              </a:rPr>
+            </a:br>
+            <a:r>
+              <a:rPr lang="en-US" sz="2400" b="1" dirty="0" smtClean="0">
+                <a:latin typeface="Courier New"/>
+                <a:cs typeface="Courier New"/>
+              </a:rPr>
+              <a:t>  </a:t>
+            </a:r>
+            <a:r>
+              <a:rPr lang="en-US" sz="2400" b="1" dirty="0" err="1" smtClean="0">
+                <a:latin typeface="Courier New"/>
+                <a:cs typeface="Courier New"/>
+              </a:rPr>
+              <a:t>puppet.hiera_config_path</a:t>
+            </a:r>
+            <a:r>
+              <a:rPr lang="en-US" sz="2400" b="1" dirty="0" smtClean="0">
+                <a:latin typeface="Courier New"/>
+                <a:cs typeface="Courier New"/>
+              </a:rPr>
+              <a:t> </a:t>
+            </a:r>
+            <a:r>
+              <a:rPr lang="en-US" sz="2400" b="1" dirty="0">
+                <a:latin typeface="Courier New"/>
+                <a:cs typeface="Courier New"/>
+              </a:rPr>
+              <a:t>= '</a:t>
+            </a:r>
+            <a:r>
+              <a:rPr lang="en-US" sz="2400" b="1" dirty="0" err="1">
+                <a:latin typeface="Courier New"/>
+                <a:cs typeface="Courier New"/>
+              </a:rPr>
+              <a:t>hiera.yaml</a:t>
+            </a:r>
+            <a:r>
+              <a:rPr lang="en-US" sz="2400" b="1" dirty="0">
+                <a:latin typeface="Courier New"/>
+                <a:cs typeface="Courier New"/>
+              </a:rPr>
+              <a:t>'</a:t>
+            </a:r>
+            <a:br>
+              <a:rPr lang="en-US" sz="2400" b="1" dirty="0">
+                <a:latin typeface="Courier New"/>
+                <a:cs typeface="Courier New"/>
+              </a:rPr>
+            </a:br>
+            <a:r>
+              <a:rPr lang="en-US" sz="2400" b="1" dirty="0" smtClean="0">
+                <a:latin typeface="Courier New"/>
+                <a:cs typeface="Courier New"/>
+              </a:rPr>
+              <a:t>  </a:t>
+            </a:r>
+            <a:r>
+              <a:rPr lang="en-US" sz="2400" b="1" dirty="0" err="1" smtClean="0">
+                <a:latin typeface="Courier New"/>
+                <a:cs typeface="Courier New"/>
+              </a:rPr>
+              <a:t>puppet.working_directory</a:t>
+            </a:r>
+            <a:r>
+              <a:rPr lang="en-US" sz="2400" b="1" dirty="0" smtClean="0">
+                <a:latin typeface="Courier New"/>
+                <a:cs typeface="Courier New"/>
+              </a:rPr>
+              <a:t> </a:t>
+            </a:r>
+            <a:r>
+              <a:rPr lang="en-US" sz="2400" b="1" dirty="0">
+                <a:latin typeface="Courier New"/>
+                <a:cs typeface="Courier New"/>
+              </a:rPr>
+              <a:t>= "/vagrant</a:t>
+            </a:r>
+            <a:r>
+              <a:rPr lang="en-US" sz="2400" b="1" dirty="0" smtClean="0">
+                <a:latin typeface="Courier New"/>
+                <a:cs typeface="Courier New"/>
+              </a:rPr>
+              <a:t>"</a:t>
+            </a:r>
+            <a:r>
+              <a:rPr lang="en-US" sz="2400" dirty="0" smtClean="0">
+                <a:latin typeface="Courier New"/>
+                <a:cs typeface="Courier New"/>
+              </a:rPr>
+              <a:t/>
+            </a:r>
+            <a:br>
+              <a:rPr lang="en-US" sz="2400" dirty="0" smtClean="0">
+                <a:latin typeface="Courier New"/>
+                <a:cs typeface="Courier New"/>
+              </a:rPr>
+            </a:br>
+            <a:r>
+              <a:rPr lang="en-US" sz="2400" dirty="0" smtClean="0">
+                <a:latin typeface="Courier New"/>
+                <a:cs typeface="Courier New"/>
+              </a:rPr>
+              <a:t>end</a:t>
+            </a:r>
+            <a:br>
+              <a:rPr lang="en-US" sz="2400" dirty="0" smtClean="0">
+                <a:latin typeface="Courier New"/>
+                <a:cs typeface="Courier New"/>
+              </a:rPr>
+            </a:br>
+            <a:endParaRPr lang="en-US" sz="2400" dirty="0" smtClean="0">
+              <a:latin typeface="Courier New"/>
+              <a:cs typeface="Courier New"/>
+            </a:endParaRPr>
+          </a:p>
+        </p:txBody>
+      </p:sp>
+    </p:spTree>
+    <p:extLst>
+      <p:ext uri="{BB962C8B-B14F-4D97-AF65-F5344CB8AC3E}">
+        <p14:creationId xmlns:p14="http://schemas.microsoft.com/office/powerpoint/2010/main" val="1699928890"/>
+      </p:ext>
+    </p:extLst>
+  </p:cSld>
+  <p:clrMapOvr>
+    <a:masterClrMapping/>
+  </p:clrMapOvr>
+  <p:timing>
+    <p:tnLst>
+      <p:par>
+        <p:cTn xmlns:p14="http://schemas.microsoft.com/office/powerpoint/2010/main" id="1" dur="indefinite" restart="never" nodeType="tmRoot"/>
+      </p:par>
+    </p:tnLst>
+  </p:timing>
+</p:sld>
+</file>
+
+<file path=ppt/slides/slide24.xml><?xml version="1.0" encoding="utf-8"?>
+<p:sld xmlns:a="http://schemas.openxmlformats.org/drawingml/2006/main" xmlns:r="http://schemas.openxmlformats.org/officeDocument/2006/relationships" xmlns:p="http://schemas.openxmlformats.org/presentationml/2006/main">
+  <p:cSld>
+    <p:spTree>
+      <p:nvGrpSpPr>
+        <p:cNvPr id="1" name=""/>
+        <p:cNvGrpSpPr/>
+        <p:nvPr/>
+      </p:nvGrpSpPr>
+      <p:grpSpPr>
+        <a:xfrm>
+          <a:off x="0" y="0"/>
+          <a:ext cx="0" cy="0"/>
+          <a:chOff x="0" y="0"/>
+          <a:chExt cx="0" cy="0"/>
+        </a:xfrm>
+      </p:grpSpPr>
+      <p:sp>
+        <p:nvSpPr>
+          <p:cNvPr id="2" name="Title 1"/>
+          <p:cNvSpPr>
+            <a:spLocks noGrp="1"/>
+          </p:cNvSpPr>
+          <p:nvPr>
+            <p:ph type="title"/>
+          </p:nvPr>
+        </p:nvSpPr>
+        <p:spPr/>
+        <p:txBody>
+          <a:bodyPr/>
+          <a:lstStyle/>
+          <a:p>
+            <a:r>
+              <a:rPr lang="en-US" dirty="0" smtClean="0"/>
+              <a:t>Configure </a:t>
+            </a:r>
+            <a:r>
+              <a:rPr lang="en-US" dirty="0" err="1" smtClean="0"/>
+              <a:t>hiera</a:t>
+            </a:r>
+            <a:endParaRPr lang="en-US" dirty="0"/>
+          </a:p>
+        </p:txBody>
+      </p:sp>
+      <p:sp>
+        <p:nvSpPr>
+          <p:cNvPr id="3" name="Content Placeholder 2"/>
+          <p:cNvSpPr>
+            <a:spLocks noGrp="1"/>
+          </p:cNvSpPr>
+          <p:nvPr>
+            <p:ph idx="1"/>
+          </p:nvPr>
+        </p:nvSpPr>
+        <p:spPr/>
+        <p:txBody>
+          <a:bodyPr>
+            <a:normAutofit/>
+          </a:bodyPr>
+          <a:lstStyle/>
+          <a:p>
+            <a:r>
+              <a:rPr lang="en-US" dirty="0" err="1" smtClean="0"/>
+              <a:t>hiera.yaml</a:t>
+            </a:r>
+            <a:endParaRPr lang="en-US" sz="2000" dirty="0">
+              <a:latin typeface="Courier New"/>
+              <a:cs typeface="Courier New"/>
+            </a:endParaRPr>
+          </a:p>
+          <a:p>
+            <a:endParaRPr lang="en-US" sz="2000" dirty="0" smtClean="0">
+              <a:latin typeface="Courier New"/>
+              <a:cs typeface="Courier New"/>
+            </a:endParaRPr>
+          </a:p>
+          <a:p>
+            <a:pPr marL="400050" lvl="1" indent="0">
+              <a:buNone/>
+            </a:pPr>
+            <a:r>
+              <a:rPr lang="en-US" sz="2400" dirty="0">
+                <a:latin typeface="Courier New"/>
+                <a:cs typeface="Courier New"/>
+              </a:rPr>
+              <a:t>--</a:t>
+            </a:r>
+            <a:r>
+              <a:rPr lang="en-US" sz="2400" dirty="0" smtClean="0">
+                <a:latin typeface="Courier New"/>
+                <a:cs typeface="Courier New"/>
+              </a:rPr>
+              <a:t>-</a:t>
+            </a:r>
+            <a:br>
+              <a:rPr lang="en-US" sz="2400" dirty="0" smtClean="0">
+                <a:latin typeface="Courier New"/>
+                <a:cs typeface="Courier New"/>
+              </a:rPr>
+            </a:br>
+            <a:r>
+              <a:rPr lang="en-US" sz="2400" dirty="0" smtClean="0">
+                <a:latin typeface="Courier New"/>
+                <a:cs typeface="Courier New"/>
+              </a:rPr>
+              <a:t>:</a:t>
+            </a:r>
+            <a:r>
+              <a:rPr lang="en-US" sz="2400" dirty="0">
+                <a:latin typeface="Courier New"/>
+                <a:cs typeface="Courier New"/>
+              </a:rPr>
+              <a:t>hierarchy</a:t>
+            </a:r>
+            <a:r>
+              <a:rPr lang="en-US" sz="2400" dirty="0" smtClean="0">
+                <a:latin typeface="Courier New"/>
+                <a:cs typeface="Courier New"/>
+              </a:rPr>
+              <a:t>:</a:t>
+            </a:r>
+            <a:br>
+              <a:rPr lang="en-US" sz="2400" dirty="0" smtClean="0">
+                <a:latin typeface="Courier New"/>
+                <a:cs typeface="Courier New"/>
+              </a:rPr>
+            </a:br>
+            <a:r>
+              <a:rPr lang="en-US" sz="2400" dirty="0" smtClean="0">
+                <a:latin typeface="Courier New"/>
+                <a:cs typeface="Courier New"/>
+              </a:rPr>
+              <a:t>- </a:t>
+            </a:r>
+            <a:r>
+              <a:rPr lang="en-US" sz="2400" dirty="0">
+                <a:latin typeface="Courier New"/>
+                <a:cs typeface="Courier New"/>
+              </a:rPr>
+              <a:t>%{environment</a:t>
+            </a:r>
+            <a:r>
+              <a:rPr lang="en-US" sz="2400" dirty="0" smtClean="0">
+                <a:latin typeface="Courier New"/>
+                <a:cs typeface="Courier New"/>
+              </a:rPr>
+              <a:t>}</a:t>
+            </a:r>
+            <a:br>
+              <a:rPr lang="en-US" sz="2400" dirty="0" smtClean="0">
+                <a:latin typeface="Courier New"/>
+                <a:cs typeface="Courier New"/>
+              </a:rPr>
+            </a:br>
+            <a:r>
+              <a:rPr lang="en-US" sz="2400" dirty="0" smtClean="0">
+                <a:latin typeface="Courier New"/>
+                <a:cs typeface="Courier New"/>
+              </a:rPr>
+              <a:t>- common</a:t>
+            </a:r>
+            <a:br>
+              <a:rPr lang="en-US" sz="2400" dirty="0" smtClean="0">
+                <a:latin typeface="Courier New"/>
+                <a:cs typeface="Courier New"/>
+              </a:rPr>
+            </a:br>
+            <a:r>
+              <a:rPr lang="en-US" sz="2400" dirty="0" smtClean="0">
+                <a:latin typeface="Courier New"/>
+                <a:cs typeface="Courier New"/>
+              </a:rPr>
+              <a:t>:</a:t>
+            </a:r>
+            <a:r>
+              <a:rPr lang="en-US" sz="2400" dirty="0" err="1" smtClean="0">
+                <a:latin typeface="Courier New"/>
+                <a:cs typeface="Courier New"/>
+              </a:rPr>
+              <a:t>backends</a:t>
+            </a:r>
+            <a:r>
+              <a:rPr lang="en-US" sz="2400" dirty="0" smtClean="0">
+                <a:latin typeface="Courier New"/>
+                <a:cs typeface="Courier New"/>
+              </a:rPr>
+              <a:t>:</a:t>
+            </a:r>
+            <a:br>
+              <a:rPr lang="en-US" sz="2400" dirty="0" smtClean="0">
+                <a:latin typeface="Courier New"/>
+                <a:cs typeface="Courier New"/>
+              </a:rPr>
+            </a:br>
+            <a:r>
+              <a:rPr lang="en-US" sz="2400" dirty="0" smtClean="0">
+                <a:latin typeface="Courier New"/>
+                <a:cs typeface="Courier New"/>
+              </a:rPr>
+              <a:t>- </a:t>
+            </a:r>
+            <a:r>
+              <a:rPr lang="en-US" sz="2400" dirty="0" err="1" smtClean="0">
+                <a:latin typeface="Courier New"/>
+                <a:cs typeface="Courier New"/>
+              </a:rPr>
+              <a:t>yaml</a:t>
+            </a:r>
+            <a:r>
+              <a:rPr lang="en-US" sz="2400" dirty="0" smtClean="0">
+                <a:latin typeface="Courier New"/>
+                <a:cs typeface="Courier New"/>
+              </a:rPr>
+              <a:t/>
+            </a:r>
+            <a:br>
+              <a:rPr lang="en-US" sz="2400" dirty="0" smtClean="0">
+                <a:latin typeface="Courier New"/>
+                <a:cs typeface="Courier New"/>
+              </a:rPr>
+            </a:br>
+            <a:r>
+              <a:rPr lang="en-US" sz="2400" dirty="0" smtClean="0">
+                <a:latin typeface="Courier New"/>
+                <a:cs typeface="Courier New"/>
+              </a:rPr>
+              <a:t>:</a:t>
+            </a:r>
+            <a:r>
+              <a:rPr lang="en-US" sz="2400" dirty="0" err="1" smtClean="0">
+                <a:latin typeface="Courier New"/>
+                <a:cs typeface="Courier New"/>
+              </a:rPr>
+              <a:t>yaml</a:t>
+            </a:r>
+            <a:r>
+              <a:rPr lang="en-US" sz="2400" dirty="0" smtClean="0">
+                <a:latin typeface="Courier New"/>
+                <a:cs typeface="Courier New"/>
+              </a:rPr>
+              <a:t>:</a:t>
+            </a:r>
+            <a:br>
+              <a:rPr lang="en-US" sz="2400" dirty="0" smtClean="0">
+                <a:latin typeface="Courier New"/>
+                <a:cs typeface="Courier New"/>
+              </a:rPr>
+            </a:br>
+            <a:r>
+              <a:rPr lang="en-US" sz="2400" dirty="0" smtClean="0">
+                <a:latin typeface="Courier New"/>
+                <a:cs typeface="Courier New"/>
+              </a:rPr>
+              <a:t>  :</a:t>
+            </a:r>
+            <a:r>
+              <a:rPr lang="en-US" sz="2400" dirty="0" err="1">
+                <a:latin typeface="Courier New"/>
+                <a:cs typeface="Courier New"/>
+              </a:rPr>
+              <a:t>datadir</a:t>
+            </a:r>
+            <a:r>
+              <a:rPr lang="en-US" sz="2400" dirty="0">
+                <a:latin typeface="Courier New"/>
+                <a:cs typeface="Courier New"/>
+              </a:rPr>
+              <a:t>: </a:t>
+            </a:r>
+            <a:r>
+              <a:rPr lang="en-US" sz="2400" dirty="0" err="1" smtClean="0">
+                <a:latin typeface="Courier New"/>
+                <a:cs typeface="Courier New"/>
+              </a:rPr>
+              <a:t>hiera_data</a:t>
+            </a:r>
+            <a:endParaRPr lang="en-US" sz="2400" dirty="0" smtClean="0">
+              <a:latin typeface="Courier New"/>
+              <a:cs typeface="Courier New"/>
+            </a:endParaRPr>
+          </a:p>
+        </p:txBody>
+      </p:sp>
+    </p:spTree>
+    <p:extLst>
+      <p:ext uri="{BB962C8B-B14F-4D97-AF65-F5344CB8AC3E}">
+        <p14:creationId xmlns:p14="http://schemas.microsoft.com/office/powerpoint/2010/main" val="952380192"/>
+      </p:ext>
+    </p:extLst>
+  </p:cSld>
+  <p:clrMapOvr>
+    <a:masterClrMapping/>
+  </p:clrMapOvr>
+  <p:timing>
+    <p:tnLst>
+      <p:par>
+        <p:cTn xmlns:p14="http://schemas.microsoft.com/office/powerpoint/2010/main" id="1" dur="indefinite" restart="never" nodeType="tmRoot"/>
+      </p:par>
+    </p:tnLst>
+  </p:timing>
+</p:sld>
+</file>
+
+<file path=ppt/slides/slide25.xml><?xml version="1.0" encoding="utf-8"?>
+<p:sld xmlns:a="http://schemas.openxmlformats.org/drawingml/2006/main" xmlns:r="http://schemas.openxmlformats.org/officeDocument/2006/relationships" xmlns:p="http://schemas.openxmlformats.org/presentationml/2006/main">
+  <p:cSld>
+    <p:spTree>
+      <p:nvGrpSpPr>
+        <p:cNvPr id="1" name=""/>
+        <p:cNvGrpSpPr/>
+        <p:nvPr/>
+      </p:nvGrpSpPr>
+      <p:grpSpPr>
+        <a:xfrm>
+          <a:off x="0" y="0"/>
+          <a:ext cx="0" cy="0"/>
+          <a:chOff x="0" y="0"/>
+          <a:chExt cx="0" cy="0"/>
+        </a:xfrm>
+      </p:grpSpPr>
+      <p:sp>
+        <p:nvSpPr>
+          <p:cNvPr id="2" name="Title 1"/>
+          <p:cNvSpPr>
+            <a:spLocks noGrp="1"/>
+          </p:cNvSpPr>
+          <p:nvPr>
+            <p:ph type="title"/>
+          </p:nvPr>
+        </p:nvSpPr>
+        <p:spPr/>
+        <p:txBody>
+          <a:bodyPr/>
+          <a:lstStyle/>
+          <a:p>
+            <a:r>
+              <a:rPr lang="en-US" dirty="0" smtClean="0"/>
+              <a:t>Add </a:t>
+            </a:r>
+            <a:r>
+              <a:rPr lang="en-US" dirty="0" err="1" smtClean="0"/>
+              <a:t>hiera</a:t>
+            </a:r>
+            <a:r>
+              <a:rPr lang="en-US" dirty="0" smtClean="0"/>
+              <a:t> data</a:t>
+            </a:r>
+            <a:endParaRPr lang="en-US" dirty="0"/>
+          </a:p>
+        </p:txBody>
+      </p:sp>
+      <p:sp>
+        <p:nvSpPr>
+          <p:cNvPr id="3" name="Content Placeholder 2"/>
+          <p:cNvSpPr>
+            <a:spLocks noGrp="1"/>
+          </p:cNvSpPr>
+          <p:nvPr>
+            <p:ph idx="1"/>
+          </p:nvPr>
+        </p:nvSpPr>
+        <p:spPr/>
+        <p:txBody>
+          <a:bodyPr>
+            <a:normAutofit/>
+          </a:bodyPr>
+          <a:lstStyle/>
+          <a:p>
+            <a:r>
+              <a:rPr lang="en-US" dirty="0" smtClean="0"/>
+              <a:t>Create a </a:t>
+            </a:r>
+            <a:r>
+              <a:rPr lang="en-US" dirty="0" err="1" smtClean="0"/>
+              <a:t>hiera_data</a:t>
+            </a:r>
+            <a:r>
+              <a:rPr lang="en-US" dirty="0" smtClean="0"/>
+              <a:t> directory</a:t>
+            </a:r>
+          </a:p>
+          <a:p>
+            <a:r>
+              <a:rPr lang="en-US" dirty="0" smtClean="0">
+                <a:latin typeface="Calibri"/>
+                <a:cs typeface="Calibri"/>
+              </a:rPr>
+              <a:t>Create </a:t>
+            </a:r>
+            <a:r>
+              <a:rPr lang="en-US" dirty="0" err="1" smtClean="0">
+                <a:latin typeface="Calibri"/>
+                <a:cs typeface="Calibri"/>
+              </a:rPr>
+              <a:t>development.yaml</a:t>
+            </a:r>
+            <a:r>
+              <a:rPr lang="en-US" dirty="0" smtClean="0">
+                <a:latin typeface="Calibri"/>
+                <a:cs typeface="Calibri"/>
+              </a:rPr>
+              <a:t/>
+            </a:r>
+            <a:br>
+              <a:rPr lang="en-US" dirty="0" smtClean="0">
+                <a:latin typeface="Calibri"/>
+                <a:cs typeface="Calibri"/>
+              </a:rPr>
+            </a:br>
+            <a:r>
+              <a:rPr lang="en-US" dirty="0" smtClean="0">
+                <a:latin typeface="Courier New"/>
+                <a:cs typeface="Courier New"/>
+              </a:rPr>
+              <a:t>---</a:t>
+            </a:r>
+            <a:br>
+              <a:rPr lang="en-US" dirty="0" smtClean="0">
+                <a:latin typeface="Courier New"/>
+                <a:cs typeface="Courier New"/>
+              </a:rPr>
+            </a:br>
+            <a:r>
+              <a:rPr lang="en-US" dirty="0" smtClean="0">
+                <a:latin typeface="Courier New"/>
+                <a:cs typeface="Courier New"/>
+              </a:rPr>
+              <a:t>user: Karl</a:t>
+            </a:r>
+          </a:p>
+          <a:p>
+            <a:r>
+              <a:rPr lang="en-US" dirty="0" smtClean="0">
+                <a:latin typeface="Calibri"/>
+                <a:cs typeface="Calibri"/>
+              </a:rPr>
+              <a:t>Create </a:t>
+            </a:r>
+            <a:r>
+              <a:rPr lang="en-US" dirty="0" err="1" smtClean="0">
+                <a:latin typeface="Calibri"/>
+                <a:cs typeface="Calibri"/>
+              </a:rPr>
+              <a:t>common.yaml</a:t>
+            </a:r>
+            <a:r>
+              <a:rPr lang="en-US" dirty="0" smtClean="0">
+                <a:latin typeface="Calibri"/>
+                <a:cs typeface="Calibri"/>
+              </a:rPr>
+              <a:t/>
+            </a:r>
+            <a:br>
+              <a:rPr lang="en-US" dirty="0" smtClean="0">
+                <a:latin typeface="Calibri"/>
+                <a:cs typeface="Calibri"/>
+              </a:rPr>
+            </a:br>
+            <a:r>
+              <a:rPr lang="en-US" dirty="0" smtClean="0">
+                <a:latin typeface="Courier New"/>
+                <a:cs typeface="Courier New"/>
+              </a:rPr>
+              <a:t>---</a:t>
+            </a:r>
+            <a:br>
+              <a:rPr lang="en-US" dirty="0" smtClean="0">
+                <a:latin typeface="Courier New"/>
+                <a:cs typeface="Courier New"/>
+              </a:rPr>
+            </a:br>
+            <a:r>
+              <a:rPr lang="en-US" dirty="0" smtClean="0">
+                <a:latin typeface="Courier New"/>
+                <a:cs typeface="Courier New"/>
+              </a:rPr>
+              <a:t>user: Superman</a:t>
+            </a:r>
+            <a:endParaRPr lang="en-US" sz="2400" dirty="0" smtClean="0">
+              <a:latin typeface="Courier New"/>
+              <a:cs typeface="Courier New"/>
+            </a:endParaRPr>
+          </a:p>
+        </p:txBody>
+      </p:sp>
+    </p:spTree>
+    <p:extLst>
+      <p:ext uri="{BB962C8B-B14F-4D97-AF65-F5344CB8AC3E}">
+        <p14:creationId xmlns:p14="http://schemas.microsoft.com/office/powerpoint/2010/main" val="471691312"/>
+      </p:ext>
+    </p:extLst>
+  </p:cSld>
+  <p:clrMapOvr>
+    <a:masterClrMapping/>
+  </p:clrMapOvr>
+  <p:timing>
+    <p:tnLst>
+      <p:par>
+        <p:cTn xmlns:p14="http://schemas.microsoft.com/office/powerpoint/2010/main" id="1" dur="indefinite" restart="never" nodeType="tmRoot"/>
+      </p:par>
+    </p:tnLst>
+  </p:timing>
+</p:sld>
+</file>
+
+<file path=ppt/slides/slide26.xml><?xml version="1.0" encoding="utf-8"?>
+<p:sld xmlns:a="http://schemas.openxmlformats.org/drawingml/2006/main" xmlns:r="http://schemas.openxmlformats.org/officeDocument/2006/relationships" xmlns:p="http://schemas.openxmlformats.org/presentationml/2006/main">
+  <p:cSld>
+    <p:spTree>
+      <p:nvGrpSpPr>
+        <p:cNvPr id="1" name=""/>
+        <p:cNvGrpSpPr/>
+        <p:nvPr/>
+      </p:nvGrpSpPr>
+      <p:grpSpPr>
+        <a:xfrm>
+          <a:off x="0" y="0"/>
+          <a:ext cx="0" cy="0"/>
+          <a:chOff x="0" y="0"/>
+          <a:chExt cx="0" cy="0"/>
+        </a:xfrm>
+      </p:grpSpPr>
+      <p:sp>
+        <p:nvSpPr>
+          <p:cNvPr id="2" name="Title 1"/>
+          <p:cNvSpPr>
+            <a:spLocks noGrp="1"/>
+          </p:cNvSpPr>
+          <p:nvPr>
+            <p:ph type="title"/>
+          </p:nvPr>
+        </p:nvSpPr>
+        <p:spPr/>
+        <p:txBody>
+          <a:bodyPr/>
+          <a:lstStyle/>
+          <a:p>
+            <a:r>
+              <a:rPr lang="en-US" dirty="0" smtClean="0"/>
+              <a:t>Doing the </a:t>
+            </a:r>
+            <a:r>
+              <a:rPr lang="en-US" dirty="0" err="1" smtClean="0"/>
+              <a:t>hiera</a:t>
+            </a:r>
+            <a:r>
+              <a:rPr lang="en-US" dirty="0" smtClean="0"/>
+              <a:t> lookup</a:t>
+            </a:r>
+            <a:endParaRPr lang="en-US" dirty="0"/>
+          </a:p>
+        </p:txBody>
+      </p:sp>
+      <p:sp>
+        <p:nvSpPr>
+          <p:cNvPr id="3" name="Content Placeholder 2"/>
+          <p:cNvSpPr>
+            <a:spLocks noGrp="1"/>
+          </p:cNvSpPr>
+          <p:nvPr>
+            <p:ph idx="1"/>
+          </p:nvPr>
+        </p:nvSpPr>
+        <p:spPr/>
+        <p:txBody>
+          <a:bodyPr>
+            <a:normAutofit/>
+          </a:bodyPr>
+          <a:lstStyle/>
+          <a:p>
+            <a:r>
+              <a:rPr lang="en-US" dirty="0" smtClean="0"/>
+              <a:t>In the </a:t>
+            </a:r>
+            <a:r>
+              <a:rPr lang="en-US" dirty="0" err="1" smtClean="0"/>
+              <a:t>lamp_stack</a:t>
+            </a:r>
+            <a:r>
+              <a:rPr lang="en-US" dirty="0" smtClean="0"/>
+              <a:t> class</a:t>
+            </a:r>
+            <a:br>
+              <a:rPr lang="en-US" dirty="0" smtClean="0"/>
+            </a:br>
+            <a:r>
+              <a:rPr lang="en-US" dirty="0" smtClean="0">
+                <a:latin typeface="Courier New"/>
+                <a:cs typeface="Courier New"/>
+              </a:rPr>
+              <a:t>$user= </a:t>
+            </a:r>
+            <a:r>
+              <a:rPr lang="en-US" dirty="0" err="1" smtClean="0">
+                <a:latin typeface="Courier New"/>
+                <a:cs typeface="Courier New"/>
+              </a:rPr>
+              <a:t>hiera</a:t>
+            </a:r>
+            <a:r>
+              <a:rPr lang="en-US" dirty="0" smtClean="0">
+                <a:latin typeface="Courier New"/>
+                <a:cs typeface="Courier New"/>
+              </a:rPr>
+              <a:t>('user')</a:t>
+            </a:r>
+          </a:p>
+        </p:txBody>
+      </p:sp>
+    </p:spTree>
+    <p:extLst>
+      <p:ext uri="{BB962C8B-B14F-4D97-AF65-F5344CB8AC3E}">
+        <p14:creationId xmlns:p14="http://schemas.microsoft.com/office/powerpoint/2010/main" val="528934155"/>
+      </p:ext>
+    </p:extLst>
+  </p:cSld>
+  <p:clrMapOvr>
+    <a:masterClrMapping/>
+  </p:clrMapOvr>
+  <p:timing>
+    <p:tnLst>
+      <p:par>
+        <p:cTn xmlns:p14="http://schemas.microsoft.com/office/powerpoint/2010/main" id="1" dur="indefinite" restart="never" nodeType="tmRoot"/>
+      </p:par>
+    </p:tnLst>
+  </p:timing>
+</p:sld>
+</file>
+
+<file path=ppt/slides/slide27.xml><?xml version="1.0" encoding="utf-8"?>
+<p:sld xmlns:a="http://schemas.openxmlformats.org/drawingml/2006/main" xmlns:r="http://schemas.openxmlformats.org/officeDocument/2006/relationships" xmlns:p="http://schemas.openxmlformats.org/presentationml/2006/main">
+  <p:cSld>
+    <p:spTree>
+      <p:nvGrpSpPr>
+        <p:cNvPr id="1" name=""/>
+        <p:cNvGrpSpPr/>
+        <p:nvPr/>
+      </p:nvGrpSpPr>
+      <p:grpSpPr>
+        <a:xfrm>
+          <a:off x="0" y="0"/>
+          <a:ext cx="0" cy="0"/>
+          <a:chOff x="0" y="0"/>
+          <a:chExt cx="0" cy="0"/>
+        </a:xfrm>
+      </p:grpSpPr>
+      <p:sp>
+        <p:nvSpPr>
+          <p:cNvPr id="2" name="Title 1"/>
+          <p:cNvSpPr>
+            <a:spLocks noGrp="1"/>
+          </p:cNvSpPr>
+          <p:nvPr>
+            <p:ph type="title"/>
+          </p:nvPr>
+        </p:nvSpPr>
+        <p:spPr/>
+        <p:txBody>
+          <a:bodyPr/>
+          <a:lstStyle/>
+          <a:p>
+            <a:r>
+              <a:rPr lang="en-US" dirty="0" smtClean="0"/>
+              <a:t>Configure puppet</a:t>
+            </a:r>
+            <a:endParaRPr lang="en-US" dirty="0"/>
+          </a:p>
+        </p:txBody>
+      </p:sp>
+      <p:sp>
+        <p:nvSpPr>
+          <p:cNvPr id="3" name="Content Placeholder 2"/>
+          <p:cNvSpPr>
+            <a:spLocks noGrp="1"/>
+          </p:cNvSpPr>
+          <p:nvPr>
+            <p:ph idx="1"/>
+          </p:nvPr>
+        </p:nvSpPr>
+        <p:spPr/>
+        <p:txBody>
+          <a:bodyPr>
+            <a:normAutofit/>
+          </a:bodyPr>
+          <a:lstStyle/>
+          <a:p>
+            <a:r>
+              <a:rPr lang="en-US" dirty="0" err="1" smtClean="0"/>
+              <a:t>Vagrantfile</a:t>
+            </a:r>
+            <a:endParaRPr lang="en-US" sz="2000" dirty="0">
+              <a:latin typeface="Courier New"/>
+              <a:cs typeface="Courier New"/>
+            </a:endParaRPr>
+          </a:p>
+          <a:p>
+            <a:endParaRPr lang="en-US" sz="2000" dirty="0" smtClean="0">
+              <a:latin typeface="Courier New"/>
+              <a:cs typeface="Courier New"/>
+            </a:endParaRPr>
+          </a:p>
+          <a:p>
+            <a:pPr marL="400050" lvl="1" indent="0">
+              <a:buNone/>
+            </a:pPr>
+            <a:r>
+              <a:rPr lang="en-US" sz="2000" dirty="0" err="1" smtClean="0">
+                <a:latin typeface="Courier New"/>
+                <a:cs typeface="Courier New"/>
+              </a:rPr>
+              <a:t>config.vm.provision</a:t>
+            </a:r>
+            <a:r>
+              <a:rPr lang="en-US" sz="2000" dirty="0" smtClean="0">
+                <a:latin typeface="Courier New"/>
+                <a:cs typeface="Courier New"/>
+              </a:rPr>
+              <a:t> 'puppet' </a:t>
+            </a:r>
+            <a:r>
+              <a:rPr lang="en-US" sz="2000" dirty="0">
+                <a:latin typeface="Courier New"/>
+                <a:cs typeface="Courier New"/>
+              </a:rPr>
+              <a:t>do |puppet</a:t>
+            </a:r>
+            <a:r>
+              <a:rPr lang="en-US" sz="2000" dirty="0" smtClean="0">
+                <a:latin typeface="Courier New"/>
+                <a:cs typeface="Courier New"/>
+              </a:rPr>
+              <a:t>|</a:t>
+            </a:r>
+            <a:br>
+              <a:rPr lang="en-US" sz="2000" dirty="0" smtClean="0">
+                <a:latin typeface="Courier New"/>
+                <a:cs typeface="Courier New"/>
+              </a:rPr>
+            </a:br>
+            <a:r>
+              <a:rPr lang="en-US" sz="2000" dirty="0" smtClean="0">
+                <a:latin typeface="Courier New"/>
+                <a:cs typeface="Courier New"/>
+              </a:rPr>
+              <a:t>  </a:t>
+            </a:r>
+            <a:r>
+              <a:rPr lang="en-US" sz="2000" dirty="0" err="1" smtClean="0">
+                <a:latin typeface="Courier New"/>
+                <a:cs typeface="Courier New"/>
+              </a:rPr>
+              <a:t>puppet.manifests_path</a:t>
+            </a:r>
+            <a:r>
+              <a:rPr lang="en-US" sz="2000" dirty="0" smtClean="0">
+                <a:latin typeface="Courier New"/>
+                <a:cs typeface="Courier New"/>
+              </a:rPr>
+              <a:t> </a:t>
+            </a:r>
+            <a:r>
+              <a:rPr lang="en-US" sz="2000" dirty="0">
+                <a:latin typeface="Courier New"/>
+                <a:cs typeface="Courier New"/>
+              </a:rPr>
+              <a:t>= </a:t>
+            </a:r>
+            <a:r>
+              <a:rPr lang="en-US" sz="2000" dirty="0" smtClean="0">
+                <a:latin typeface="Courier New"/>
+                <a:cs typeface="Courier New"/>
+              </a:rPr>
+              <a:t>'manifests</a:t>
+            </a:r>
+            <a:r>
+              <a:rPr lang="en-US" sz="2000" dirty="0">
+                <a:latin typeface="Courier New"/>
+                <a:cs typeface="Courier New"/>
+              </a:rPr>
+              <a:t>'</a:t>
+            </a:r>
+            <a:r>
+              <a:rPr lang="en-US" sz="2000" dirty="0" smtClean="0">
+                <a:latin typeface="Courier New"/>
+                <a:cs typeface="Courier New"/>
+              </a:rPr>
+              <a:t/>
+            </a:r>
+            <a:br>
+              <a:rPr lang="en-US" sz="2000" dirty="0" smtClean="0">
+                <a:latin typeface="Courier New"/>
+                <a:cs typeface="Courier New"/>
+              </a:rPr>
+            </a:br>
+            <a:r>
+              <a:rPr lang="en-US" sz="2000" dirty="0" smtClean="0">
+                <a:latin typeface="Courier New"/>
+                <a:cs typeface="Courier New"/>
+              </a:rPr>
+              <a:t>  </a:t>
+            </a:r>
+            <a:r>
+              <a:rPr lang="en-US" sz="2000" dirty="0" err="1" smtClean="0">
+                <a:latin typeface="Courier New"/>
+                <a:cs typeface="Courier New"/>
+              </a:rPr>
+              <a:t>puppet.manifest_file</a:t>
+            </a:r>
+            <a:r>
+              <a:rPr lang="en-US" sz="2000" dirty="0" smtClean="0">
+                <a:latin typeface="Courier New"/>
+                <a:cs typeface="Courier New"/>
+              </a:rPr>
+              <a:t>  </a:t>
+            </a:r>
+            <a:r>
+              <a:rPr lang="en-US" sz="2000" dirty="0">
+                <a:latin typeface="Courier New"/>
+                <a:cs typeface="Courier New"/>
+              </a:rPr>
+              <a:t>= </a:t>
+            </a:r>
+            <a:r>
+              <a:rPr lang="en-US" sz="2000" dirty="0" smtClean="0">
+                <a:latin typeface="Courier New"/>
+                <a:cs typeface="Courier New"/>
+              </a:rPr>
+              <a:t>'</a:t>
+            </a:r>
+            <a:r>
+              <a:rPr lang="en-US" sz="2000" dirty="0" err="1" smtClean="0">
+                <a:latin typeface="Courier New"/>
+                <a:cs typeface="Courier New"/>
+              </a:rPr>
+              <a:t>site.pp</a:t>
+            </a:r>
+            <a:r>
+              <a:rPr lang="en-US" sz="2000" dirty="0">
+                <a:latin typeface="Courier New"/>
+                <a:cs typeface="Courier New"/>
+              </a:rPr>
+              <a:t>'</a:t>
+            </a:r>
+            <a:r>
+              <a:rPr lang="en-US" sz="2000" dirty="0" smtClean="0">
+                <a:latin typeface="Courier New"/>
+                <a:cs typeface="Courier New"/>
+              </a:rPr>
+              <a:t/>
+            </a:r>
+            <a:br>
+              <a:rPr lang="en-US" sz="2000" dirty="0" smtClean="0">
+                <a:latin typeface="Courier New"/>
+                <a:cs typeface="Courier New"/>
+              </a:rPr>
+            </a:br>
+            <a:r>
+              <a:rPr lang="en-US" sz="2000" dirty="0" smtClean="0">
+                <a:latin typeface="Courier New"/>
+                <a:cs typeface="Courier New"/>
+              </a:rPr>
+              <a:t>  </a:t>
+            </a:r>
+            <a:r>
+              <a:rPr lang="en-US" sz="2000" dirty="0" err="1">
+                <a:latin typeface="Courier New"/>
+                <a:cs typeface="Courier New"/>
+              </a:rPr>
+              <a:t>puppet.module_path</a:t>
+            </a:r>
+            <a:r>
+              <a:rPr lang="en-US" sz="2000" dirty="0">
+                <a:latin typeface="Courier New"/>
+                <a:cs typeface="Courier New"/>
+              </a:rPr>
+              <a:t> = ['</a:t>
+            </a:r>
+            <a:r>
+              <a:rPr lang="en-US" sz="2000" dirty="0" smtClean="0">
+                <a:latin typeface="Courier New"/>
+                <a:cs typeface="Courier New"/>
+              </a:rPr>
+              <a:t>modules']</a:t>
+            </a:r>
+            <a:br>
+              <a:rPr lang="en-US" sz="2000" dirty="0" smtClean="0">
+                <a:latin typeface="Courier New"/>
+                <a:cs typeface="Courier New"/>
+              </a:rPr>
+            </a:br>
+            <a:r>
+              <a:rPr lang="en-US" sz="2000" dirty="0" smtClean="0">
+                <a:latin typeface="Courier New"/>
+                <a:cs typeface="Courier New"/>
+              </a:rPr>
+              <a:t>  </a:t>
+            </a:r>
+            <a:r>
+              <a:rPr lang="en-US" sz="2000" dirty="0" err="1" smtClean="0">
+                <a:latin typeface="Courier New"/>
+                <a:cs typeface="Courier New"/>
+              </a:rPr>
+              <a:t>puppet.hiera_config_path</a:t>
+            </a:r>
+            <a:r>
+              <a:rPr lang="en-US" sz="2000" dirty="0" smtClean="0">
+                <a:latin typeface="Courier New"/>
+                <a:cs typeface="Courier New"/>
+              </a:rPr>
+              <a:t> </a:t>
+            </a:r>
+            <a:r>
+              <a:rPr lang="en-US" sz="2000" dirty="0">
+                <a:latin typeface="Courier New"/>
+                <a:cs typeface="Courier New"/>
+              </a:rPr>
+              <a:t>= '</a:t>
+            </a:r>
+            <a:r>
+              <a:rPr lang="en-US" sz="2000" dirty="0" err="1">
+                <a:latin typeface="Courier New"/>
+                <a:cs typeface="Courier New"/>
+              </a:rPr>
+              <a:t>hiera.yaml</a:t>
+            </a:r>
+            <a:r>
+              <a:rPr lang="en-US" sz="2000" dirty="0">
+                <a:latin typeface="Courier New"/>
+                <a:cs typeface="Courier New"/>
+              </a:rPr>
+              <a:t>'</a:t>
+            </a:r>
+            <a:br>
+              <a:rPr lang="en-US" sz="2000" dirty="0">
+                <a:latin typeface="Courier New"/>
+                <a:cs typeface="Courier New"/>
+              </a:rPr>
+            </a:br>
+            <a:r>
+              <a:rPr lang="en-US" sz="2000" dirty="0" smtClean="0">
+                <a:latin typeface="Courier New"/>
+                <a:cs typeface="Courier New"/>
+              </a:rPr>
+              <a:t>  </a:t>
+            </a:r>
+            <a:r>
+              <a:rPr lang="en-US" sz="2000" dirty="0" err="1">
+                <a:latin typeface="Courier New"/>
+                <a:cs typeface="Courier New"/>
+              </a:rPr>
+              <a:t>puppet.working_directory</a:t>
+            </a:r>
+            <a:r>
+              <a:rPr lang="en-US" sz="2000" dirty="0">
+                <a:latin typeface="Courier New"/>
+                <a:cs typeface="Courier New"/>
+              </a:rPr>
+              <a:t> = </a:t>
+            </a:r>
+            <a:r>
+              <a:rPr lang="en-US" sz="2000" dirty="0" smtClean="0">
+                <a:latin typeface="Courier New"/>
+                <a:cs typeface="Courier New"/>
+              </a:rPr>
+              <a:t>'/vagrant</a:t>
+            </a:r>
+            <a:r>
+              <a:rPr lang="en-US" sz="2000" dirty="0">
+                <a:latin typeface="Courier New"/>
+                <a:cs typeface="Courier New"/>
+              </a:rPr>
+              <a:t>'</a:t>
+            </a:r>
+            <a:br>
+              <a:rPr lang="en-US" sz="2000" dirty="0">
+                <a:latin typeface="Courier New"/>
+                <a:cs typeface="Courier New"/>
+              </a:rPr>
+            </a:br>
+            <a:r>
+              <a:rPr lang="en-US" sz="2000" dirty="0" smtClean="0">
+                <a:latin typeface="Courier New"/>
+                <a:cs typeface="Courier New"/>
+              </a:rPr>
+              <a:t>  </a:t>
+            </a:r>
+            <a:r>
+              <a:rPr lang="en-US" sz="2000" b="1" dirty="0" err="1" smtClean="0">
+                <a:latin typeface="Courier New"/>
+                <a:cs typeface="Courier New"/>
+              </a:rPr>
+              <a:t>puppet.options</a:t>
+            </a:r>
+            <a:r>
+              <a:rPr lang="en-US" sz="2000" b="1" dirty="0" smtClean="0">
+                <a:latin typeface="Courier New"/>
+                <a:cs typeface="Courier New"/>
+              </a:rPr>
+              <a:t> </a:t>
+            </a:r>
+            <a:r>
+              <a:rPr lang="en-US" sz="2000" b="1" dirty="0">
+                <a:latin typeface="Courier New"/>
+                <a:cs typeface="Courier New"/>
+              </a:rPr>
+              <a:t>= </a:t>
+            </a:r>
+            <a:r>
+              <a:rPr lang="en-US" sz="2000" b="1" dirty="0" smtClean="0">
+                <a:latin typeface="Courier New"/>
+                <a:cs typeface="Courier New"/>
+              </a:rPr>
+              <a:t>'--environment development'</a:t>
+            </a:r>
+            <a:r>
+              <a:rPr lang="en-US" sz="2000" dirty="0">
+                <a:latin typeface="Courier New"/>
+                <a:cs typeface="Courier New"/>
+              </a:rPr>
+              <a:t/>
+            </a:r>
+            <a:br>
+              <a:rPr lang="en-US" sz="2000" dirty="0">
+                <a:latin typeface="Courier New"/>
+                <a:cs typeface="Courier New"/>
+              </a:rPr>
+            </a:br>
+            <a:r>
+              <a:rPr lang="en-US" sz="2000" dirty="0" smtClean="0">
+                <a:latin typeface="Courier New"/>
+                <a:cs typeface="Courier New"/>
+              </a:rPr>
+              <a:t>end</a:t>
+            </a:r>
+            <a:br>
+              <a:rPr lang="en-US" sz="2000" dirty="0" smtClean="0">
+                <a:latin typeface="Courier New"/>
+                <a:cs typeface="Courier New"/>
+              </a:rPr>
+            </a:br>
+            <a:endParaRPr lang="en-US" sz="2000" dirty="0" smtClean="0">
+              <a:latin typeface="Courier New"/>
+              <a:cs typeface="Courier New"/>
+            </a:endParaRPr>
+          </a:p>
+        </p:txBody>
+      </p:sp>
+    </p:spTree>
+    <p:extLst>
+      <p:ext uri="{BB962C8B-B14F-4D97-AF65-F5344CB8AC3E}">
+        <p14:creationId xmlns:p14="http://schemas.microsoft.com/office/powerpoint/2010/main" val="950876454"/>
+      </p:ext>
+    </p:extLst>
+  </p:cSld>
+  <p:clrMapOvr>
+    <a:masterClrMapping/>
+  </p:clrMapOvr>
+  <p:timing>
+    <p:tnLst>
+      <p:par>
+        <p:cTn xmlns:p14="http://schemas.microsoft.com/office/powerpoint/2010/main" id="1" dur="indefinite" restart="never" nodeType="tmRoot"/>
+      </p:par>
+    </p:tnLst>
+  </p:timing>
+</p:sld>
+</file>
+
+<file path=ppt/slides/slide28.xml><?xml version="1.0" encoding="utf-8"?>
+<p:sld xmlns:a="http://schemas.openxmlformats.org/drawingml/2006/main" xmlns:r="http://schemas.openxmlformats.org/officeDocument/2006/relationships" xmlns:p="http://schemas.openxmlformats.org/presentationml/2006/main">
+  <p:cSld>
+    <p:spTree>
+      <p:nvGrpSpPr>
+        <p:cNvPr id="1" name=""/>
+        <p:cNvGrpSpPr/>
+        <p:nvPr/>
+      </p:nvGrpSpPr>
+      <p:grpSpPr>
+        <a:xfrm>
+          <a:off x="0" y="0"/>
+          <a:ext cx="0" cy="0"/>
+          <a:chOff x="0" y="0"/>
+          <a:chExt cx="0" cy="0"/>
+        </a:xfrm>
+      </p:grpSpPr>
+      <p:sp>
+        <p:nvSpPr>
+          <p:cNvPr id="4" name="Title 3"/>
+          <p:cNvSpPr>
+            <a:spLocks noGrp="1"/>
+          </p:cNvSpPr>
+          <p:nvPr>
+            <p:ph type="title"/>
+          </p:nvPr>
+        </p:nvSpPr>
+        <p:spPr/>
+        <p:txBody>
+          <a:bodyPr/>
+          <a:lstStyle/>
+          <a:p>
+            <a:r>
+              <a:rPr lang="en-US" dirty="0" smtClean="0"/>
+              <a:t>External Node Classification</a:t>
+            </a:r>
+            <a:endParaRPr lang="en-US" dirty="0"/>
+          </a:p>
+        </p:txBody>
+      </p:sp>
+      <p:sp>
+        <p:nvSpPr>
+          <p:cNvPr id="5" name="Text Placeholder 4"/>
+          <p:cNvSpPr>
+            <a:spLocks noGrp="1"/>
+          </p:cNvSpPr>
+          <p:nvPr>
+            <p:ph type="body" idx="1"/>
+          </p:nvPr>
+        </p:nvSpPr>
+        <p:spPr/>
+        <p:txBody>
+          <a:bodyPr/>
+          <a:lstStyle/>
+          <a:p>
+            <a:endParaRPr lang="en-US"/>
+          </a:p>
+        </p:txBody>
+      </p:sp>
+    </p:spTree>
+    <p:extLst>
+      <p:ext uri="{BB962C8B-B14F-4D97-AF65-F5344CB8AC3E}">
+        <p14:creationId xmlns:p14="http://schemas.microsoft.com/office/powerpoint/2010/main" val="601874588"/>
+      </p:ext>
+    </p:extLst>
+  </p:cSld>
+  <p:clrMapOvr>
+    <a:masterClrMapping/>
+  </p:clrMapOvr>
+  <p:timing>
+    <p:tnLst>
+      <p:par>
+        <p:cTn xmlns:p14="http://schemas.microsoft.com/office/powerpoint/2010/main" id="1" dur="indefinite" restart="never" nodeType="tmRoot"/>
+      </p:par>
+    </p:tnLst>
+  </p:timing>
+</p:sld>
+</file>
+
+<file path=ppt/slides/slide29.xml><?xml version="1.0" encoding="utf-8"?>
+<p:sld xmlns:a="http://schemas.openxmlformats.org/drawingml/2006/main" xmlns:r="http://schemas.openxmlformats.org/officeDocument/2006/relationships" xmlns:p="http://schemas.openxmlformats.org/presentationml/2006/main">
+  <p:cSld>
+    <p:spTree>
+      <p:nvGrpSpPr>
+        <p:cNvPr id="1" name=""/>
+        <p:cNvGrpSpPr/>
+        <p:nvPr/>
+      </p:nvGrpSpPr>
+      <p:grpSpPr>
+        <a:xfrm>
+          <a:off x="0" y="0"/>
+          <a:ext cx="0" cy="0"/>
+          <a:chOff x="0" y="0"/>
+          <a:chExt cx="0" cy="0"/>
+        </a:xfrm>
+      </p:grpSpPr>
+      <p:sp>
+        <p:nvSpPr>
+          <p:cNvPr id="2" name="Title 1"/>
+          <p:cNvSpPr>
+            <a:spLocks noGrp="1"/>
+          </p:cNvSpPr>
+          <p:nvPr>
+            <p:ph type="title"/>
+          </p:nvPr>
+        </p:nvSpPr>
+        <p:spPr/>
+        <p:txBody>
+          <a:bodyPr/>
+          <a:lstStyle/>
+          <a:p>
+            <a:r>
+              <a:rPr lang="en-US" dirty="0" smtClean="0"/>
+              <a:t>Using </a:t>
+            </a:r>
+            <a:r>
+              <a:rPr lang="en-US" smtClean="0"/>
+              <a:t>hiera</a:t>
+            </a:r>
+            <a:endParaRPr lang="en-US" dirty="0"/>
+          </a:p>
+        </p:txBody>
+      </p:sp>
+      <p:sp>
+        <p:nvSpPr>
+          <p:cNvPr id="3" name="Content Placeholder 2"/>
+          <p:cNvSpPr>
+            <a:spLocks noGrp="1"/>
+          </p:cNvSpPr>
+          <p:nvPr>
+            <p:ph idx="1"/>
+          </p:nvPr>
+        </p:nvSpPr>
+        <p:spPr/>
+        <p:txBody>
+          <a:bodyPr>
+            <a:normAutofit/>
+          </a:bodyPr>
+          <a:lstStyle/>
+          <a:p>
+            <a:r>
+              <a:rPr lang="en-US" dirty="0" smtClean="0"/>
+              <a:t>Comment everything out in </a:t>
+            </a:r>
+            <a:r>
+              <a:rPr lang="en-US" dirty="0" err="1" smtClean="0"/>
+              <a:t>site.pp</a:t>
+            </a:r>
+            <a:r>
+              <a:rPr lang="en-US" dirty="0" smtClean="0"/>
+              <a:t> and add the following line at the top:</a:t>
+            </a:r>
+            <a:br>
+              <a:rPr lang="en-US" dirty="0" smtClean="0"/>
+            </a:br>
+            <a:r>
+              <a:rPr lang="en-US" dirty="0" err="1" smtClean="0">
+                <a:latin typeface="Courier New"/>
+                <a:cs typeface="Courier New"/>
+              </a:rPr>
+              <a:t>hiera_include</a:t>
+            </a:r>
+            <a:r>
+              <a:rPr lang="en-US" dirty="0" smtClean="0">
+                <a:latin typeface="Courier New"/>
+                <a:cs typeface="Courier New"/>
+              </a:rPr>
+              <a:t>('classes')</a:t>
+            </a:r>
+          </a:p>
+          <a:p>
+            <a:r>
+              <a:rPr lang="en-US" dirty="0" smtClean="0"/>
+              <a:t>Add the following lines in </a:t>
+            </a:r>
+            <a:r>
+              <a:rPr lang="en-US" dirty="0" err="1" smtClean="0"/>
+              <a:t>common.yaml</a:t>
+            </a:r>
+            <a:r>
+              <a:rPr lang="en-US" dirty="0" smtClean="0"/>
+              <a:t>:</a:t>
+            </a:r>
+            <a:br>
+              <a:rPr lang="en-US" dirty="0" smtClean="0"/>
+            </a:br>
+            <a:r>
+              <a:rPr lang="en-US" dirty="0" smtClean="0">
+                <a:latin typeface="Courier New"/>
+                <a:cs typeface="Courier New"/>
+              </a:rPr>
+              <a:t>classes:</a:t>
+            </a:r>
+            <a:br>
+              <a:rPr lang="en-US" dirty="0" smtClean="0">
+                <a:latin typeface="Courier New"/>
+                <a:cs typeface="Courier New"/>
+              </a:rPr>
+            </a:br>
+            <a:r>
+              <a:rPr lang="en-US" dirty="0" smtClean="0">
+                <a:latin typeface="Courier New"/>
+                <a:cs typeface="Courier New"/>
+              </a:rPr>
+              <a:t>- </a:t>
+            </a:r>
+            <a:r>
+              <a:rPr lang="en-US" dirty="0" err="1" smtClean="0">
+                <a:latin typeface="Courier New"/>
+                <a:cs typeface="Courier New"/>
+              </a:rPr>
+              <a:t>lamp_stack</a:t>
+            </a:r>
+            <a:endParaRPr lang="en-US" dirty="0" smtClean="0">
+              <a:latin typeface="Courier New"/>
+              <a:cs typeface="Courier New"/>
+            </a:endParaRPr>
+          </a:p>
+        </p:txBody>
+      </p:sp>
+    </p:spTree>
+    <p:extLst>
+      <p:ext uri="{BB962C8B-B14F-4D97-AF65-F5344CB8AC3E}">
+        <p14:creationId xmlns:p14="http://schemas.microsoft.com/office/powerpoint/2010/main" val="2076006111"/>
+      </p:ext>
+    </p:extLst>
+  </p:cSld>
+  <p:clrMapOvr>
+    <a:masterClrMapping/>
+  </p:clrMapOvr>
+  <p:timing>
+    <p:tnLst>
+      <p:par>
+        <p:cTn xmlns:p14="http://schemas.microsoft.com/office/powerpoint/2010/main" id="1" dur="indefinite" restart="never" nodeType="tmRoot"/>
+      </p:par>
+    </p:tnLst>
+  </p:timing>
 </p:sld>
 </file>
 
@@ -5688,15 +8519,25 @@
               <a:t> to ensure </a:t>
             </a:r>
             <a:r>
-              <a:rPr lang="en-US" dirty="0" err="1" smtClean="0"/>
-              <a:t>git</a:t>
-            </a:r>
-            <a:r>
-              <a:rPr lang="en-US" dirty="0" smtClean="0"/>
-              <a:t> and </a:t>
-            </a:r>
-            <a:r>
-              <a:rPr lang="en-US" dirty="0" err="1" smtClean="0"/>
+              <a:rPr lang="en-US" dirty="0" smtClean="0">
+                <a:latin typeface="Courier New"/>
+                <a:cs typeface="Courier New"/>
+              </a:rPr>
+              <a:t>tree</a:t>
+            </a:r>
+            <a:r>
+              <a:rPr lang="en-US" dirty="0" smtClean="0"/>
+              <a:t> </a:t>
+            </a:r>
+            <a:r>
+              <a:rPr lang="en-US" dirty="0" smtClean="0"/>
+              <a:t>and </a:t>
+            </a:r>
+            <a:r>
+              <a:rPr lang="en-US" dirty="0" err="1" smtClean="0">
+                <a:latin typeface="Courier New"/>
+                <a:cs typeface="Courier New"/>
+              </a:rPr>
               <a:t>httpd</a:t>
             </a:r>
             <a:r>

--- a/01-provision/xconf-sydney-2014-provision.pptx
+++ b/01-provision/xconf-sydney-2014-provision.pptx
@@ -316,7 +316,7 @@
           <a:p>
             <a:fld id="{84A12C72-ABFC-CE48-9B1E-CDFF09225F3F}" type="datetimeFigureOut">
               <a:rPr lang="en-US" smtClean="0"/>
-              <a:t>28/08/2014</a:t>
+              <a:t>30/08/2014</a:t>
             </a:fld>
             <a:endParaRPr lang="en-US"/>
           </a:p>
@@ -486,7 +486,7 @@
           <a:p>
             <a:fld id="{84A12C72-ABFC-CE48-9B1E-CDFF09225F3F}" type="datetimeFigureOut">
               <a:rPr lang="en-US" smtClean="0"/>
-              <a:t>28/08/2014</a:t>
+              <a:t>30/08/2014</a:t>
             </a:fld>
             <a:endParaRPr lang="en-US"/>
           </a:p>
@@ -666,7 +666,7 @@
           <a:p>
             <a:fld id="{84A12C72-ABFC-CE48-9B1E-CDFF09225F3F}" type="datetimeFigureOut">
               <a:rPr lang="en-US" smtClean="0"/>
-              <a:t>28/08/2014</a:t>
+              <a:t>30/08/2014</a:t>
             </a:fld>
             <a:endParaRPr lang="en-US"/>
           </a:p>
@@ -836,7 +836,7 @@
           <a:p>
             <a:fld id="{84A12C72-ABFC-CE48-9B1E-CDFF09225F3F}" type="datetimeFigureOut">
               <a:rPr lang="en-US" smtClean="0"/>
-              <a:t>28/08/2014</a:t>
+              <a:t>30/08/2014</a:t>
             </a:fld>
             <a:endParaRPr lang="en-US"/>
           </a:p>
@@ -1082,7 +1082,7 @@
           <a:p>
             <a:fld id="{84A12C72-ABFC-CE48-9B1E-CDFF09225F3F}" type="datetimeFigureOut">
               <a:rPr lang="en-US" smtClean="0"/>
-              <a:t>28/08/2014</a:t>
+              <a:t>30/08/2014</a:t>
             </a:fld>
             <a:endParaRPr lang="en-US"/>
           </a:p>
@@ -1370,7 +1370,7 @@
           <a:p>
             <a:fld id="{84A12C72-ABFC-CE48-9B1E-CDFF09225F3F}" type="datetimeFigureOut">
               <a:rPr lang="en-US" smtClean="0"/>
-              <a:t>28/08/2014</a:t>
+              <a:t>30/08/2014</a:t>
             </a:fld>
             <a:endParaRPr lang="en-US"/>
           </a:p>
@@ -1792,7 +1792,7 @@
           <a:p>
             <a:fld id="{84A12C72-ABFC-CE48-9B1E-CDFF09225F3F}" type="datetimeFigureOut">
               <a:rPr lang="en-US" smtClean="0"/>
-              <a:t>28/08/2014</a:t>
+              <a:t>30/08/2014</a:t>
             </a:fld>
             <a:endParaRPr lang="en-US"/>
           </a:p>
@@ -1910,7 +1910,7 @@
           <a:p>
             <a:fld id="{84A12C72-ABFC-CE48-9B1E-CDFF09225F3F}" type="datetimeFigureOut">
               <a:rPr lang="en-US" smtClean="0"/>
-              <a:t>28/08/2014</a:t>
+              <a:t>30/08/2014</a:t>
             </a:fld>
             <a:endParaRPr lang="en-US"/>
           </a:p>
@@ -2005,7 +2005,7 @@
           <a:p>
             <a:fld id="{84A12C72-ABFC-CE48-9B1E-CDFF09225F3F}" type="datetimeFigureOut">
               <a:rPr lang="en-US" smtClean="0"/>
-              <a:t>28/08/2014</a:t>
+              <a:t>30/08/2014</a:t>
             </a:fld>
             <a:endParaRPr lang="en-US"/>
           </a:p>
@@ -2282,7 +2282,7 @@
           <a:p>
             <a:fld id="{84A12C72-ABFC-CE48-9B1E-CDFF09225F3F}" type="datetimeFigureOut">
               <a:rPr lang="en-US" smtClean="0"/>
-              <a:t>28/08/2014</a:t>
+              <a:t>30/08/2014</a:t>
             </a:fld>
             <a:endParaRPr lang="en-US"/>
           </a:p>
@@ -2535,7 +2535,7 @@
           <a:p>
             <a:fld id="{84A12C72-ABFC-CE48-9B1E-CDFF09225F3F}" type="datetimeFigureOut">
               <a:rPr lang="en-US" smtClean="0"/>
-              <a:t>28/08/2014</a:t>
+              <a:t>30/08/2014</a:t>
             </a:fld>
             <a:endParaRPr lang="en-US"/>
           </a:p>
@@ -2748,7 +2748,7 @@
           <a:p>
             <a:fld id="{84A12C72-ABFC-CE48-9B1E-CDFF09225F3F}" type="datetimeFigureOut">
               <a:rPr lang="en-US" smtClean="0"/>
-              <a:t>28/08/2014</a:t>
+              <a:t>30/08/2014</a:t>
             </a:fld>
             <a:endParaRPr lang="en-US"/>
           </a:p>
@@ -3254,11 +3254,7 @@
             </a:pPr>
             <a:r>
               <a:rPr lang="en-US" dirty="0" smtClean="0"/>
-              <a:t>Run an arbitrary </a:t>
-            </a:r>
-            <a:r>
-              <a:rPr lang="en-US" dirty="0" smtClean="0"/>
-              <a:t>command</a:t>
+              <a:t>Run an arbitrary command</a:t>
             </a:r>
           </a:p>
           <a:p>
@@ -3268,11 +3264,7 @@
             </a:r>
             <a:r>
               <a:rPr lang="en-US" dirty="0" smtClean="0"/>
-              <a:t> </a:t>
-            </a:r>
-            <a:r>
-              <a:rPr lang="en-US" dirty="0" smtClean="0"/>
-              <a:t>the sample </a:t>
+              <a:t> the sample </a:t>
             </a:r>
             <a:r>
               <a:rPr lang="en-US" dirty="0" err="1" smtClean="0"/>
@@ -3301,14 +3293,7 @@
                 <a:latin typeface="Courier New"/>
                 <a:cs typeface="Courier New"/>
               </a:rPr>
-              <a:t>/</a:t>
-            </a:r>
-            <a:r>
-              <a:rPr lang="en-US" sz="2800" dirty="0" smtClean="0">
-                <a:latin typeface="Courier New"/>
-                <a:cs typeface="Courier New"/>
-              </a:rPr>
-              <a:t>local</a:t>
+              <a:t>/local</a:t>
             </a:r>
             <a:r>
               <a:rPr lang="en-US" dirty="0" smtClean="0"/>
@@ -3721,21 +3706,7 @@
                 <a:latin typeface="Courier New"/>
                 <a:cs typeface="Courier New"/>
               </a:rPr>
-              <a:t>   content =&gt; </a:t>
-            </a:r>
-            <a:r>
-              <a:rPr lang="en-US" sz="2800" dirty="0" smtClean="0">
-                <a:latin typeface="Courier New"/>
-                <a:cs typeface="Courier New"/>
-              </a:rPr>
-              <a:t>'Trash some rubbish'</a:t>
-            </a:r>
-            <a:r>
-              <a:rPr lang="en-US" sz="2800" dirty="0" smtClean="0">
-                <a:latin typeface="Courier New"/>
-                <a:cs typeface="Courier New"/>
-              </a:rPr>
-              <a:t>,</a:t>
+              <a:t>   content =&gt; 'Trash some rubbish',</a:t>
             </a:r>
           </a:p>
           <a:p>
@@ -4200,10 +4171,6 @@
               </a:rPr>
               <a:t>...</a:t>
             </a:r>
-            <a:endParaRPr lang="en-US" dirty="0" smtClean="0">
-              <a:latin typeface="Courier New"/>
-              <a:cs typeface="Courier New"/>
-            </a:endParaRPr>
           </a:p>
           <a:p>
             <a:pPr marL="0" indent="0">
@@ -4216,10 +4183,6 @@
               </a:rPr>
               <a:t>include junk</a:t>
             </a:r>
-            <a:endParaRPr lang="en-US" dirty="0" smtClean="0">
-              <a:latin typeface="Courier New"/>
-              <a:cs typeface="Courier New"/>
-            </a:endParaRPr>
           </a:p>
         </p:txBody>
       </p:sp>
@@ -4452,21 +4415,54 @@
                 <a:latin typeface="Courier New"/>
                 <a:cs typeface="Courier New"/>
               </a:rPr>
-              <a:t>class </a:t>
+              <a:t>class junk($verb, $name = 'rubbish') {</a:t>
+            </a:r>
+          </a:p>
+          <a:p>
+            <a:pPr marL="0" indent="0">
+              <a:buNone/>
+            </a:pPr>
+            <a:r>
+              <a:rPr lang="en-US" sz="2000" dirty="0">
+                <a:latin typeface="Courier New"/>
+                <a:cs typeface="Courier New"/>
+              </a:rPr>
+              <a:t> </a:t>
             </a:r>
             <a:r>
               <a:rPr lang="en-US" sz="2000" dirty="0" smtClean="0">
                 <a:latin typeface="Courier New"/>
                 <a:cs typeface="Courier New"/>
               </a:rPr>
-              <a:t>junk($verb, $name = 'rubbish') </a:t>
+              <a:t> file { '/</a:t>
+            </a:r>
+            <a:r>
+              <a:rPr lang="en-US" sz="2000" dirty="0" err="1" smtClean="0">
+                <a:latin typeface="Courier New"/>
+                <a:cs typeface="Courier New"/>
+              </a:rPr>
+              <a:t>tmp</a:t>
             </a:r>
             <a:r>
               <a:rPr lang="en-US" sz="2000" dirty="0" smtClean="0">
                 <a:latin typeface="Courier New"/>
                 <a:cs typeface="Courier New"/>
               </a:rPr>
-              <a:t>{</a:t>
+              <a:t>/</a:t>
+            </a:r>
+            <a:r>
+              <a:rPr lang="en-US" sz="2000" dirty="0" err="1" smtClean="0">
+                <a:latin typeface="Courier New"/>
+                <a:cs typeface="Courier New"/>
+              </a:rPr>
+              <a:t>junk.txt</a:t>
+            </a:r>
+            <a:r>
+              <a:rPr lang="en-US" sz="2000" dirty="0" smtClean="0">
+                <a:latin typeface="Courier New"/>
+                <a:cs typeface="Courier New"/>
+              </a:rPr>
+              <a:t>':</a:t>
             </a:r>
           </a:p>
           <a:p>
@@ -4485,106 +4481,41 @@
                 <a:latin typeface="Courier New"/>
                 <a:cs typeface="Courier New"/>
               </a:rPr>
-              <a:t> file { '/</a:t>
-            </a:r>
-            <a:r>
-              <a:rPr lang="en-US" sz="2000" dirty="0" err="1" smtClean="0">
-                <a:latin typeface="Courier New"/>
-                <a:cs typeface="Courier New"/>
-              </a:rPr>
-              <a:t>tmp</a:t>
+              <a:t>   ensure =&gt; file,</a:t>
+            </a:r>
+          </a:p>
+          <a:p>
+            <a:pPr marL="0" indent="0">
+              <a:buNone/>
+            </a:pPr>
+            <a:r>
+              <a:rPr lang="en-US" sz="2000" dirty="0">
+                <a:latin typeface="Courier New"/>
+                <a:cs typeface="Courier New"/>
+              </a:rPr>
+              <a:t> </a:t>
             </a:r>
             <a:r>
               <a:rPr lang="en-US" sz="2000" dirty="0" smtClean="0">
                 <a:latin typeface="Courier New"/>
                 <a:cs typeface="Courier New"/>
               </a:rPr>
-              <a:t>/</a:t>
-            </a:r>
-            <a:r>
-              <a:rPr lang="en-US" sz="2000" dirty="0" err="1" smtClean="0">
-                <a:latin typeface="Courier New"/>
-                <a:cs typeface="Courier New"/>
-              </a:rPr>
-              <a:t>junk.txt</a:t>
+              <a:t>   content =&gt; "</a:t>
+            </a:r>
+            <a:r>
+              <a:rPr lang="en-US" sz="2000" dirty="0">
+                <a:latin typeface="Courier New"/>
+                <a:cs typeface="Courier New"/>
+              </a:rPr>
+              <a:t>$</a:t>
             </a:r>
             <a:r>
               <a:rPr lang="en-US" sz="2000" dirty="0" smtClean="0">
                 <a:latin typeface="Courier New"/>
                 <a:cs typeface="Courier New"/>
               </a:rPr>
-              <a:t>':</a:t>
-            </a:r>
-          </a:p>
-          <a:p>
-            <a:pPr marL="0" indent="0">
-              <a:buNone/>
-            </a:pPr>
-            <a:r>
-              <a:rPr lang="en-US" sz="2000" dirty="0">
-                <a:latin typeface="Courier New"/>
-                <a:cs typeface="Courier New"/>
-              </a:rPr>
-              <a:t> </a:t>
-            </a:r>
-            <a:r>
-              <a:rPr lang="en-US" sz="2000" dirty="0" smtClean="0">
-                <a:latin typeface="Courier New"/>
-                <a:cs typeface="Courier New"/>
-              </a:rPr>
-              <a:t>   ensure =&gt; file,</a:t>
-            </a:r>
-          </a:p>
-          <a:p>
-            <a:pPr marL="0" indent="0">
-              <a:buNone/>
-            </a:pPr>
-            <a:r>
-              <a:rPr lang="en-US" sz="2000" dirty="0">
-                <a:latin typeface="Courier New"/>
-                <a:cs typeface="Courier New"/>
-              </a:rPr>
-              <a:t> </a:t>
-            </a:r>
-            <a:r>
-              <a:rPr lang="en-US" sz="2000" dirty="0" smtClean="0">
-                <a:latin typeface="Courier New"/>
-                <a:cs typeface="Courier New"/>
-              </a:rPr>
-              <a:t>   content =&gt; </a:t>
-            </a:r>
-            <a:r>
-              <a:rPr lang="en-US" sz="2000" dirty="0" smtClean="0">
-                <a:latin typeface="Courier New"/>
-                <a:cs typeface="Courier New"/>
-              </a:rPr>
-              <a:t>"</a:t>
-            </a:r>
-            <a:r>
-              <a:rPr lang="en-US" sz="2000" dirty="0">
-                <a:latin typeface="Courier New"/>
-                <a:cs typeface="Courier New"/>
-              </a:rPr>
-              <a:t>$</a:t>
-            </a:r>
-            <a:r>
-              <a:rPr lang="en-US" sz="2000" dirty="0" smtClean="0">
-                <a:latin typeface="Courier New"/>
-                <a:cs typeface="Courier New"/>
-              </a:rPr>
-              <a:t>{verb} </a:t>
-            </a:r>
-            <a:r>
-              <a:rPr lang="en-US" sz="2000" dirty="0" smtClean="0">
-                <a:latin typeface="Courier New"/>
-                <a:cs typeface="Courier New"/>
-              </a:rPr>
-              <a:t>some ${name}",</a:t>
-            </a:r>
-            <a:endParaRPr lang="en-US" sz="2000" dirty="0" smtClean="0">
-              <a:latin typeface="Courier New"/>
-              <a:cs typeface="Courier New"/>
-            </a:endParaRPr>
+              <a:t>{verb} some ${name}",</a:t>
+            </a:r>
           </a:p>
           <a:p>
             <a:pPr marL="0" indent="0">
@@ -4712,14 +4643,7 @@
                 <a:latin typeface="Courier New"/>
                 <a:cs typeface="Courier New"/>
               </a:rPr>
-              <a:t>class </a:t>
-            </a:r>
-            <a:r>
-              <a:rPr lang="en-US" sz="2000" dirty="0" smtClean="0">
-                <a:latin typeface="Courier New"/>
-                <a:cs typeface="Courier New"/>
-              </a:rPr>
-              <a:t>{ 'junk': verb = 'Trash', name = 'rubbish' }</a:t>
+              <a:t>class { 'junk': verb = 'Trash', name = 'rubbish' }</a:t>
             </a:r>
           </a:p>
           <a:p>
@@ -5478,19 +5402,7 @@
           <a:p>
             <a:r>
               <a:rPr lang="en-US" dirty="0" smtClean="0"/>
-              <a:t>The </a:t>
-            </a:r>
-            <a:r>
-              <a:rPr lang="en-US" dirty="0" smtClean="0"/>
-              <a:t>lamp</a:t>
-            </a:r>
-            <a:r>
-              <a:rPr lang="en-US" dirty="0" smtClean="0"/>
-              <a:t> </a:t>
-            </a:r>
-            <a:r>
-              <a:rPr lang="en-US" dirty="0" smtClean="0"/>
-              <a:t>Module</a:t>
+              <a:t>The lamp Module</a:t>
             </a:r>
             <a:endParaRPr lang="en-US" dirty="0"/>
           </a:p>
@@ -8137,32 +8049,45 @@
           <a:p>
             <a:r>
               <a:rPr lang="en-US" dirty="0" smtClean="0"/>
-              <a:t>Edit </a:t>
-            </a:r>
-            <a:r>
-              <a:rPr lang="en-US" dirty="0" err="1" smtClean="0"/>
+              <a:t>Copy </a:t>
+            </a:r>
+            <a:r>
+              <a:rPr lang="en-US" dirty="0" err="1" smtClean="0">
+                <a:latin typeface="Courier New"/>
+                <a:cs typeface="Courier New"/>
+              </a:rPr>
+              <a:t>puppet.box</a:t>
+            </a:r>
+            <a:r>
+              <a:rPr lang="en-US" dirty="0" smtClean="0"/>
+              <a:t> to the </a:t>
+            </a:r>
+            <a:r>
+              <a:rPr lang="en-US" smtClean="0"/>
+              <a:t>same directory and </a:t>
+            </a:r>
+            <a:r>
+              <a:rPr lang="en-US" dirty="0" smtClean="0"/>
+              <a:t>e</a:t>
+            </a:r>
+            <a:r>
+              <a:rPr lang="en-US" dirty="0" smtClean="0"/>
+              <a:t>dit </a:t>
+            </a:r>
+            <a:r>
+              <a:rPr lang="en-US" dirty="0" err="1"/>
               <a:t>Vagrantfile</a:t>
             </a:r>
             <a:r>
-              <a:rPr lang="en-US" dirty="0" smtClean="0"/>
-              <a:t> to use this box:</a:t>
-            </a:r>
-            <a:br>
-              <a:rPr lang="en-US" dirty="0" smtClean="0"/>
-            </a:br>
-            <a:r>
-              <a:rPr lang="en-US" dirty="0" err="1" smtClean="0">
-                <a:latin typeface="Courier New"/>
-                <a:cs typeface="Courier New"/>
-              </a:rPr>
-              <a:t>puppetlabs</a:t>
-            </a:r>
-            <a:r>
-              <a:rPr lang="en-US" dirty="0" smtClean="0">
-                <a:latin typeface="Courier New"/>
-                <a:cs typeface="Courier New"/>
-              </a:rPr>
-              <a:t>/centos-6.5-64-puppet</a:t>
+              <a:rPr lang="en-US" dirty="0"/>
+              <a:t> to use this box</a:t>
+            </a:r>
+            <a:endParaRPr lang="en-US" dirty="0" smtClean="0"/>
+          </a:p>
+          <a:p>
+            <a:r>
+              <a:rPr lang="en-US" dirty="0" smtClean="0"/>
+              <a:t>Forward port 10080 on host to 80 on guest</a:t>
             </a:r>
           </a:p>
           <a:p>
@@ -8527,11 +8452,7 @@
             </a:r>
             <a:r>
               <a:rPr lang="en-US" dirty="0" smtClean="0"/>
-              <a:t> </a:t>
-            </a:r>
-            <a:r>
-              <a:rPr lang="en-US" dirty="0" smtClean="0"/>
-              <a:t>and </a:t>
+              <a:t> and </a:t>
             </a:r>
             <a:r>
               <a:rPr lang="en-US" dirty="0" err="1" smtClean="0">
